--- a/Lords – An Online Deck-Building Game.pptx
+++ b/Lords – An Online Deck-Building Game.pptx
@@ -10,25 +10,18 @@
     <p:sldId id="259" r:id="rId4"/>
     <p:sldId id="260" r:id="rId5"/>
     <p:sldId id="261" r:id="rId6"/>
-    <p:sldId id="262" r:id="rId7"/>
-    <p:sldId id="263" r:id="rId8"/>
-    <p:sldId id="265" r:id="rId9"/>
-    <p:sldId id="266" r:id="rId10"/>
-    <p:sldId id="268" r:id="rId11"/>
-    <p:sldId id="269" r:id="rId12"/>
-    <p:sldId id="267" r:id="rId13"/>
-    <p:sldId id="271" r:id="rId14"/>
-    <p:sldId id="257" r:id="rId15"/>
-    <p:sldId id="272" r:id="rId16"/>
-    <p:sldId id="274" r:id="rId17"/>
-    <p:sldId id="275" r:id="rId18"/>
-    <p:sldId id="282" r:id="rId19"/>
-    <p:sldId id="276" r:id="rId20"/>
-    <p:sldId id="277" r:id="rId21"/>
-    <p:sldId id="280" r:id="rId22"/>
-    <p:sldId id="278" r:id="rId23"/>
-    <p:sldId id="279" r:id="rId24"/>
-    <p:sldId id="281" r:id="rId25"/>
+    <p:sldId id="271" r:id="rId7"/>
+    <p:sldId id="257" r:id="rId8"/>
+    <p:sldId id="272" r:id="rId9"/>
+    <p:sldId id="274" r:id="rId10"/>
+    <p:sldId id="275" r:id="rId11"/>
+    <p:sldId id="282" r:id="rId12"/>
+    <p:sldId id="276" r:id="rId13"/>
+    <p:sldId id="277" r:id="rId14"/>
+    <p:sldId id="280" r:id="rId15"/>
+    <p:sldId id="278" r:id="rId16"/>
+    <p:sldId id="279" r:id="rId17"/>
+    <p:sldId id="281" r:id="rId18"/>
   </p:sldIdLst>
   <p:sldSz cx="9144000" cy="6858000" type="screen4x3"/>
   <p:notesSz cx="6858000" cy="9144000"/>
@@ -325,7 +318,7 @@
             <a:fld id="{ED9AC142-422A-4F2F-A4EF-D7D85A80FDB0}" type="datetimeFigureOut">
               <a:rPr lang="en-GB" smtClean="0"/>
               <a:pPr/>
-              <a:t>05/05/2020</a:t>
+              <a:t>06/05/2020</a:t>
             </a:fld>
             <a:endParaRPr lang="en-GB"/>
           </a:p>
@@ -680,7 +673,7 @@
             <a:fld id="{ED9AC142-422A-4F2F-A4EF-D7D85A80FDB0}" type="datetimeFigureOut">
               <a:rPr lang="en-GB" smtClean="0"/>
               <a:pPr/>
-              <a:t>05/05/2020</a:t>
+              <a:t>06/05/2020</a:t>
             </a:fld>
             <a:endParaRPr lang="en-GB"/>
           </a:p>
@@ -857,7 +850,7 @@
             <a:fld id="{ED9AC142-422A-4F2F-A4EF-D7D85A80FDB0}" type="datetimeFigureOut">
               <a:rPr lang="en-GB" smtClean="0"/>
               <a:pPr/>
-              <a:t>05/05/2020</a:t>
+              <a:t>06/05/2020</a:t>
             </a:fld>
             <a:endParaRPr lang="en-GB"/>
           </a:p>
@@ -972,7 +965,7 @@
             <a:fld id="{ED9AC142-422A-4F2F-A4EF-D7D85A80FDB0}" type="datetimeFigureOut">
               <a:rPr lang="en-GB" smtClean="0"/>
               <a:pPr/>
-              <a:t>05/05/2020</a:t>
+              <a:t>06/05/2020</a:t>
             </a:fld>
             <a:endParaRPr lang="en-GB"/>
           </a:p>
@@ -1332,7 +1325,7 @@
             <a:fld id="{ED9AC142-422A-4F2F-A4EF-D7D85A80FDB0}" type="datetimeFigureOut">
               <a:rPr lang="en-GB" smtClean="0"/>
               <a:pPr/>
-              <a:t>05/05/2020</a:t>
+              <a:t>06/05/2020</a:t>
             </a:fld>
             <a:endParaRPr lang="en-GB"/>
           </a:p>
@@ -1599,7 +1592,7 @@
             <a:fld id="{ED9AC142-422A-4F2F-A4EF-D7D85A80FDB0}" type="datetimeFigureOut">
               <a:rPr lang="en-GB" smtClean="0"/>
               <a:pPr/>
-              <a:t>05/05/2020</a:t>
+              <a:t>06/05/2020</a:t>
             </a:fld>
             <a:endParaRPr lang="en-GB"/>
           </a:p>
@@ -1963,7 +1956,7 @@
             <a:fld id="{ED9AC142-422A-4F2F-A4EF-D7D85A80FDB0}" type="datetimeFigureOut">
               <a:rPr lang="en-GB" smtClean="0"/>
               <a:pPr/>
-              <a:t>05/05/2020</a:t>
+              <a:t>06/05/2020</a:t>
             </a:fld>
             <a:endParaRPr lang="en-GB"/>
           </a:p>
@@ -2192,7 +2185,7 @@
             <a:fld id="{ED9AC142-422A-4F2F-A4EF-D7D85A80FDB0}" type="datetimeFigureOut">
               <a:rPr lang="en-GB" smtClean="0"/>
               <a:pPr/>
-              <a:t>05/05/2020</a:t>
+              <a:t>06/05/2020</a:t>
             </a:fld>
             <a:endParaRPr lang="en-GB"/>
           </a:p>
@@ -2284,7 +2277,7 @@
             <a:fld id="{ED9AC142-422A-4F2F-A4EF-D7D85A80FDB0}" type="datetimeFigureOut">
               <a:rPr lang="en-GB" smtClean="0"/>
               <a:pPr/>
-              <a:t>05/05/2020</a:t>
+              <a:t>06/05/2020</a:t>
             </a:fld>
             <a:endParaRPr lang="en-GB"/>
           </a:p>
@@ -2553,7 +2546,7 @@
             <a:fld id="{ED9AC142-422A-4F2F-A4EF-D7D85A80FDB0}" type="datetimeFigureOut">
               <a:rPr lang="en-GB" smtClean="0"/>
               <a:pPr/>
-              <a:t>05/05/2020</a:t>
+              <a:t>06/05/2020</a:t>
             </a:fld>
             <a:endParaRPr lang="en-GB"/>
           </a:p>
@@ -2783,7 +2776,7 @@
             <a:fld id="{ED9AC142-422A-4F2F-A4EF-D7D85A80FDB0}" type="datetimeFigureOut">
               <a:rPr lang="en-GB" smtClean="0"/>
               <a:pPr/>
-              <a:t>05/05/2020</a:t>
+              <a:t>06/05/2020</a:t>
             </a:fld>
             <a:endParaRPr lang="en-GB"/>
           </a:p>
@@ -3284,7 +3277,7 @@
             <a:fld id="{ED9AC142-422A-4F2F-A4EF-D7D85A80FDB0}" type="datetimeFigureOut">
               <a:rPr lang="en-GB" smtClean="0"/>
               <a:pPr/>
-              <a:t>05/05/2020</a:t>
+              <a:t>06/05/2020</a:t>
             </a:fld>
             <a:endParaRPr lang="en-GB"/>
           </a:p>
@@ -3779,16 +3772,14 @@
         </p:nvSpPr>
         <p:spPr/>
         <p:txBody>
-          <a:bodyPr>
-            <a:normAutofit/>
-          </a:bodyPr>
+          <a:bodyPr/>
           <a:lstStyle/>
           <a:p>
             <a:r>
-              <a:rPr lang="en-GB" sz="3200" dirty="0" smtClean="0"/>
-              <a:t>Context – Managing Resources and Risk </a:t>
-            </a:r>
-            <a:endParaRPr lang="en-GB" sz="3200" dirty="0"/>
+              <a:rPr lang="en-GB" dirty="0" smtClean="0"/>
+              <a:t>Final Product – Online Functionality</a:t>
+            </a:r>
+            <a:endParaRPr lang="en-GB" dirty="0"/>
           </a:p>
         </p:txBody>
       </p:sp>
@@ -3802,66 +3793,89 @@
             <p:ph sz="quarter" idx="1"/>
           </p:nvPr>
         </p:nvSpPr>
-        <p:spPr/>
+        <p:spPr>
+          <a:xfrm>
+            <a:off x="914400" y="1447800"/>
+            <a:ext cx="7772400" cy="2845296"/>
+          </a:xfrm>
+        </p:spPr>
         <p:txBody>
           <a:bodyPr/>
           <a:lstStyle/>
           <a:p>
             <a:r>
               <a:rPr lang="en-GB" dirty="0" smtClean="0"/>
-              <a:t>Resource management is crucial to playing TCGs at a competitive level.</a:t>
-            </a:r>
-          </a:p>
-          <a:p>
-            <a:r>
-              <a:rPr lang="en-GB" dirty="0" smtClean="0"/>
-              <a:t>Resources include:</a:t>
+              <a:t>Players can play remotely using a server hosted on my PC currently.</a:t>
+            </a:r>
+          </a:p>
+          <a:p>
+            <a:r>
+              <a:rPr lang="en-GB" dirty="0" smtClean="0"/>
+              <a:t>Implemented in C#.</a:t>
             </a:r>
           </a:p>
           <a:p>
             <a:pPr lvl="1"/>
             <a:r>
-              <a:rPr lang="en-GB" dirty="0" smtClean="0"/>
-              <a:t>Cards.</a:t>
-            </a:r>
-          </a:p>
-          <a:p>
-            <a:pPr lvl="1"/>
-            <a:r>
-              <a:rPr lang="en-GB" dirty="0" smtClean="0"/>
-              <a:t>Health.</a:t>
-            </a:r>
-          </a:p>
-          <a:p>
-            <a:pPr lvl="1"/>
-            <a:r>
               <a:rPr lang="en-GB" dirty="0" err="1" smtClean="0"/>
-              <a:t>Mana</a:t>
-            </a:r>
-            <a:r>
-              <a:rPr lang="en-GB" dirty="0" smtClean="0"/>
-              <a:t>/Stamina/Summon limits – A pool that player’s must draw from that limits their actions per turn.</a:t>
-            </a:r>
-          </a:p>
-          <a:p>
-            <a:r>
-              <a:rPr lang="en-GB" dirty="0" smtClean="0"/>
-              <a:t>The more entwined these resources are the more impactful each decision is.</a:t>
-            </a:r>
-          </a:p>
-          <a:p>
-            <a:r>
-              <a:rPr lang="en-GB" dirty="0" smtClean="0"/>
-              <a:t>Investing these resources is a </a:t>
-            </a:r>
-            <a:r>
-              <a:rPr lang="en-GB" dirty="0" smtClean="0"/>
-              <a:t>risk.</a:t>
+              <a:t>UNet</a:t>
+            </a:r>
+            <a:r>
+              <a:rPr lang="en-GB" dirty="0" smtClean="0"/>
+              <a:t> had some problems.</a:t>
+            </a:r>
+          </a:p>
+          <a:p>
+            <a:r>
+              <a:rPr lang="en-GB" dirty="0" smtClean="0"/>
+              <a:t>Server can handle multiple simultaneous games</a:t>
+            </a:r>
+            <a:r>
+              <a:rPr lang="en-GB" dirty="0" smtClean="0"/>
+              <a:t>.</a:t>
+            </a:r>
+          </a:p>
+          <a:p>
+            <a:r>
+              <a:rPr lang="en-GB" dirty="0" smtClean="0"/>
+              <a:t>Server gracefully handles disconnections.</a:t>
             </a:r>
             <a:endParaRPr lang="en-GB" dirty="0" smtClean="0"/>
           </a:p>
         </p:txBody>
       </p:sp>
+      <p:pic>
+        <p:nvPicPr>
+          <p:cNvPr id="2050" name="Picture 2"/>
+          <p:cNvPicPr>
+            <a:picLocks noChangeAspect="1" noChangeArrowheads="1"/>
+          </p:cNvPicPr>
+          <p:nvPr/>
+        </p:nvPicPr>
+        <p:blipFill>
+          <a:blip r:embed="rId2" cstate="print"/>
+          <a:srcRect/>
+          <a:stretch>
+            <a:fillRect/>
+          </a:stretch>
+        </p:blipFill>
+        <p:spPr bwMode="auto">
+          <a:xfrm>
+            <a:off x="1691680" y="4365104"/>
+            <a:ext cx="6153150" cy="1495425"/>
+          </a:xfrm>
+          <a:prstGeom prst="rect">
+            <a:avLst/>
+          </a:prstGeom>
+          <a:noFill/>
+          <a:ln w="9525">
+            <a:noFill/>
+            <a:miter lim="800000"/>
+            <a:headEnd/>
+            <a:tailEnd/>
+          </a:ln>
+        </p:spPr>
+      </p:pic>
     </p:spTree>
   </p:cSld>
   <p:clrMapOvr>
@@ -4146,60 +4160,7 @@
                                           </p:stCondLst>
                                         </p:cTn>
                                         <p:tgtEl>
-                                          <p:spTgt spid="3">
-                                            <p:txEl>
-                                              <p:pRg st="5" end="5"/>
-                                            </p:txEl>
-                                          </p:spTgt>
-                                        </p:tgtEl>
-                                        <p:attrNameLst>
-                                          <p:attrName>style.visibility</p:attrName>
-                                        </p:attrNameLst>
-                                      </p:cBhvr>
-                                      <p:to>
-                                        <p:strVal val="visible"/>
-                                      </p:to>
-                                    </p:set>
-                                  </p:childTnLst>
-                                </p:cTn>
-                              </p:par>
-                            </p:childTnLst>
-                          </p:cTn>
-                        </p:par>
-                      </p:childTnLst>
-                    </p:cTn>
-                  </p:par>
-                  <p:par>
-                    <p:cTn id="27" fill="hold">
-                      <p:stCondLst>
-                        <p:cond delay="indefinite"/>
-                      </p:stCondLst>
-                      <p:childTnLst>
-                        <p:par>
-                          <p:cTn id="28" fill="hold">
-                            <p:stCondLst>
-                              <p:cond delay="0"/>
-                            </p:stCondLst>
-                            <p:childTnLst>
-                              <p:par>
-                                <p:cTn id="29" presetID="1" presetClass="entr" presetSubtype="0" fill="hold" nodeType="clickEffect">
-                                  <p:stCondLst>
-                                    <p:cond delay="0"/>
-                                  </p:stCondLst>
-                                  <p:childTnLst>
-                                    <p:set>
-                                      <p:cBhvr>
-                                        <p:cTn id="30" dur="1" fill="hold">
-                                          <p:stCondLst>
-                                            <p:cond delay="0"/>
-                                          </p:stCondLst>
-                                        </p:cTn>
-                                        <p:tgtEl>
-                                          <p:spTgt spid="3">
-                                            <p:txEl>
-                                              <p:pRg st="6" end="6"/>
-                                            </p:txEl>
-                                          </p:spTgt>
+                                          <p:spTgt spid="2050"/>
                                         </p:tgtEl>
                                         <p:attrNameLst>
                                           <p:attrName>style.visibility</p:attrName>
@@ -4278,10 +4239,14 @@
           <a:lstStyle/>
           <a:p>
             <a:r>
-              <a:rPr lang="en-GB" sz="3200" dirty="0" smtClean="0"/>
-              <a:t>Context – Managing Resources and Risk </a:t>
-            </a:r>
-            <a:endParaRPr lang="en-GB" sz="3200" dirty="0"/>
+              <a:rPr lang="en-GB" sz="2800" dirty="0" smtClean="0"/>
+              <a:t>Final Product – </a:t>
+            </a:r>
+            <a:r>
+              <a:rPr lang="en-GB" sz="2800" dirty="0" smtClean="0"/>
+              <a:t>Client-Server Communication</a:t>
+            </a:r>
+            <a:endParaRPr lang="en-GB" sz="2800" dirty="0"/>
           </a:p>
         </p:txBody>
       </p:sp>
@@ -4301,989 +4266,88 @@
           <a:lstStyle/>
           <a:p>
             <a:r>
-              <a:rPr lang="en-GB" i="1" dirty="0" smtClean="0"/>
-              <a:t>Pokémon Trading Card Game</a:t>
-            </a:r>
-            <a:r>
-              <a:rPr lang="en-GB" dirty="0" smtClean="0"/>
-              <a:t> has an interesting example of risk.</a:t>
-            </a:r>
-          </a:p>
-          <a:p>
-            <a:r>
-              <a:rPr lang="en-GB" dirty="0" smtClean="0"/>
-              <a:t>Players win by taking 6 prize cards.</a:t>
-            </a:r>
+              <a:rPr lang="en-GB" dirty="0" smtClean="0"/>
+              <a:t>Server assigns an ID to every card in both player’s decks.</a:t>
+            </a:r>
+          </a:p>
+          <a:p>
+            <a:r>
+              <a:rPr lang="en-GB" dirty="0" smtClean="0"/>
+              <a:t>Server and client use keywords to refer to </a:t>
+            </a:r>
+            <a:r>
+              <a:rPr lang="en-GB" dirty="0" smtClean="0"/>
+              <a:t>functions.</a:t>
+            </a:r>
+            <a:endParaRPr lang="en-GB" dirty="0" smtClean="0"/>
+          </a:p>
+          <a:p>
+            <a:r>
+              <a:rPr lang="en-GB" dirty="0" smtClean="0"/>
+              <a:t>Card IDs and values used as arguments for these </a:t>
+            </a:r>
+            <a:r>
+              <a:rPr lang="en-GB" dirty="0" smtClean="0"/>
+              <a:t>functions.</a:t>
+            </a:r>
+            <a:endParaRPr lang="en-GB" dirty="0" smtClean="0"/>
           </a:p>
           <a:p>
             <a:pPr lvl="1"/>
             <a:r>
               <a:rPr lang="en-GB" dirty="0" smtClean="0"/>
-              <a:t>These are earned by defeating the opponent’s Pokémon.</a:t>
-            </a:r>
-          </a:p>
-          <a:p>
-            <a:r>
-              <a:rPr lang="en-GB" dirty="0" smtClean="0"/>
-              <a:t>The most powerful Pokémon (GX/EX Pokémon) give TWO prize cards when defeated.</a:t>
-            </a:r>
-          </a:p>
-          <a:p>
-            <a:r>
-              <a:rPr lang="en-GB" dirty="0" smtClean="0"/>
-              <a:t>This creates a high-risk high-reward situation when playing these cards.</a:t>
-            </a:r>
-          </a:p>
-        </p:txBody>
-      </p:sp>
-    </p:spTree>
-  </p:cSld>
-  <p:clrMapOvr>
-    <a:masterClrMapping/>
-  </p:clrMapOvr>
-  <p:timing>
-    <p:tnLst>
-      <p:par>
-        <p:cTn id="1" dur="indefinite" restart="never" nodeType="tmRoot">
-          <p:childTnLst>
-            <p:seq concurrent="1" nextAc="seek">
-              <p:cTn id="2" dur="indefinite" nodeType="mainSeq">
-                <p:childTnLst>
-                  <p:par>
-                    <p:cTn id="3" fill="hold">
-                      <p:stCondLst>
-                        <p:cond delay="indefinite"/>
-                      </p:stCondLst>
-                      <p:childTnLst>
-                        <p:par>
-                          <p:cTn id="4" fill="hold">
-                            <p:stCondLst>
-                              <p:cond delay="0"/>
-                            </p:stCondLst>
-                            <p:childTnLst>
-                              <p:par>
-                                <p:cTn id="5" presetID="1" presetClass="entr" presetSubtype="0" fill="hold" nodeType="clickEffect">
-                                  <p:stCondLst>
-                                    <p:cond delay="0"/>
-                                  </p:stCondLst>
-                                  <p:childTnLst>
-                                    <p:set>
-                                      <p:cBhvr>
-                                        <p:cTn id="6" dur="1" fill="hold">
-                                          <p:stCondLst>
-                                            <p:cond delay="0"/>
-                                          </p:stCondLst>
-                                        </p:cTn>
-                                        <p:tgtEl>
-                                          <p:spTgt spid="3">
-                                            <p:txEl>
-                                              <p:pRg st="0" end="0"/>
-                                            </p:txEl>
-                                          </p:spTgt>
-                                        </p:tgtEl>
-                                        <p:attrNameLst>
-                                          <p:attrName>style.visibility</p:attrName>
-                                        </p:attrNameLst>
-                                      </p:cBhvr>
-                                      <p:to>
-                                        <p:strVal val="visible"/>
-                                      </p:to>
-                                    </p:set>
-                                  </p:childTnLst>
-                                </p:cTn>
-                              </p:par>
-                            </p:childTnLst>
-                          </p:cTn>
-                        </p:par>
-                      </p:childTnLst>
-                    </p:cTn>
-                  </p:par>
-                  <p:par>
-                    <p:cTn id="7" fill="hold">
-                      <p:stCondLst>
-                        <p:cond delay="indefinite"/>
-                      </p:stCondLst>
-                      <p:childTnLst>
-                        <p:par>
-                          <p:cTn id="8" fill="hold">
-                            <p:stCondLst>
-                              <p:cond delay="0"/>
-                            </p:stCondLst>
-                            <p:childTnLst>
-                              <p:par>
-                                <p:cTn id="9" presetID="1" presetClass="entr" presetSubtype="0" fill="hold" nodeType="clickEffect">
-                                  <p:stCondLst>
-                                    <p:cond delay="0"/>
-                                  </p:stCondLst>
-                                  <p:childTnLst>
-                                    <p:set>
-                                      <p:cBhvr>
-                                        <p:cTn id="10" dur="1" fill="hold">
-                                          <p:stCondLst>
-                                            <p:cond delay="0"/>
-                                          </p:stCondLst>
-                                        </p:cTn>
-                                        <p:tgtEl>
-                                          <p:spTgt spid="3">
-                                            <p:txEl>
-                                              <p:pRg st="1" end="1"/>
-                                            </p:txEl>
-                                          </p:spTgt>
-                                        </p:tgtEl>
-                                        <p:attrNameLst>
-                                          <p:attrName>style.visibility</p:attrName>
-                                        </p:attrNameLst>
-                                      </p:cBhvr>
-                                      <p:to>
-                                        <p:strVal val="visible"/>
-                                      </p:to>
-                                    </p:set>
-                                  </p:childTnLst>
-                                </p:cTn>
-                              </p:par>
-                            </p:childTnLst>
-                          </p:cTn>
-                        </p:par>
-                      </p:childTnLst>
-                    </p:cTn>
-                  </p:par>
-                  <p:par>
-                    <p:cTn id="11" fill="hold">
-                      <p:stCondLst>
-                        <p:cond delay="indefinite"/>
-                      </p:stCondLst>
-                      <p:childTnLst>
-                        <p:par>
-                          <p:cTn id="12" fill="hold">
-                            <p:stCondLst>
-                              <p:cond delay="0"/>
-                            </p:stCondLst>
-                            <p:childTnLst>
-                              <p:par>
-                                <p:cTn id="13" presetID="1" presetClass="entr" presetSubtype="0" fill="hold" nodeType="clickEffect">
-                                  <p:stCondLst>
-                                    <p:cond delay="0"/>
-                                  </p:stCondLst>
-                                  <p:childTnLst>
-                                    <p:set>
-                                      <p:cBhvr>
-                                        <p:cTn id="14" dur="1" fill="hold">
-                                          <p:stCondLst>
-                                            <p:cond delay="0"/>
-                                          </p:stCondLst>
-                                        </p:cTn>
-                                        <p:tgtEl>
-                                          <p:spTgt spid="3">
-                                            <p:txEl>
-                                              <p:pRg st="2" end="2"/>
-                                            </p:txEl>
-                                          </p:spTgt>
-                                        </p:tgtEl>
-                                        <p:attrNameLst>
-                                          <p:attrName>style.visibility</p:attrName>
-                                        </p:attrNameLst>
-                                      </p:cBhvr>
-                                      <p:to>
-                                        <p:strVal val="visible"/>
-                                      </p:to>
-                                    </p:set>
-                                  </p:childTnLst>
-                                </p:cTn>
-                              </p:par>
-                            </p:childTnLst>
-                          </p:cTn>
-                        </p:par>
-                      </p:childTnLst>
-                    </p:cTn>
-                  </p:par>
-                  <p:par>
-                    <p:cTn id="15" fill="hold">
-                      <p:stCondLst>
-                        <p:cond delay="indefinite"/>
-                      </p:stCondLst>
-                      <p:childTnLst>
-                        <p:par>
-                          <p:cTn id="16" fill="hold">
-                            <p:stCondLst>
-                              <p:cond delay="0"/>
-                            </p:stCondLst>
-                            <p:childTnLst>
-                              <p:par>
-                                <p:cTn id="17" presetID="1" presetClass="entr" presetSubtype="0" fill="hold" nodeType="clickEffect">
-                                  <p:stCondLst>
-                                    <p:cond delay="0"/>
-                                  </p:stCondLst>
-                                  <p:childTnLst>
-                                    <p:set>
-                                      <p:cBhvr>
-                                        <p:cTn id="18" dur="1" fill="hold">
-                                          <p:stCondLst>
-                                            <p:cond delay="0"/>
-                                          </p:stCondLst>
-                                        </p:cTn>
-                                        <p:tgtEl>
-                                          <p:spTgt spid="3">
-                                            <p:txEl>
-                                              <p:pRg st="3" end="3"/>
-                                            </p:txEl>
-                                          </p:spTgt>
-                                        </p:tgtEl>
-                                        <p:attrNameLst>
-                                          <p:attrName>style.visibility</p:attrName>
-                                        </p:attrNameLst>
-                                      </p:cBhvr>
-                                      <p:to>
-                                        <p:strVal val="visible"/>
-                                      </p:to>
-                                    </p:set>
-                                  </p:childTnLst>
-                                </p:cTn>
-                              </p:par>
-                            </p:childTnLst>
-                          </p:cTn>
-                        </p:par>
-                      </p:childTnLst>
-                    </p:cTn>
-                  </p:par>
-                  <p:par>
-                    <p:cTn id="19" fill="hold">
-                      <p:stCondLst>
-                        <p:cond delay="indefinite"/>
-                      </p:stCondLst>
-                      <p:childTnLst>
-                        <p:par>
-                          <p:cTn id="20" fill="hold">
-                            <p:stCondLst>
-                              <p:cond delay="0"/>
-                            </p:stCondLst>
-                            <p:childTnLst>
-                              <p:par>
-                                <p:cTn id="21" presetID="1" presetClass="entr" presetSubtype="0" fill="hold" nodeType="clickEffect">
-                                  <p:stCondLst>
-                                    <p:cond delay="0"/>
-                                  </p:stCondLst>
-                                  <p:childTnLst>
-                                    <p:set>
-                                      <p:cBhvr>
-                                        <p:cTn id="22" dur="1" fill="hold">
-                                          <p:stCondLst>
-                                            <p:cond delay="0"/>
-                                          </p:stCondLst>
-                                        </p:cTn>
-                                        <p:tgtEl>
-                                          <p:spTgt spid="3">
-                                            <p:txEl>
-                                              <p:pRg st="4" end="4"/>
-                                            </p:txEl>
-                                          </p:spTgt>
-                                        </p:tgtEl>
-                                        <p:attrNameLst>
-                                          <p:attrName>style.visibility</p:attrName>
-                                        </p:attrNameLst>
-                                      </p:cBhvr>
-                                      <p:to>
-                                        <p:strVal val="visible"/>
-                                      </p:to>
-                                    </p:set>
-                                  </p:childTnLst>
-                                </p:cTn>
-                              </p:par>
-                            </p:childTnLst>
-                          </p:cTn>
-                        </p:par>
-                      </p:childTnLst>
-                    </p:cTn>
-                  </p:par>
-                </p:childTnLst>
-              </p:cTn>
-              <p:prevCondLst>
-                <p:cond evt="onPrev" delay="0">
-                  <p:tgtEl>
-                    <p:sldTgt/>
-                  </p:tgtEl>
-                </p:cond>
-              </p:prevCondLst>
-              <p:nextCondLst>
-                <p:cond evt="onNext" delay="0">
-                  <p:tgtEl>
-                    <p:sldTgt/>
-                  </p:tgtEl>
-                </p:cond>
-              </p:nextCondLst>
-            </p:seq>
-          </p:childTnLst>
-        </p:cTn>
-      </p:par>
-    </p:tnLst>
-  </p:timing>
-</p:sld>
-</file>
-
-<file path=ppt/slides/slide12.xml><?xml version="1.0" encoding="utf-8"?>
-<p:sld xmlns:a="http://schemas.openxmlformats.org/drawingml/2006/main" xmlns:r="http://schemas.openxmlformats.org/officeDocument/2006/relationships" xmlns:p="http://schemas.openxmlformats.org/presentationml/2006/main">
-  <p:cSld>
-    <p:spTree>
-      <p:nvGrpSpPr>
-        <p:cNvPr id="1" name=""/>
-        <p:cNvGrpSpPr/>
-        <p:nvPr/>
-      </p:nvGrpSpPr>
-      <p:grpSpPr>
-        <a:xfrm>
-          <a:off x="0" y="0"/>
-          <a:ext cx="0" cy="0"/>
-          <a:chOff x="0" y="0"/>
-          <a:chExt cx="0" cy="0"/>
-        </a:xfrm>
-      </p:grpSpPr>
-      <p:sp>
-        <p:nvSpPr>
-          <p:cNvPr id="2" name="Title 1"/>
-          <p:cNvSpPr>
-            <a:spLocks noGrp="1"/>
-          </p:cNvSpPr>
-          <p:nvPr>
-            <p:ph type="title"/>
-          </p:nvPr>
-        </p:nvSpPr>
-        <p:spPr/>
-        <p:txBody>
-          <a:bodyPr>
-            <a:normAutofit/>
-          </a:bodyPr>
-          <a:lstStyle/>
-          <a:p>
-            <a:r>
-              <a:rPr lang="en-GB" sz="3200" dirty="0" smtClean="0"/>
-              <a:t>Context – Managing Resources And Risk</a:t>
-            </a:r>
-            <a:endParaRPr lang="en-GB" sz="3200" dirty="0"/>
-          </a:p>
-        </p:txBody>
-      </p:sp>
-      <p:sp>
-        <p:nvSpPr>
-          <p:cNvPr id="3" name="Content Placeholder 2"/>
-          <p:cNvSpPr>
-            <a:spLocks noGrp="1"/>
-          </p:cNvSpPr>
-          <p:nvPr>
-            <p:ph sz="quarter" idx="1"/>
-          </p:nvPr>
-        </p:nvSpPr>
-        <p:spPr/>
-        <p:txBody>
-          <a:bodyPr>
-            <a:normAutofit/>
-          </a:bodyPr>
-          <a:lstStyle/>
-          <a:p>
-            <a:r>
-              <a:rPr lang="en-GB" dirty="0" smtClean="0"/>
-              <a:t>I wanted to emulate this high-risk decision making in my game.</a:t>
-            </a:r>
-          </a:p>
-          <a:p>
-            <a:r>
-              <a:rPr lang="en-GB" dirty="0" smtClean="0"/>
-              <a:t>Result - All cards require an investment to play.</a:t>
-            </a:r>
-          </a:p>
-          <a:p>
-            <a:r>
-              <a:rPr lang="en-GB" dirty="0" smtClean="0"/>
-              <a:t>However unlike most other popular TCGs, </a:t>
-            </a:r>
-            <a:r>
-              <a:rPr lang="en-GB" dirty="0" err="1" smtClean="0"/>
-              <a:t>Mana</a:t>
-            </a:r>
-            <a:r>
-              <a:rPr lang="en-GB" dirty="0" smtClean="0"/>
-              <a:t> and Health are not distinct.</a:t>
+              <a:t>A message to the client might be “KILL#Cannibal43</a:t>
+            </a:r>
+            <a:r>
+              <a:rPr lang="en-GB" dirty="0" smtClean="0"/>
+              <a:t>”.</a:t>
+            </a:r>
+            <a:endParaRPr lang="en-GB" dirty="0" smtClean="0"/>
+          </a:p>
+          <a:p>
+            <a:pPr lvl="2"/>
+            <a:r>
+              <a:rPr lang="en-GB" dirty="0" smtClean="0"/>
+              <a:t>This means to kill the card with the ID “Cannibal43</a:t>
+            </a:r>
+            <a:r>
+              <a:rPr lang="en-GB" dirty="0" smtClean="0"/>
+              <a:t>”.</a:t>
+            </a:r>
+          </a:p>
+          <a:p>
+            <a:r>
+              <a:rPr lang="en-GB" dirty="0" smtClean="0"/>
+              <a:t>Everything sent by a client is validated server-side.</a:t>
+            </a:r>
+            <a:endParaRPr lang="en-GB" dirty="0" smtClean="0"/>
+          </a:p>
+          <a:p>
+            <a:r>
+              <a:rPr lang="en-GB" dirty="0" smtClean="0"/>
+              <a:t>Future improvements:</a:t>
             </a:r>
           </a:p>
           <a:p>
             <a:pPr lvl="1"/>
             <a:r>
               <a:rPr lang="en-GB" dirty="0" smtClean="0"/>
-              <a:t>They are combined into one currency gold.</a:t>
+              <a:t>Test with a large player-base.</a:t>
             </a:r>
           </a:p>
           <a:p>
             <a:pPr lvl="1"/>
             <a:r>
               <a:rPr lang="en-GB" dirty="0" smtClean="0"/>
-              <a:t>Spend gold to play cards, but lose when you run out of gold.</a:t>
-            </a:r>
-          </a:p>
-          <a:p>
-            <a:r>
-              <a:rPr lang="en-GB" dirty="0" smtClean="0"/>
-              <a:t>Playing cards makes you closer to losing the game, but is necessary to win.</a:t>
+              <a:t>Constantly host the server on a remote VM.</a:t>
             </a:r>
           </a:p>
           <a:p>
             <a:pPr lvl="1"/>
             <a:r>
               <a:rPr lang="en-GB" dirty="0" smtClean="0"/>
-              <a:t>Adds an extra layer of depth to each decision.</a:t>
-            </a:r>
-          </a:p>
-          <a:p>
-            <a:pPr lvl="1"/>
-            <a:endParaRPr lang="en-GB" dirty="0" smtClean="0"/>
-          </a:p>
-          <a:p>
-            <a:endParaRPr lang="en-GB" dirty="0"/>
-          </a:p>
-        </p:txBody>
-      </p:sp>
-    </p:spTree>
-  </p:cSld>
-  <p:clrMapOvr>
-    <a:masterClrMapping/>
-  </p:clrMapOvr>
-  <p:timing>
-    <p:tnLst>
-      <p:par>
-        <p:cTn id="1" dur="indefinite" restart="never" nodeType="tmRoot">
-          <p:childTnLst>
-            <p:seq concurrent="1" nextAc="seek">
-              <p:cTn id="2" dur="indefinite" nodeType="mainSeq">
-                <p:childTnLst>
-                  <p:par>
-                    <p:cTn id="3" fill="hold">
-                      <p:stCondLst>
-                        <p:cond delay="indefinite"/>
-                      </p:stCondLst>
-                      <p:childTnLst>
-                        <p:par>
-                          <p:cTn id="4" fill="hold">
-                            <p:stCondLst>
-                              <p:cond delay="0"/>
-                            </p:stCondLst>
-                            <p:childTnLst>
-                              <p:par>
-                                <p:cTn id="5" presetID="1" presetClass="entr" presetSubtype="0" fill="hold" nodeType="clickEffect">
-                                  <p:stCondLst>
-                                    <p:cond delay="0"/>
-                                  </p:stCondLst>
-                                  <p:childTnLst>
-                                    <p:set>
-                                      <p:cBhvr>
-                                        <p:cTn id="6" dur="1" fill="hold">
-                                          <p:stCondLst>
-                                            <p:cond delay="0"/>
-                                          </p:stCondLst>
-                                        </p:cTn>
-                                        <p:tgtEl>
-                                          <p:spTgt spid="3">
-                                            <p:txEl>
-                                              <p:pRg st="0" end="0"/>
-                                            </p:txEl>
-                                          </p:spTgt>
-                                        </p:tgtEl>
-                                        <p:attrNameLst>
-                                          <p:attrName>style.visibility</p:attrName>
-                                        </p:attrNameLst>
-                                      </p:cBhvr>
-                                      <p:to>
-                                        <p:strVal val="visible"/>
-                                      </p:to>
-                                    </p:set>
-                                  </p:childTnLst>
-                                </p:cTn>
-                              </p:par>
-                            </p:childTnLst>
-                          </p:cTn>
-                        </p:par>
-                      </p:childTnLst>
-                    </p:cTn>
-                  </p:par>
-                  <p:par>
-                    <p:cTn id="7" fill="hold">
-                      <p:stCondLst>
-                        <p:cond delay="indefinite"/>
-                      </p:stCondLst>
-                      <p:childTnLst>
-                        <p:par>
-                          <p:cTn id="8" fill="hold">
-                            <p:stCondLst>
-                              <p:cond delay="0"/>
-                            </p:stCondLst>
-                            <p:childTnLst>
-                              <p:par>
-                                <p:cTn id="9" presetID="1" presetClass="entr" presetSubtype="0" fill="hold" nodeType="clickEffect">
-                                  <p:stCondLst>
-                                    <p:cond delay="0"/>
-                                  </p:stCondLst>
-                                  <p:childTnLst>
-                                    <p:set>
-                                      <p:cBhvr>
-                                        <p:cTn id="10" dur="1" fill="hold">
-                                          <p:stCondLst>
-                                            <p:cond delay="0"/>
-                                          </p:stCondLst>
-                                        </p:cTn>
-                                        <p:tgtEl>
-                                          <p:spTgt spid="3">
-                                            <p:txEl>
-                                              <p:pRg st="1" end="1"/>
-                                            </p:txEl>
-                                          </p:spTgt>
-                                        </p:tgtEl>
-                                        <p:attrNameLst>
-                                          <p:attrName>style.visibility</p:attrName>
-                                        </p:attrNameLst>
-                                      </p:cBhvr>
-                                      <p:to>
-                                        <p:strVal val="visible"/>
-                                      </p:to>
-                                    </p:set>
-                                  </p:childTnLst>
-                                </p:cTn>
-                              </p:par>
-                            </p:childTnLst>
-                          </p:cTn>
-                        </p:par>
-                      </p:childTnLst>
-                    </p:cTn>
-                  </p:par>
-                  <p:par>
-                    <p:cTn id="11" fill="hold">
-                      <p:stCondLst>
-                        <p:cond delay="indefinite"/>
-                      </p:stCondLst>
-                      <p:childTnLst>
-                        <p:par>
-                          <p:cTn id="12" fill="hold">
-                            <p:stCondLst>
-                              <p:cond delay="0"/>
-                            </p:stCondLst>
-                            <p:childTnLst>
-                              <p:par>
-                                <p:cTn id="13" presetID="1" presetClass="entr" presetSubtype="0" fill="hold" nodeType="clickEffect">
-                                  <p:stCondLst>
-                                    <p:cond delay="0"/>
-                                  </p:stCondLst>
-                                  <p:childTnLst>
-                                    <p:set>
-                                      <p:cBhvr>
-                                        <p:cTn id="14" dur="1" fill="hold">
-                                          <p:stCondLst>
-                                            <p:cond delay="0"/>
-                                          </p:stCondLst>
-                                        </p:cTn>
-                                        <p:tgtEl>
-                                          <p:spTgt spid="3">
-                                            <p:txEl>
-                                              <p:pRg st="2" end="2"/>
-                                            </p:txEl>
-                                          </p:spTgt>
-                                        </p:tgtEl>
-                                        <p:attrNameLst>
-                                          <p:attrName>style.visibility</p:attrName>
-                                        </p:attrNameLst>
-                                      </p:cBhvr>
-                                      <p:to>
-                                        <p:strVal val="visible"/>
-                                      </p:to>
-                                    </p:set>
-                                  </p:childTnLst>
-                                </p:cTn>
-                              </p:par>
-                            </p:childTnLst>
-                          </p:cTn>
-                        </p:par>
-                      </p:childTnLst>
-                    </p:cTn>
-                  </p:par>
-                  <p:par>
-                    <p:cTn id="15" fill="hold">
-                      <p:stCondLst>
-                        <p:cond delay="indefinite"/>
-                      </p:stCondLst>
-                      <p:childTnLst>
-                        <p:par>
-                          <p:cTn id="16" fill="hold">
-                            <p:stCondLst>
-                              <p:cond delay="0"/>
-                            </p:stCondLst>
-                            <p:childTnLst>
-                              <p:par>
-                                <p:cTn id="17" presetID="1" presetClass="entr" presetSubtype="0" fill="hold" nodeType="clickEffect">
-                                  <p:stCondLst>
-                                    <p:cond delay="0"/>
-                                  </p:stCondLst>
-                                  <p:childTnLst>
-                                    <p:set>
-                                      <p:cBhvr>
-                                        <p:cTn id="18" dur="1" fill="hold">
-                                          <p:stCondLst>
-                                            <p:cond delay="0"/>
-                                          </p:stCondLst>
-                                        </p:cTn>
-                                        <p:tgtEl>
-                                          <p:spTgt spid="3">
-                                            <p:txEl>
-                                              <p:pRg st="3" end="3"/>
-                                            </p:txEl>
-                                          </p:spTgt>
-                                        </p:tgtEl>
-                                        <p:attrNameLst>
-                                          <p:attrName>style.visibility</p:attrName>
-                                        </p:attrNameLst>
-                                      </p:cBhvr>
-                                      <p:to>
-                                        <p:strVal val="visible"/>
-                                      </p:to>
-                                    </p:set>
-                                  </p:childTnLst>
-                                </p:cTn>
-                              </p:par>
-                            </p:childTnLst>
-                          </p:cTn>
-                        </p:par>
-                      </p:childTnLst>
-                    </p:cTn>
-                  </p:par>
-                  <p:par>
-                    <p:cTn id="19" fill="hold">
-                      <p:stCondLst>
-                        <p:cond delay="indefinite"/>
-                      </p:stCondLst>
-                      <p:childTnLst>
-                        <p:par>
-                          <p:cTn id="20" fill="hold">
-                            <p:stCondLst>
-                              <p:cond delay="0"/>
-                            </p:stCondLst>
-                            <p:childTnLst>
-                              <p:par>
-                                <p:cTn id="21" presetID="1" presetClass="entr" presetSubtype="0" fill="hold" nodeType="clickEffect">
-                                  <p:stCondLst>
-                                    <p:cond delay="0"/>
-                                  </p:stCondLst>
-                                  <p:childTnLst>
-                                    <p:set>
-                                      <p:cBhvr>
-                                        <p:cTn id="22" dur="1" fill="hold">
-                                          <p:stCondLst>
-                                            <p:cond delay="0"/>
-                                          </p:stCondLst>
-                                        </p:cTn>
-                                        <p:tgtEl>
-                                          <p:spTgt spid="3">
-                                            <p:txEl>
-                                              <p:pRg st="4" end="4"/>
-                                            </p:txEl>
-                                          </p:spTgt>
-                                        </p:tgtEl>
-                                        <p:attrNameLst>
-                                          <p:attrName>style.visibility</p:attrName>
-                                        </p:attrNameLst>
-                                      </p:cBhvr>
-                                      <p:to>
-                                        <p:strVal val="visible"/>
-                                      </p:to>
-                                    </p:set>
-                                  </p:childTnLst>
-                                </p:cTn>
-                              </p:par>
-                            </p:childTnLst>
-                          </p:cTn>
-                        </p:par>
-                      </p:childTnLst>
-                    </p:cTn>
-                  </p:par>
-                  <p:par>
-                    <p:cTn id="23" fill="hold">
-                      <p:stCondLst>
-                        <p:cond delay="indefinite"/>
-                      </p:stCondLst>
-                      <p:childTnLst>
-                        <p:par>
-                          <p:cTn id="24" fill="hold">
-                            <p:stCondLst>
-                              <p:cond delay="0"/>
-                            </p:stCondLst>
-                            <p:childTnLst>
-                              <p:par>
-                                <p:cTn id="25" presetID="1" presetClass="entr" presetSubtype="0" fill="hold" nodeType="clickEffect">
-                                  <p:stCondLst>
-                                    <p:cond delay="0"/>
-                                  </p:stCondLst>
-                                  <p:childTnLst>
-                                    <p:set>
-                                      <p:cBhvr>
-                                        <p:cTn id="26" dur="1" fill="hold">
-                                          <p:stCondLst>
-                                            <p:cond delay="0"/>
-                                          </p:stCondLst>
-                                        </p:cTn>
-                                        <p:tgtEl>
-                                          <p:spTgt spid="3">
-                                            <p:txEl>
-                                              <p:pRg st="5" end="5"/>
-                                            </p:txEl>
-                                          </p:spTgt>
-                                        </p:tgtEl>
-                                        <p:attrNameLst>
-                                          <p:attrName>style.visibility</p:attrName>
-                                        </p:attrNameLst>
-                                      </p:cBhvr>
-                                      <p:to>
-                                        <p:strVal val="visible"/>
-                                      </p:to>
-                                    </p:set>
-                                  </p:childTnLst>
-                                </p:cTn>
-                              </p:par>
-                            </p:childTnLst>
-                          </p:cTn>
-                        </p:par>
-                      </p:childTnLst>
-                    </p:cTn>
-                  </p:par>
-                  <p:par>
-                    <p:cTn id="27" fill="hold">
-                      <p:stCondLst>
-                        <p:cond delay="indefinite"/>
-                      </p:stCondLst>
-                      <p:childTnLst>
-                        <p:par>
-                          <p:cTn id="28" fill="hold">
-                            <p:stCondLst>
-                              <p:cond delay="0"/>
-                            </p:stCondLst>
-                            <p:childTnLst>
-                              <p:par>
-                                <p:cTn id="29" presetID="1" presetClass="entr" presetSubtype="0" fill="hold" nodeType="clickEffect">
-                                  <p:stCondLst>
-                                    <p:cond delay="0"/>
-                                  </p:stCondLst>
-                                  <p:childTnLst>
-                                    <p:set>
-                                      <p:cBhvr>
-                                        <p:cTn id="30" dur="1" fill="hold">
-                                          <p:stCondLst>
-                                            <p:cond delay="0"/>
-                                          </p:stCondLst>
-                                        </p:cTn>
-                                        <p:tgtEl>
-                                          <p:spTgt spid="3">
-                                            <p:txEl>
-                                              <p:pRg st="6" end="6"/>
-                                            </p:txEl>
-                                          </p:spTgt>
-                                        </p:tgtEl>
-                                        <p:attrNameLst>
-                                          <p:attrName>style.visibility</p:attrName>
-                                        </p:attrNameLst>
-                                      </p:cBhvr>
-                                      <p:to>
-                                        <p:strVal val="visible"/>
-                                      </p:to>
-                                    </p:set>
-                                  </p:childTnLst>
-                                </p:cTn>
-                              </p:par>
-                            </p:childTnLst>
-                          </p:cTn>
-                        </p:par>
-                      </p:childTnLst>
-                    </p:cTn>
-                  </p:par>
-                </p:childTnLst>
-              </p:cTn>
-              <p:prevCondLst>
-                <p:cond evt="onPrev" delay="0">
-                  <p:tgtEl>
-                    <p:sldTgt/>
-                  </p:tgtEl>
-                </p:cond>
-              </p:prevCondLst>
-              <p:nextCondLst>
-                <p:cond evt="onNext" delay="0">
-                  <p:tgtEl>
-                    <p:sldTgt/>
-                  </p:tgtEl>
-                </p:cond>
-              </p:nextCondLst>
-            </p:seq>
-          </p:childTnLst>
-        </p:cTn>
-      </p:par>
-    </p:tnLst>
-  </p:timing>
-</p:sld>
-</file>
-
-<file path=ppt/slides/slide13.xml><?xml version="1.0" encoding="utf-8"?>
-<p:sld xmlns:a="http://schemas.openxmlformats.org/drawingml/2006/main" xmlns:r="http://schemas.openxmlformats.org/officeDocument/2006/relationships" xmlns:p="http://schemas.openxmlformats.org/presentationml/2006/main">
-  <p:cSld>
-    <p:spTree>
-      <p:nvGrpSpPr>
-        <p:cNvPr id="1" name=""/>
-        <p:cNvGrpSpPr/>
-        <p:nvPr/>
-      </p:nvGrpSpPr>
-      <p:grpSpPr>
-        <a:xfrm>
-          <a:off x="0" y="0"/>
-          <a:ext cx="0" cy="0"/>
-          <a:chOff x="0" y="0"/>
-          <a:chExt cx="0" cy="0"/>
-        </a:xfrm>
-      </p:grpSpPr>
-      <p:sp>
-        <p:nvSpPr>
-          <p:cNvPr id="2" name="Title 1"/>
-          <p:cNvSpPr>
-            <a:spLocks noGrp="1"/>
-          </p:cNvSpPr>
-          <p:nvPr>
-            <p:ph type="title"/>
-          </p:nvPr>
-        </p:nvSpPr>
-        <p:spPr/>
-        <p:txBody>
-          <a:bodyPr/>
-          <a:lstStyle/>
-          <a:p>
-            <a:r>
-              <a:rPr lang="en-GB" dirty="0" smtClean="0"/>
-              <a:t>Context – Online Unity Tutorials</a:t>
-            </a:r>
-            <a:endParaRPr lang="en-GB" dirty="0"/>
-          </a:p>
-        </p:txBody>
-      </p:sp>
-      <p:sp>
-        <p:nvSpPr>
-          <p:cNvPr id="3" name="Content Placeholder 2"/>
-          <p:cNvSpPr>
-            <a:spLocks noGrp="1"/>
-          </p:cNvSpPr>
-          <p:nvPr>
-            <p:ph sz="quarter" idx="1"/>
-          </p:nvPr>
-        </p:nvSpPr>
-        <p:spPr/>
-        <p:txBody>
-          <a:bodyPr/>
-          <a:lstStyle/>
-          <a:p>
-            <a:r>
-              <a:rPr lang="en-GB" dirty="0" smtClean="0"/>
-              <a:t>Two main Unity tutorials </a:t>
-            </a:r>
-            <a:r>
-              <a:rPr lang="en-GB" dirty="0" smtClean="0"/>
-              <a:t>used</a:t>
-            </a:r>
-            <a:endParaRPr lang="en-GB" dirty="0" smtClean="0"/>
-          </a:p>
-          <a:p>
-            <a:pPr lvl="1"/>
-            <a:r>
-              <a:rPr lang="en-GB" dirty="0" smtClean="0"/>
-              <a:t>Both created by the channel “Quill18Creates”.</a:t>
-            </a:r>
-          </a:p>
-          <a:p>
-            <a:pPr lvl="1"/>
-            <a:r>
-              <a:rPr lang="en-GB" dirty="0" smtClean="0"/>
-              <a:t>Both helped the implementation of this game.</a:t>
-            </a:r>
-          </a:p>
-          <a:p>
-            <a:pPr marL="514350" indent="-514350">
-              <a:buFont typeface="+mj-lt"/>
-              <a:buAutoNum type="arabicPeriod"/>
-            </a:pPr>
-            <a:r>
-              <a:rPr lang="en-GB" dirty="0" smtClean="0"/>
-              <a:t>“Unity Tutorial - Drag &amp; Drop Tutorial”</a:t>
-            </a:r>
-          </a:p>
-          <a:p>
-            <a:pPr marL="788670" lvl="1" indent="-514350"/>
-            <a:r>
-              <a:rPr lang="en-GB" dirty="0" smtClean="0"/>
-              <a:t>Details </a:t>
-            </a:r>
-            <a:r>
-              <a:rPr lang="en-GB" dirty="0" smtClean="0"/>
-              <a:t>implementation of</a:t>
-            </a:r>
-            <a:r>
-              <a:rPr lang="en-GB" dirty="0" smtClean="0"/>
-              <a:t> </a:t>
-            </a:r>
-            <a:r>
-              <a:rPr lang="en-GB" dirty="0" smtClean="0"/>
-              <a:t>a GUI that allows users to drag elements from one segment of the screen to another.</a:t>
-            </a:r>
-          </a:p>
-          <a:p>
-            <a:pPr marL="788670" lvl="1" indent="-514350"/>
-            <a:r>
-              <a:rPr lang="en-GB" dirty="0" smtClean="0"/>
-              <a:t>Very applicable to card games.</a:t>
-            </a:r>
-          </a:p>
-          <a:p>
-            <a:pPr marL="514350" indent="-514350">
-              <a:buFont typeface="+mj-lt"/>
-              <a:buAutoNum type="arabicPeriod"/>
-            </a:pPr>
-            <a:r>
-              <a:rPr lang="en-GB" dirty="0" smtClean="0"/>
-              <a:t>“Unity 3D: Multiplayer First-Person Shooter”</a:t>
-            </a:r>
-          </a:p>
-          <a:p>
-            <a:pPr marL="788670" lvl="1" indent="-514350"/>
-            <a:r>
-              <a:rPr lang="en-GB" dirty="0" smtClean="0"/>
-              <a:t>Tutorial on using </a:t>
-            </a:r>
-            <a:r>
-              <a:rPr lang="en-GB" dirty="0" err="1" smtClean="0"/>
-              <a:t>UNet</a:t>
-            </a:r>
-            <a:r>
-              <a:rPr lang="en-GB" dirty="0" smtClean="0"/>
-              <a:t> to create multiplayer games in Unity.</a:t>
-            </a:r>
-          </a:p>
-          <a:p>
-            <a:pPr marL="788670" lvl="1" indent="-514350"/>
-            <a:r>
-              <a:rPr lang="en-GB" dirty="0" err="1" smtClean="0"/>
-              <a:t>UNet</a:t>
-            </a:r>
-            <a:r>
-              <a:rPr lang="en-GB" dirty="0" smtClean="0"/>
-              <a:t> eventually not used for many reasons</a:t>
-            </a:r>
-          </a:p>
-          <a:p>
-            <a:pPr marL="514350" indent="-514350">
-              <a:buFont typeface="+mj-lt"/>
-              <a:buAutoNum type="arabicPeriod"/>
-            </a:pPr>
-            <a:endParaRPr lang="en-GB" dirty="0" smtClean="0"/>
-          </a:p>
-          <a:p>
-            <a:pPr marL="514350" indent="-514350">
-              <a:buFont typeface="+mj-lt"/>
-              <a:buAutoNum type="arabicPeriod"/>
-            </a:pPr>
-            <a:endParaRPr lang="en-GB" dirty="0"/>
+              <a:t>Allow players to play with their friends.</a:t>
+            </a:r>
           </a:p>
         </p:txBody>
       </p:sp>
@@ -5741,171 +4805,27 @@
                       </p:childTnLst>
                     </p:cTn>
                   </p:par>
-                </p:childTnLst>
-              </p:cTn>
-              <p:prevCondLst>
-                <p:cond evt="onPrev" delay="0">
-                  <p:tgtEl>
-                    <p:sldTgt/>
-                  </p:tgtEl>
-                </p:cond>
-              </p:prevCondLst>
-              <p:nextCondLst>
-                <p:cond evt="onNext" delay="0">
-                  <p:tgtEl>
-                    <p:sldTgt/>
-                  </p:tgtEl>
-                </p:cond>
-              </p:nextCondLst>
-            </p:seq>
-          </p:childTnLst>
-        </p:cTn>
-      </p:par>
-    </p:tnLst>
-  </p:timing>
-</p:sld>
-</file>
-
-<file path=ppt/slides/slide14.xml><?xml version="1.0" encoding="utf-8"?>
-<p:sld xmlns:a="http://schemas.openxmlformats.org/drawingml/2006/main" xmlns:r="http://schemas.openxmlformats.org/officeDocument/2006/relationships" xmlns:p="http://schemas.openxmlformats.org/presentationml/2006/main">
-  <p:cSld>
-    <p:spTree>
-      <p:nvGrpSpPr>
-        <p:cNvPr id="1" name=""/>
-        <p:cNvGrpSpPr/>
-        <p:nvPr/>
-      </p:nvGrpSpPr>
-      <p:grpSpPr>
-        <a:xfrm>
-          <a:off x="0" y="0"/>
-          <a:ext cx="0" cy="0"/>
-          <a:chOff x="0" y="0"/>
-          <a:chExt cx="0" cy="0"/>
-        </a:xfrm>
-      </p:grpSpPr>
-      <p:sp>
-        <p:nvSpPr>
-          <p:cNvPr id="2" name="Title 1"/>
-          <p:cNvSpPr>
-            <a:spLocks noGrp="1"/>
-          </p:cNvSpPr>
-          <p:nvPr>
-            <p:ph type="title"/>
-          </p:nvPr>
-        </p:nvSpPr>
-        <p:spPr/>
-        <p:txBody>
-          <a:bodyPr/>
-          <a:lstStyle/>
-          <a:p>
-            <a:r>
-              <a:rPr lang="en-GB" dirty="0" smtClean="0"/>
-              <a:t>Aims &amp; Objectives</a:t>
-            </a:r>
-            <a:endParaRPr lang="en-GB" dirty="0"/>
-          </a:p>
-        </p:txBody>
-      </p:sp>
-      <p:sp>
-        <p:nvSpPr>
-          <p:cNvPr id="3" name="Content Placeholder 2"/>
-          <p:cNvSpPr>
-            <a:spLocks noGrp="1"/>
-          </p:cNvSpPr>
-          <p:nvPr>
-            <p:ph sz="quarter" idx="1"/>
-          </p:nvPr>
-        </p:nvSpPr>
-        <p:spPr/>
-        <p:txBody>
-          <a:bodyPr/>
-          <a:lstStyle/>
-          <a:p>
-            <a:r>
-              <a:rPr lang="en-GB" dirty="0" smtClean="0"/>
-              <a:t>Three Primary Objectives:</a:t>
-            </a:r>
-          </a:p>
-          <a:p>
-            <a:pPr marL="788670" lvl="1" indent="-514350">
-              <a:buFont typeface="+mj-lt"/>
-              <a:buAutoNum type="arabicPeriod"/>
-            </a:pPr>
-            <a:r>
-              <a:rPr lang="en-GB" dirty="0" smtClean="0"/>
-              <a:t>Create a deck-builder tool that allows players to build decks from a pool of over 100 cards.</a:t>
-            </a:r>
-          </a:p>
-          <a:p>
-            <a:pPr marL="788670" lvl="1" indent="-514350">
-              <a:buFont typeface="+mj-lt"/>
-              <a:buAutoNum type="arabicPeriod"/>
-            </a:pPr>
-            <a:r>
-              <a:rPr lang="en-GB" dirty="0" smtClean="0"/>
-              <a:t>Create online functionality, allowing players to play with each other remotely (different households, cities, etc.).</a:t>
-            </a:r>
-          </a:p>
-          <a:p>
-            <a:pPr marL="788670" lvl="1" indent="-514350">
-              <a:buFont typeface="+mj-lt"/>
-              <a:buAutoNum type="arabicPeriod"/>
-            </a:pPr>
-            <a:r>
-              <a:rPr lang="en-GB" dirty="0" smtClean="0"/>
-              <a:t>Introduce Trading Card Game (TCG) players to the game, and improve it based on their feedback.</a:t>
-            </a:r>
-          </a:p>
-          <a:p>
-            <a:pPr marL="514350" indent="-514350"/>
-            <a:r>
-              <a:rPr lang="en-GB" dirty="0" smtClean="0"/>
-              <a:t>Produced a Game Design Document outlining the design of the game (including rules, features, etc.).</a:t>
-            </a:r>
-          </a:p>
-          <a:p>
-            <a:pPr marL="514350" indent="-514350">
-              <a:buFont typeface="+mj-lt"/>
-              <a:buAutoNum type="arabicPeriod"/>
-            </a:pPr>
-            <a:endParaRPr lang="en-GB" dirty="0"/>
-          </a:p>
-        </p:txBody>
-      </p:sp>
-    </p:spTree>
-  </p:cSld>
-  <p:clrMapOvr>
-    <a:masterClrMapping/>
-  </p:clrMapOvr>
-  <p:timing>
-    <p:tnLst>
-      <p:par>
-        <p:cTn id="1" dur="indefinite" restart="never" nodeType="tmRoot">
-          <p:childTnLst>
-            <p:seq concurrent="1" nextAc="seek">
-              <p:cTn id="2" dur="indefinite" nodeType="mainSeq">
-                <p:childTnLst>
                   <p:par>
-                    <p:cTn id="3" fill="hold">
+                    <p:cTn id="39" fill="hold">
                       <p:stCondLst>
                         <p:cond delay="indefinite"/>
                       </p:stCondLst>
                       <p:childTnLst>
                         <p:par>
-                          <p:cTn id="4" fill="hold">
+                          <p:cTn id="40" fill="hold">
                             <p:stCondLst>
                               <p:cond delay="0"/>
                             </p:stCondLst>
                             <p:childTnLst>
                               <p:par>
-                                <p:cTn id="5" presetID="1" presetClass="entr" presetSubtype="0" fill="hold" nodeType="clickEffect">
+                                <p:cTn id="41" presetID="1" presetClass="entr" presetSubtype="0" fill="hold" nodeType="clickEffect">
                                   <p:stCondLst>
                                     <p:cond delay="0"/>
                                   </p:stCondLst>
                                   <p:childTnLst>
                                     <p:set>
                                       <p:cBhvr>
-                                        <p:cTn id="6" dur="1" fill="hold">
+                                        <p:cTn id="42" dur="1" fill="hold">
                                           <p:stCondLst>
                                             <p:cond delay="0"/>
                                           </p:stCondLst>
@@ -5913,203 +4833,7 @@
                                         <p:tgtEl>
                                           <p:spTgt spid="3">
                                             <p:txEl>
-                                              <p:pRg st="0" end="0"/>
-                                            </p:txEl>
-                                          </p:spTgt>
-                                        </p:tgtEl>
-                                        <p:attrNameLst>
-                                          <p:attrName>style.visibility</p:attrName>
-                                        </p:attrNameLst>
-                                      </p:cBhvr>
-                                      <p:to>
-                                        <p:strVal val="visible"/>
-                                      </p:to>
-                                    </p:set>
-                                  </p:childTnLst>
-                                </p:cTn>
-                              </p:par>
-                            </p:childTnLst>
-                          </p:cTn>
-                        </p:par>
-                      </p:childTnLst>
-                    </p:cTn>
-                  </p:par>
-                  <p:par>
-                    <p:cTn id="7" fill="hold">
-                      <p:stCondLst>
-                        <p:cond delay="indefinite"/>
-                      </p:stCondLst>
-                      <p:childTnLst>
-                        <p:par>
-                          <p:cTn id="8" fill="hold">
-                            <p:stCondLst>
-                              <p:cond delay="0"/>
-                            </p:stCondLst>
-                            <p:childTnLst>
-                              <p:par>
-                                <p:cTn id="9" presetID="1" presetClass="entr" presetSubtype="0" fill="hold" nodeType="clickEffect">
-                                  <p:stCondLst>
-                                    <p:cond delay="0"/>
-                                  </p:stCondLst>
-                                  <p:childTnLst>
-                                    <p:set>
-                                      <p:cBhvr>
-                                        <p:cTn id="10" dur="1" fill="hold">
-                                          <p:stCondLst>
-                                            <p:cond delay="0"/>
-                                          </p:stCondLst>
-                                        </p:cTn>
-                                        <p:tgtEl>
-                                          <p:spTgt spid="3">
-                                            <p:txEl>
-                                              <p:pRg st="1" end="1"/>
-                                            </p:txEl>
-                                          </p:spTgt>
-                                        </p:tgtEl>
-                                        <p:attrNameLst>
-                                          <p:attrName>style.visibility</p:attrName>
-                                        </p:attrNameLst>
-                                      </p:cBhvr>
-                                      <p:to>
-                                        <p:strVal val="visible"/>
-                                      </p:to>
-                                    </p:set>
-                                  </p:childTnLst>
-                                </p:cTn>
-                              </p:par>
-                            </p:childTnLst>
-                          </p:cTn>
-                        </p:par>
-                      </p:childTnLst>
-                    </p:cTn>
-                  </p:par>
-                  <p:par>
-                    <p:cTn id="11" fill="hold">
-                      <p:stCondLst>
-                        <p:cond delay="indefinite"/>
-                      </p:stCondLst>
-                      <p:childTnLst>
-                        <p:par>
-                          <p:cTn id="12" fill="hold">
-                            <p:stCondLst>
-                              <p:cond delay="0"/>
-                            </p:stCondLst>
-                            <p:childTnLst>
-                              <p:par>
-                                <p:cTn id="13" presetID="1" presetClass="entr" presetSubtype="0" fill="hold" nodeType="clickEffect">
-                                  <p:stCondLst>
-                                    <p:cond delay="0"/>
-                                  </p:stCondLst>
-                                  <p:childTnLst>
-                                    <p:set>
-                                      <p:cBhvr>
-                                        <p:cTn id="14" dur="1" fill="hold">
-                                          <p:stCondLst>
-                                            <p:cond delay="0"/>
-                                          </p:stCondLst>
-                                        </p:cTn>
-                                        <p:tgtEl>
-                                          <p:spTgt spid="3">
-                                            <p:txEl>
-                                              <p:pRg st="2" end="2"/>
-                                            </p:txEl>
-                                          </p:spTgt>
-                                        </p:tgtEl>
-                                        <p:attrNameLst>
-                                          <p:attrName>style.visibility</p:attrName>
-                                        </p:attrNameLst>
-                                      </p:cBhvr>
-                                      <p:to>
-                                        <p:strVal val="visible"/>
-                                      </p:to>
-                                    </p:set>
-                                  </p:childTnLst>
-                                </p:cTn>
-                              </p:par>
-                            </p:childTnLst>
-                          </p:cTn>
-                        </p:par>
-                      </p:childTnLst>
-                    </p:cTn>
-                  </p:par>
-                  <p:par>
-                    <p:cTn id="15" fill="hold">
-                      <p:stCondLst>
-                        <p:cond delay="indefinite"/>
-                      </p:stCondLst>
-                      <p:childTnLst>
-                        <p:par>
-                          <p:cTn id="16" fill="hold">
-                            <p:stCondLst>
-                              <p:cond delay="0"/>
-                            </p:stCondLst>
-                            <p:childTnLst>
-                              <p:par>
-                                <p:cTn id="17" presetID="1" presetClass="entr" presetSubtype="0" fill="hold" nodeType="clickEffect">
-                                  <p:stCondLst>
-                                    <p:cond delay="0"/>
-                                  </p:stCondLst>
-                                  <p:childTnLst>
-                                    <p:set>
-                                      <p:cBhvr>
-                                        <p:cTn id="18" dur="1" fill="hold">
-                                          <p:stCondLst>
-                                            <p:cond delay="0"/>
-                                          </p:stCondLst>
-                                        </p:cTn>
-                                        <p:tgtEl>
-                                          <p:spTgt spid="3">
-                                            <p:txEl>
-                                              <p:pRg st="3" end="3"/>
-                                            </p:txEl>
-                                          </p:spTgt>
-                                        </p:tgtEl>
-                                        <p:attrNameLst>
-                                          <p:attrName>style.visibility</p:attrName>
-                                        </p:attrNameLst>
-                                      </p:cBhvr>
-                                      <p:to>
-                                        <p:strVal val="visible"/>
-                                      </p:to>
-                                    </p:set>
-                                  </p:childTnLst>
-                                </p:cTn>
-                              </p:par>
-                            </p:childTnLst>
-                          </p:cTn>
-                        </p:par>
-                      </p:childTnLst>
-                    </p:cTn>
-                  </p:par>
-                  <p:par>
-                    <p:cTn id="19" fill="hold">
-                      <p:stCondLst>
-                        <p:cond delay="indefinite"/>
-                      </p:stCondLst>
-                      <p:childTnLst>
-                        <p:par>
-                          <p:cTn id="20" fill="hold">
-                            <p:stCondLst>
-                              <p:cond delay="0"/>
-                            </p:stCondLst>
-                            <p:childTnLst>
-                              <p:par>
-                                <p:cTn id="21" presetID="1" presetClass="entr" presetSubtype="0" fill="hold" nodeType="clickEffect">
-                                  <p:stCondLst>
-                                    <p:cond delay="0"/>
-                                  </p:stCondLst>
-                                  <p:childTnLst>
-                                    <p:set>
-                                      <p:cBhvr>
-                                        <p:cTn id="22" dur="1" fill="hold">
-                                          <p:stCondLst>
-                                            <p:cond delay="0"/>
-                                          </p:stCondLst>
-                                        </p:cTn>
-                                        <p:tgtEl>
-                                          <p:spTgt spid="3">
-                                            <p:txEl>
-                                              <p:pRg st="4" end="4"/>
+                                              <p:pRg st="9" end="9"/>
                                             </p:txEl>
                                           </p:spTgt>
                                         </p:tgtEl>
@@ -6155,7 +4879,7 @@
 </p:sld>
 </file>
 
-<file path=ppt/slides/slide15.xml><?xml version="1.0" encoding="utf-8"?>
+<file path=ppt/slides/slide12.xml><?xml version="1.0" encoding="utf-8"?>
 <p:sld xmlns:a="http://schemas.openxmlformats.org/drawingml/2006/main" xmlns:r="http://schemas.openxmlformats.org/officeDocument/2006/relationships" xmlns:p="http://schemas.openxmlformats.org/presentationml/2006/main">
   <p:cSld>
     <p:spTree>
@@ -6184,99 +4908,14 @@
         </p:nvSpPr>
         <p:spPr/>
         <p:txBody>
-          <a:bodyPr/>
+          <a:bodyPr>
+            <a:normAutofit fontScale="90000"/>
+          </a:bodyPr>
           <a:lstStyle/>
           <a:p>
             <a:r>
               <a:rPr lang="en-GB" dirty="0" smtClean="0"/>
-              <a:t>Final Product – Deck-Builder</a:t>
-            </a:r>
-            <a:endParaRPr lang="en-GB" dirty="0"/>
-          </a:p>
-        </p:txBody>
-      </p:sp>
-      <p:pic>
-        <p:nvPicPr>
-          <p:cNvPr id="1026" name="Picture 2"/>
-          <p:cNvPicPr>
-            <a:picLocks noChangeAspect="1" noChangeArrowheads="1"/>
-          </p:cNvPicPr>
-          <p:nvPr/>
-        </p:nvPicPr>
-        <p:blipFill>
-          <a:blip r:embed="rId2" cstate="print"/>
-          <a:srcRect/>
-          <a:stretch>
-            <a:fillRect/>
-          </a:stretch>
-        </p:blipFill>
-        <p:spPr bwMode="auto">
-          <a:xfrm>
-            <a:off x="539552" y="1556792"/>
-            <a:ext cx="8064896" cy="4536504"/>
-          </a:xfrm>
-          <a:prstGeom prst="rect">
-            <a:avLst/>
-          </a:prstGeom>
-          <a:noFill/>
-          <a:ln w="9525">
-            <a:noFill/>
-            <a:miter lim="800000"/>
-            <a:headEnd/>
-            <a:tailEnd/>
-          </a:ln>
-        </p:spPr>
-      </p:pic>
-    </p:spTree>
-  </p:cSld>
-  <p:clrMapOvr>
-    <a:masterClrMapping/>
-  </p:clrMapOvr>
-  <p:timing>
-    <p:tnLst>
-      <p:par>
-        <p:cTn id="1" dur="indefinite" restart="never" nodeType="tmRoot"/>
-      </p:par>
-    </p:tnLst>
-  </p:timing>
-</p:sld>
-</file>
-
-<file path=ppt/slides/slide16.xml><?xml version="1.0" encoding="utf-8"?>
-<p:sld xmlns:a="http://schemas.openxmlformats.org/drawingml/2006/main" xmlns:r="http://schemas.openxmlformats.org/officeDocument/2006/relationships" xmlns:p="http://schemas.openxmlformats.org/presentationml/2006/main">
-  <p:cSld>
-    <p:spTree>
-      <p:nvGrpSpPr>
-        <p:cNvPr id="1" name=""/>
-        <p:cNvGrpSpPr/>
-        <p:nvPr/>
-      </p:nvGrpSpPr>
-      <p:grpSpPr>
-        <a:xfrm>
-          <a:off x="0" y="0"/>
-          <a:ext cx="0" cy="0"/>
-          <a:chOff x="0" y="0"/>
-          <a:chExt cx="0" cy="0"/>
-        </a:xfrm>
-      </p:grpSpPr>
-      <p:sp>
-        <p:nvSpPr>
-          <p:cNvPr id="2" name="Title 1"/>
-          <p:cNvSpPr>
-            <a:spLocks noGrp="1"/>
-          </p:cNvSpPr>
-          <p:nvPr>
-            <p:ph type="title"/>
-          </p:nvPr>
-        </p:nvSpPr>
-        <p:spPr/>
-        <p:txBody>
-          <a:bodyPr/>
-          <a:lstStyle/>
-          <a:p>
-            <a:r>
-              <a:rPr lang="en-GB" dirty="0" smtClean="0"/>
-              <a:t>Final Product – Deck-Builder</a:t>
+              <a:t>Final Product – Play-testing Feedback</a:t>
             </a:r>
             <a:endParaRPr lang="en-GB" dirty="0"/>
           </a:p>
@@ -6299,54 +4938,49 @@
           <a:p>
             <a:r>
               <a:rPr lang="en-GB" dirty="0" smtClean="0"/>
-              <a:t>Functioning deck-builder that players can use to create multiple decks.</a:t>
-            </a:r>
-          </a:p>
-          <a:p>
-            <a:r>
-              <a:rPr lang="en-GB" dirty="0" smtClean="0"/>
-              <a:t>Validates decks to make sure they follow the game rules.</a:t>
-            </a:r>
-          </a:p>
-          <a:p>
-            <a:r>
-              <a:rPr lang="en-GB" dirty="0" smtClean="0"/>
-              <a:t>Players can search for cards by name, cost, or card type.</a:t>
-            </a:r>
-          </a:p>
-          <a:p>
-            <a:r>
-              <a:rPr lang="en-GB" dirty="0" smtClean="0"/>
-              <a:t>28 Cards (goal was 100).</a:t>
-            </a:r>
-          </a:p>
-          <a:p>
-            <a:r>
-              <a:rPr lang="en-GB" dirty="0" smtClean="0"/>
-              <a:t>Future improvements:</a:t>
+              <a:t>Playtesting was minimal due to falling behind schedule.</a:t>
             </a:r>
           </a:p>
           <a:p>
             <a:pPr lvl="1"/>
             <a:r>
               <a:rPr lang="en-GB" dirty="0" smtClean="0"/>
-              <a:t>More cards.</a:t>
+              <a:t>Could only start playtesting later in the projects lifetime.</a:t>
+            </a:r>
+          </a:p>
+          <a:p>
+            <a:r>
+              <a:rPr lang="en-GB" dirty="0" smtClean="0"/>
+              <a:t>The feedback I did get was useful and was used to improve the game.</a:t>
+            </a:r>
+          </a:p>
+          <a:p>
+            <a:r>
+              <a:rPr lang="en-GB" dirty="0" smtClean="0"/>
+              <a:t>Future work:</a:t>
             </a:r>
           </a:p>
           <a:p>
             <a:pPr lvl="1"/>
             <a:r>
               <a:rPr lang="en-GB" dirty="0" smtClean="0"/>
-              <a:t>More search parameters.</a:t>
+              <a:t>Introduce </a:t>
+            </a:r>
+            <a:r>
+              <a:rPr lang="en-GB" i="1" dirty="0" smtClean="0"/>
+              <a:t>Lords </a:t>
+            </a:r>
+            <a:r>
+              <a:rPr lang="en-GB" dirty="0" smtClean="0"/>
+              <a:t>to more players.</a:t>
             </a:r>
           </a:p>
           <a:p>
             <a:pPr lvl="1"/>
             <a:r>
               <a:rPr lang="en-GB" dirty="0" smtClean="0"/>
-              <a:t>Allow players to modify existing decks.</a:t>
-            </a:r>
-            <a:endParaRPr lang="en-GB" dirty="0"/>
+              <a:t>Gather feedback to help with game balance and polish.</a:t>
+            </a:r>
           </a:p>
         </p:txBody>
       </p:sp>
@@ -6657,104 +5291,6 @@
                       </p:childTnLst>
                     </p:cTn>
                   </p:par>
-                  <p:par>
-                    <p:cTn id="27" fill="hold">
-                      <p:stCondLst>
-                        <p:cond delay="indefinite"/>
-                      </p:stCondLst>
-                      <p:childTnLst>
-                        <p:par>
-                          <p:cTn id="28" fill="hold">
-                            <p:stCondLst>
-                              <p:cond delay="0"/>
-                            </p:stCondLst>
-                            <p:childTnLst>
-                              <p:par>
-                                <p:cTn id="29" presetID="1" presetClass="entr" presetSubtype="0" fill="hold" nodeType="clickEffect">
-                                  <p:stCondLst>
-                                    <p:cond delay="0"/>
-                                  </p:stCondLst>
-                                  <p:childTnLst>
-                                    <p:set>
-                                      <p:cBhvr>
-                                        <p:cTn id="30" dur="1" fill="hold">
-                                          <p:stCondLst>
-                                            <p:cond delay="0"/>
-                                          </p:stCondLst>
-                                        </p:cTn>
-                                        <p:tgtEl>
-                                          <p:spTgt spid="3">
-                                            <p:txEl>
-                                              <p:pRg st="6" end="6"/>
-                                            </p:txEl>
-                                          </p:spTgt>
-                                        </p:tgtEl>
-                                        <p:attrNameLst>
-                                          <p:attrName>style.visibility</p:attrName>
-                                        </p:attrNameLst>
-                                      </p:cBhvr>
-                                      <p:to>
-                                        <p:strVal val="visible"/>
-                                      </p:to>
-                                    </p:set>
-                                  </p:childTnLst>
-                                </p:cTn>
-                              </p:par>
-                            </p:childTnLst>
-                          </p:cTn>
-                        </p:par>
-                      </p:childTnLst>
-                    </p:cTn>
-                  </p:par>
-                  <p:par>
-                    <p:cTn id="31" fill="hold">
-                      <p:stCondLst>
-                        <p:cond delay="indefinite"/>
-                      </p:stCondLst>
-                      <p:childTnLst>
-                        <p:par>
-                          <p:cTn id="32" fill="hold">
-                            <p:stCondLst>
-                              <p:cond delay="0"/>
-                            </p:stCondLst>
-                            <p:childTnLst>
-                              <p:par>
-                                <p:cTn id="33" presetID="1" presetClass="entr" presetSubtype="0" fill="hold" nodeType="clickEffect">
-                                  <p:stCondLst>
-                                    <p:cond delay="0"/>
-                                  </p:stCondLst>
-                                  <p:childTnLst>
-                                    <p:set>
-                                      <p:cBhvr>
-                                        <p:cTn id="34" dur="1" fill="hold">
-                                          <p:stCondLst>
-                                            <p:cond delay="0"/>
-                                          </p:stCondLst>
-                                        </p:cTn>
-                                        <p:tgtEl>
-                                          <p:spTgt spid="3">
-                                            <p:txEl>
-                                              <p:pRg st="7" end="7"/>
-                                            </p:txEl>
-                                          </p:spTgt>
-                                        </p:tgtEl>
-                                        <p:attrNameLst>
-                                          <p:attrName>style.visibility</p:attrName>
-                                        </p:attrNameLst>
-                                      </p:cBhvr>
-                                      <p:to>
-                                        <p:strVal val="visible"/>
-                                      </p:to>
-                                    </p:set>
-                                  </p:childTnLst>
-                                </p:cTn>
-                              </p:par>
-                            </p:childTnLst>
-                          </p:cTn>
-                        </p:par>
-                      </p:childTnLst>
-                    </p:cTn>
-                  </p:par>
                 </p:childTnLst>
               </p:cTn>
               <p:prevCondLst>
@@ -6780,7 +5316,7 @@
 </p:sld>
 </file>
 
-<file path=ppt/slides/slide17.xml><?xml version="1.0" encoding="utf-8"?>
+<file path=ppt/slides/slide13.xml><?xml version="1.0" encoding="utf-8"?>
 <p:sld xmlns:a="http://schemas.openxmlformats.org/drawingml/2006/main" xmlns:r="http://schemas.openxmlformats.org/officeDocument/2006/relationships" xmlns:p="http://schemas.openxmlformats.org/presentationml/2006/main">
   <p:cSld>
     <p:spTree>
@@ -6814,7 +5350,7 @@
           <a:p>
             <a:r>
               <a:rPr lang="en-GB" dirty="0" smtClean="0"/>
-              <a:t>Final Product – Online Functionality</a:t>
+              <a:t>How To Play (Summarized)</a:t>
             </a:r>
             <a:endParaRPr lang="en-GB" dirty="0"/>
           </a:p>
@@ -6830,483 +5366,82 @@
             <p:ph sz="quarter" idx="1"/>
           </p:nvPr>
         </p:nvSpPr>
-        <p:spPr/>
-        <p:txBody>
-          <a:bodyPr/>
-          <a:lstStyle/>
-          <a:p>
-            <a:r>
-              <a:rPr lang="en-GB" dirty="0" smtClean="0"/>
-              <a:t>Players can play remotely using a server hosted on my PC currently.</a:t>
-            </a:r>
-          </a:p>
-          <a:p>
-            <a:r>
-              <a:rPr lang="en-GB" dirty="0" smtClean="0"/>
-              <a:t>Implemented in C#.</a:t>
-            </a:r>
-          </a:p>
-          <a:p>
-            <a:pPr lvl="1"/>
-            <a:r>
-              <a:rPr lang="en-GB" dirty="0" err="1" smtClean="0"/>
-              <a:t>UNet</a:t>
-            </a:r>
-            <a:r>
-              <a:rPr lang="en-GB" dirty="0" smtClean="0"/>
-              <a:t> </a:t>
-            </a:r>
-            <a:r>
-              <a:rPr lang="en-GB" dirty="0" smtClean="0"/>
-              <a:t>had some problems</a:t>
-            </a:r>
-            <a:r>
-              <a:rPr lang="en-GB" dirty="0" smtClean="0"/>
-              <a:t>.</a:t>
-            </a:r>
-          </a:p>
-          <a:p>
-            <a:r>
-              <a:rPr lang="en-GB" dirty="0" smtClean="0"/>
-              <a:t>Server can handle multiple simultaneous games.</a:t>
-            </a:r>
-          </a:p>
-        </p:txBody>
-      </p:sp>
-      <p:pic>
-        <p:nvPicPr>
-          <p:cNvPr id="2050" name="Picture 2"/>
-          <p:cNvPicPr>
-            <a:picLocks noChangeAspect="1" noChangeArrowheads="1"/>
-          </p:cNvPicPr>
-          <p:nvPr/>
-        </p:nvPicPr>
-        <p:blipFill>
-          <a:blip r:embed="rId2" cstate="print"/>
-          <a:srcRect/>
-          <a:stretch>
-            <a:fillRect/>
-          </a:stretch>
-        </p:blipFill>
-        <p:spPr bwMode="auto">
+        <p:spPr>
           <a:xfrm>
-            <a:off x="1691680" y="4365104"/>
-            <a:ext cx="6153150" cy="1495425"/>
+            <a:off x="914400" y="1447800"/>
+            <a:ext cx="7906072" cy="4861520"/>
           </a:xfrm>
-          <a:prstGeom prst="rect">
-            <a:avLst/>
-          </a:prstGeom>
-          <a:noFill/>
-          <a:ln w="9525">
-            <a:noFill/>
-            <a:miter lim="800000"/>
-            <a:headEnd/>
-            <a:tailEnd/>
-          </a:ln>
         </p:spPr>
-      </p:pic>
-    </p:spTree>
-  </p:cSld>
-  <p:clrMapOvr>
-    <a:masterClrMapping/>
-  </p:clrMapOvr>
-  <p:timing>
-    <p:tnLst>
-      <p:par>
-        <p:cTn id="1" dur="indefinite" restart="never" nodeType="tmRoot">
-          <p:childTnLst>
-            <p:seq concurrent="1" nextAc="seek">
-              <p:cTn id="2" dur="indefinite" nodeType="mainSeq">
-                <p:childTnLst>
-                  <p:par>
-                    <p:cTn id="3" fill="hold">
-                      <p:stCondLst>
-                        <p:cond delay="indefinite"/>
-                      </p:stCondLst>
-                      <p:childTnLst>
-                        <p:par>
-                          <p:cTn id="4" fill="hold">
-                            <p:stCondLst>
-                              <p:cond delay="0"/>
-                            </p:stCondLst>
-                            <p:childTnLst>
-                              <p:par>
-                                <p:cTn id="5" presetID="1" presetClass="entr" presetSubtype="0" fill="hold" nodeType="clickEffect">
-                                  <p:stCondLst>
-                                    <p:cond delay="0"/>
-                                  </p:stCondLst>
-                                  <p:childTnLst>
-                                    <p:set>
-                                      <p:cBhvr>
-                                        <p:cTn id="6" dur="1" fill="hold">
-                                          <p:stCondLst>
-                                            <p:cond delay="0"/>
-                                          </p:stCondLst>
-                                        </p:cTn>
-                                        <p:tgtEl>
-                                          <p:spTgt spid="3">
-                                            <p:txEl>
-                                              <p:pRg st="0" end="0"/>
-                                            </p:txEl>
-                                          </p:spTgt>
-                                        </p:tgtEl>
-                                        <p:attrNameLst>
-                                          <p:attrName>style.visibility</p:attrName>
-                                        </p:attrNameLst>
-                                      </p:cBhvr>
-                                      <p:to>
-                                        <p:strVal val="visible"/>
-                                      </p:to>
-                                    </p:set>
-                                  </p:childTnLst>
-                                </p:cTn>
-                              </p:par>
-                            </p:childTnLst>
-                          </p:cTn>
-                        </p:par>
-                      </p:childTnLst>
-                    </p:cTn>
-                  </p:par>
-                  <p:par>
-                    <p:cTn id="7" fill="hold">
-                      <p:stCondLst>
-                        <p:cond delay="indefinite"/>
-                      </p:stCondLst>
-                      <p:childTnLst>
-                        <p:par>
-                          <p:cTn id="8" fill="hold">
-                            <p:stCondLst>
-                              <p:cond delay="0"/>
-                            </p:stCondLst>
-                            <p:childTnLst>
-                              <p:par>
-                                <p:cTn id="9" presetID="1" presetClass="entr" presetSubtype="0" fill="hold" nodeType="clickEffect">
-                                  <p:stCondLst>
-                                    <p:cond delay="0"/>
-                                  </p:stCondLst>
-                                  <p:childTnLst>
-                                    <p:set>
-                                      <p:cBhvr>
-                                        <p:cTn id="10" dur="1" fill="hold">
-                                          <p:stCondLst>
-                                            <p:cond delay="0"/>
-                                          </p:stCondLst>
-                                        </p:cTn>
-                                        <p:tgtEl>
-                                          <p:spTgt spid="3">
-                                            <p:txEl>
-                                              <p:pRg st="1" end="1"/>
-                                            </p:txEl>
-                                          </p:spTgt>
-                                        </p:tgtEl>
-                                        <p:attrNameLst>
-                                          <p:attrName>style.visibility</p:attrName>
-                                        </p:attrNameLst>
-                                      </p:cBhvr>
-                                      <p:to>
-                                        <p:strVal val="visible"/>
-                                      </p:to>
-                                    </p:set>
-                                  </p:childTnLst>
-                                </p:cTn>
-                              </p:par>
-                            </p:childTnLst>
-                          </p:cTn>
-                        </p:par>
-                      </p:childTnLst>
-                    </p:cTn>
-                  </p:par>
-                  <p:par>
-                    <p:cTn id="11" fill="hold">
-                      <p:stCondLst>
-                        <p:cond delay="indefinite"/>
-                      </p:stCondLst>
-                      <p:childTnLst>
-                        <p:par>
-                          <p:cTn id="12" fill="hold">
-                            <p:stCondLst>
-                              <p:cond delay="0"/>
-                            </p:stCondLst>
-                            <p:childTnLst>
-                              <p:par>
-                                <p:cTn id="13" presetID="1" presetClass="entr" presetSubtype="0" fill="hold" nodeType="clickEffect">
-                                  <p:stCondLst>
-                                    <p:cond delay="0"/>
-                                  </p:stCondLst>
-                                  <p:childTnLst>
-                                    <p:set>
-                                      <p:cBhvr>
-                                        <p:cTn id="14" dur="1" fill="hold">
-                                          <p:stCondLst>
-                                            <p:cond delay="0"/>
-                                          </p:stCondLst>
-                                        </p:cTn>
-                                        <p:tgtEl>
-                                          <p:spTgt spid="3">
-                                            <p:txEl>
-                                              <p:pRg st="2" end="2"/>
-                                            </p:txEl>
-                                          </p:spTgt>
-                                        </p:tgtEl>
-                                        <p:attrNameLst>
-                                          <p:attrName>style.visibility</p:attrName>
-                                        </p:attrNameLst>
-                                      </p:cBhvr>
-                                      <p:to>
-                                        <p:strVal val="visible"/>
-                                      </p:to>
-                                    </p:set>
-                                  </p:childTnLst>
-                                </p:cTn>
-                              </p:par>
-                            </p:childTnLst>
-                          </p:cTn>
-                        </p:par>
-                      </p:childTnLst>
-                    </p:cTn>
-                  </p:par>
-                  <p:par>
-                    <p:cTn id="15" fill="hold">
-                      <p:stCondLst>
-                        <p:cond delay="indefinite"/>
-                      </p:stCondLst>
-                      <p:childTnLst>
-                        <p:par>
-                          <p:cTn id="16" fill="hold">
-                            <p:stCondLst>
-                              <p:cond delay="0"/>
-                            </p:stCondLst>
-                            <p:childTnLst>
-                              <p:par>
-                                <p:cTn id="17" presetID="1" presetClass="entr" presetSubtype="0" fill="hold" nodeType="clickEffect">
-                                  <p:stCondLst>
-                                    <p:cond delay="0"/>
-                                  </p:stCondLst>
-                                  <p:childTnLst>
-                                    <p:set>
-                                      <p:cBhvr>
-                                        <p:cTn id="18" dur="1" fill="hold">
-                                          <p:stCondLst>
-                                            <p:cond delay="0"/>
-                                          </p:stCondLst>
-                                        </p:cTn>
-                                        <p:tgtEl>
-                                          <p:spTgt spid="3">
-                                            <p:txEl>
-                                              <p:pRg st="3" end="3"/>
-                                            </p:txEl>
-                                          </p:spTgt>
-                                        </p:tgtEl>
-                                        <p:attrNameLst>
-                                          <p:attrName>style.visibility</p:attrName>
-                                        </p:attrNameLst>
-                                      </p:cBhvr>
-                                      <p:to>
-                                        <p:strVal val="visible"/>
-                                      </p:to>
-                                    </p:set>
-                                  </p:childTnLst>
-                                </p:cTn>
-                              </p:par>
-                            </p:childTnLst>
-                          </p:cTn>
-                        </p:par>
-                      </p:childTnLst>
-                    </p:cTn>
-                  </p:par>
-                  <p:par>
-                    <p:cTn id="19" fill="hold">
-                      <p:stCondLst>
-                        <p:cond delay="indefinite"/>
-                      </p:stCondLst>
-                      <p:childTnLst>
-                        <p:par>
-                          <p:cTn id="20" fill="hold">
-                            <p:stCondLst>
-                              <p:cond delay="0"/>
-                            </p:stCondLst>
-                            <p:childTnLst>
-                              <p:par>
-                                <p:cTn id="21" presetID="1" presetClass="entr" presetSubtype="0" fill="hold" nodeType="clickEffect">
-                                  <p:stCondLst>
-                                    <p:cond delay="0"/>
-                                  </p:stCondLst>
-                                  <p:childTnLst>
-                                    <p:set>
-                                      <p:cBhvr>
-                                        <p:cTn id="22" dur="1" fill="hold">
-                                          <p:stCondLst>
-                                            <p:cond delay="0"/>
-                                          </p:stCondLst>
-                                        </p:cTn>
-                                        <p:tgtEl>
-                                          <p:spTgt spid="2050"/>
-                                        </p:tgtEl>
-                                        <p:attrNameLst>
-                                          <p:attrName>style.visibility</p:attrName>
-                                        </p:attrNameLst>
-                                      </p:cBhvr>
-                                      <p:to>
-                                        <p:strVal val="visible"/>
-                                      </p:to>
-                                    </p:set>
-                                  </p:childTnLst>
-                                </p:cTn>
-                              </p:par>
-                            </p:childTnLst>
-                          </p:cTn>
-                        </p:par>
-                      </p:childTnLst>
-                    </p:cTn>
-                  </p:par>
-                </p:childTnLst>
-              </p:cTn>
-              <p:prevCondLst>
-                <p:cond evt="onPrev" delay="0">
-                  <p:tgtEl>
-                    <p:sldTgt/>
-                  </p:tgtEl>
-                </p:cond>
-              </p:prevCondLst>
-              <p:nextCondLst>
-                <p:cond evt="onNext" delay="0">
-                  <p:tgtEl>
-                    <p:sldTgt/>
-                  </p:tgtEl>
-                </p:cond>
-              </p:nextCondLst>
-            </p:seq>
-          </p:childTnLst>
-        </p:cTn>
-      </p:par>
-    </p:tnLst>
-  </p:timing>
-</p:sld>
-</file>
-
-<file path=ppt/slides/slide18.xml><?xml version="1.0" encoding="utf-8"?>
-<p:sld xmlns:a="http://schemas.openxmlformats.org/drawingml/2006/main" xmlns:r="http://schemas.openxmlformats.org/officeDocument/2006/relationships" xmlns:p="http://schemas.openxmlformats.org/presentationml/2006/main">
-  <p:cSld>
-    <p:spTree>
-      <p:nvGrpSpPr>
-        <p:cNvPr id="1" name=""/>
-        <p:cNvGrpSpPr/>
-        <p:nvPr/>
-      </p:nvGrpSpPr>
-      <p:grpSpPr>
-        <a:xfrm>
-          <a:off x="0" y="0"/>
-          <a:ext cx="0" cy="0"/>
-          <a:chOff x="0" y="0"/>
-          <a:chExt cx="0" cy="0"/>
-        </a:xfrm>
-      </p:grpSpPr>
-      <p:sp>
-        <p:nvSpPr>
-          <p:cNvPr id="2" name="Title 1"/>
-          <p:cNvSpPr>
-            <a:spLocks noGrp="1"/>
-          </p:cNvSpPr>
-          <p:nvPr>
-            <p:ph type="title"/>
-          </p:nvPr>
-        </p:nvSpPr>
-        <p:spPr/>
         <p:txBody>
           <a:bodyPr>
-            <a:normAutofit fontScale="90000"/>
+            <a:normAutofit fontScale="92500" lnSpcReduction="10000"/>
           </a:bodyPr>
           <a:lstStyle/>
           <a:p>
             <a:r>
               <a:rPr lang="en-GB" dirty="0" smtClean="0"/>
-              <a:t>Final Product – Server Implementation</a:t>
+              <a:t>Players each create decks from the pool of cards</a:t>
+            </a:r>
+          </a:p>
+          <a:p>
+            <a:r>
+              <a:rPr lang="en-GB" dirty="0" smtClean="0"/>
+              <a:t>Each deck contains 25 cards plus 1 Lord card.</a:t>
+            </a:r>
+          </a:p>
+          <a:p>
+            <a:r>
+              <a:rPr lang="en-GB" dirty="0" smtClean="0"/>
+              <a:t>Each player starts with 25 gold.</a:t>
+            </a:r>
+          </a:p>
+          <a:p>
+            <a:r>
+              <a:rPr lang="en-GB" dirty="0" smtClean="0"/>
+              <a:t>At the beginning of each player’s turn </a:t>
+            </a:r>
+            <a:r>
+              <a:rPr lang="en-GB" smtClean="0"/>
+              <a:t>they draw a card and gain 5 gold.</a:t>
+            </a:r>
+            <a:endParaRPr lang="en-GB" dirty="0" smtClean="0"/>
+          </a:p>
+          <a:p>
+            <a:r>
+              <a:rPr lang="en-GB" dirty="0" smtClean="0"/>
+              <a:t>Players spend gold to play cards.</a:t>
+            </a:r>
+          </a:p>
+          <a:p>
+            <a:r>
+              <a:rPr lang="en-GB" dirty="0" smtClean="0"/>
+              <a:t>Units can attack other units and reduce your opponent’s gold.</a:t>
+            </a:r>
+          </a:p>
+          <a:p>
+            <a:r>
+              <a:rPr lang="en-GB" dirty="0" smtClean="0"/>
+              <a:t>Utilities are one-time use cards.</a:t>
+            </a:r>
+          </a:p>
+          <a:p>
+            <a:r>
+              <a:rPr lang="en-GB" dirty="0" smtClean="0"/>
+              <a:t>Lords start in play and have powerful effects.</a:t>
+            </a:r>
+          </a:p>
+          <a:p>
+            <a:r>
+              <a:rPr lang="en-GB" dirty="0" smtClean="0"/>
+              <a:t>First player to 0 gold loses.</a:t>
+            </a:r>
+          </a:p>
+          <a:p>
+            <a:r>
+              <a:rPr lang="en-GB" dirty="0" smtClean="0"/>
+              <a:t>Players can check the rules any time by clicking the “?” button, or “How To Play” on the main menu.</a:t>
             </a:r>
             <a:endParaRPr lang="en-GB" dirty="0"/>
-          </a:p>
-        </p:txBody>
-      </p:sp>
-      <p:sp>
-        <p:nvSpPr>
-          <p:cNvPr id="3" name="Content Placeholder 2"/>
-          <p:cNvSpPr>
-            <a:spLocks noGrp="1"/>
-          </p:cNvSpPr>
-          <p:nvPr>
-            <p:ph sz="quarter" idx="1"/>
-          </p:nvPr>
-        </p:nvSpPr>
-        <p:spPr/>
-        <p:txBody>
-          <a:bodyPr/>
-          <a:lstStyle/>
-          <a:p>
-            <a:r>
-              <a:rPr lang="en-GB" dirty="0" smtClean="0"/>
-              <a:t>Server assigns an ID to every card in both player’s decks.</a:t>
-            </a:r>
-          </a:p>
-          <a:p>
-            <a:r>
-              <a:rPr lang="en-GB" dirty="0" smtClean="0"/>
-              <a:t>Server and client use keywords to refer to functions</a:t>
-            </a:r>
-          </a:p>
-          <a:p>
-            <a:r>
-              <a:rPr lang="en-GB" dirty="0" smtClean="0"/>
-              <a:t>Card IDs and values used as arguments for these functions</a:t>
-            </a:r>
-          </a:p>
-          <a:p>
-            <a:pPr lvl="1"/>
-            <a:r>
-              <a:rPr lang="en-GB" dirty="0" smtClean="0"/>
-              <a:t>A message to the client might be “KILL#Cannibal43”</a:t>
-            </a:r>
-          </a:p>
-          <a:p>
-            <a:pPr lvl="2"/>
-            <a:r>
-              <a:rPr lang="en-GB" dirty="0" smtClean="0"/>
-              <a:t>This means to kill the card with the ID “Cannibal43”.</a:t>
-            </a:r>
-          </a:p>
-          <a:p>
-            <a:r>
-              <a:rPr lang="en-GB" dirty="0" smtClean="0"/>
-              <a:t>Future </a:t>
-            </a:r>
-            <a:r>
-              <a:rPr lang="en-GB" dirty="0" smtClean="0"/>
-              <a:t>improvements:</a:t>
-            </a:r>
-          </a:p>
-          <a:p>
-            <a:pPr lvl="1"/>
-            <a:r>
-              <a:rPr lang="en-GB" dirty="0" smtClean="0"/>
-              <a:t>Test with a large player-base.</a:t>
-            </a:r>
-          </a:p>
-          <a:p>
-            <a:pPr lvl="1"/>
-            <a:r>
-              <a:rPr lang="en-GB" dirty="0" smtClean="0"/>
-              <a:t>Constantly host the server on a remote VM.</a:t>
-            </a:r>
-          </a:p>
-          <a:p>
-            <a:pPr lvl="1"/>
-            <a:r>
-              <a:rPr lang="en-GB" dirty="0" smtClean="0"/>
-              <a:t>Allow players to play with their friends</a:t>
-            </a:r>
-            <a:r>
-              <a:rPr lang="en-GB" dirty="0" smtClean="0"/>
-              <a:t>.</a:t>
-            </a:r>
-            <a:endParaRPr lang="en-GB" dirty="0" smtClean="0"/>
           </a:p>
         </p:txBody>
       </p:sp>
@@ -7764,6 +5899,55 @@
                       </p:childTnLst>
                     </p:cTn>
                   </p:par>
+                  <p:par>
+                    <p:cTn id="39" fill="hold">
+                      <p:stCondLst>
+                        <p:cond delay="indefinite"/>
+                      </p:stCondLst>
+                      <p:childTnLst>
+                        <p:par>
+                          <p:cTn id="40" fill="hold">
+                            <p:stCondLst>
+                              <p:cond delay="0"/>
+                            </p:stCondLst>
+                            <p:childTnLst>
+                              <p:par>
+                                <p:cTn id="41" presetID="1" presetClass="entr" presetSubtype="0" fill="hold" nodeType="clickEffect">
+                                  <p:stCondLst>
+                                    <p:cond delay="0"/>
+                                  </p:stCondLst>
+                                  <p:childTnLst>
+                                    <p:set>
+                                      <p:cBhvr>
+                                        <p:cTn id="42" dur="1" fill="hold">
+                                          <p:stCondLst>
+                                            <p:cond delay="0"/>
+                                          </p:stCondLst>
+                                        </p:cTn>
+                                        <p:tgtEl>
+                                          <p:spTgt spid="3">
+                                            <p:txEl>
+                                              <p:pRg st="9" end="9"/>
+                                            </p:txEl>
+                                          </p:spTgt>
+                                        </p:tgtEl>
+                                        <p:attrNameLst>
+                                          <p:attrName>style.visibility</p:attrName>
+                                        </p:attrNameLst>
+                                      </p:cBhvr>
+                                      <p:to>
+                                        <p:strVal val="visible"/>
+                                      </p:to>
+                                    </p:set>
+                                  </p:childTnLst>
+                                </p:cTn>
+                              </p:par>
+                            </p:childTnLst>
+                          </p:cTn>
+                        </p:par>
+                      </p:childTnLst>
+                    </p:cTn>
+                  </p:par>
                 </p:childTnLst>
               </p:cTn>
               <p:prevCondLst>
@@ -7789,7 +5973,7 @@
 </p:sld>
 </file>
 
-<file path=ppt/slides/slide19.xml><?xml version="1.0" encoding="utf-8"?>
+<file path=ppt/slides/slide14.xml><?xml version="1.0" encoding="utf-8"?>
 <p:sld xmlns:a="http://schemas.openxmlformats.org/drawingml/2006/main" xmlns:r="http://schemas.openxmlformats.org/officeDocument/2006/relationships" xmlns:p="http://schemas.openxmlformats.org/presentationml/2006/main">
   <p:cSld>
     <p:spTree>
@@ -7816,16 +6000,75 @@
             <p:ph type="title"/>
           </p:nvPr>
         </p:nvSpPr>
+        <p:spPr>
+          <a:xfrm>
+            <a:off x="683568" y="2492896"/>
+            <a:ext cx="7772400" cy="1143000"/>
+          </a:xfrm>
+        </p:spPr>
+        <p:txBody>
+          <a:bodyPr/>
+          <a:lstStyle/>
+          <a:p>
+            <a:pPr algn="ctr"/>
+            <a:r>
+              <a:rPr lang="en-GB" dirty="0" smtClean="0"/>
+              <a:t>Demonstration</a:t>
+            </a:r>
+            <a:endParaRPr lang="en-GB" dirty="0"/>
+          </a:p>
+        </p:txBody>
+      </p:sp>
+    </p:spTree>
+  </p:cSld>
+  <p:clrMapOvr>
+    <a:masterClrMapping/>
+  </p:clrMapOvr>
+  <p:timing>
+    <p:tnLst>
+      <p:par>
+        <p:cTn id="1" dur="indefinite" restart="never" nodeType="tmRoot"/>
+      </p:par>
+    </p:tnLst>
+  </p:timing>
+</p:sld>
+</file>
+
+<file path=ppt/slides/slide15.xml><?xml version="1.0" encoding="utf-8"?>
+<p:sld xmlns:a="http://schemas.openxmlformats.org/drawingml/2006/main" xmlns:r="http://schemas.openxmlformats.org/officeDocument/2006/relationships" xmlns:p="http://schemas.openxmlformats.org/presentationml/2006/main">
+  <p:cSld>
+    <p:spTree>
+      <p:nvGrpSpPr>
+        <p:cNvPr id="1" name=""/>
+        <p:cNvGrpSpPr/>
+        <p:nvPr/>
+      </p:nvGrpSpPr>
+      <p:grpSpPr>
+        <a:xfrm>
+          <a:off x="0" y="0"/>
+          <a:ext cx="0" cy="0"/>
+          <a:chOff x="0" y="0"/>
+          <a:chExt cx="0" cy="0"/>
+        </a:xfrm>
+      </p:grpSpPr>
+      <p:sp>
+        <p:nvSpPr>
+          <p:cNvPr id="2" name="Title 1"/>
+          <p:cNvSpPr>
+            <a:spLocks noGrp="1"/>
+          </p:cNvSpPr>
+          <p:nvPr>
+            <p:ph type="title"/>
+          </p:nvPr>
+        </p:nvSpPr>
         <p:spPr/>
         <p:txBody>
-          <a:bodyPr>
-            <a:normAutofit fontScale="90000"/>
-          </a:bodyPr>
+          <a:bodyPr/>
           <a:lstStyle/>
           <a:p>
             <a:r>
               <a:rPr lang="en-GB" dirty="0" smtClean="0"/>
-              <a:t>Final Product – Play-testing Feedback</a:t>
+              <a:t>Future Work</a:t>
             </a:r>
             <a:endParaRPr lang="en-GB" dirty="0"/>
           </a:p>
@@ -7848,50 +6091,40 @@
           <a:p>
             <a:r>
               <a:rPr lang="en-GB" dirty="0" smtClean="0"/>
-              <a:t>Playtesting was minimal due to falling behind schedule.</a:t>
+              <a:t>Improve the aesthetic of the game.</a:t>
             </a:r>
           </a:p>
           <a:p>
             <a:pPr lvl="1"/>
             <a:r>
               <a:rPr lang="en-GB" dirty="0" smtClean="0"/>
-              <a:t>Could only start playtesting later in the projects lifetime.</a:t>
-            </a:r>
-          </a:p>
-          <a:p>
-            <a:r>
-              <a:rPr lang="en-GB" dirty="0" smtClean="0"/>
-              <a:t>The feedback I did get was useful and was used to improve the game.</a:t>
-            </a:r>
-          </a:p>
-          <a:p>
-            <a:r>
-              <a:rPr lang="en-GB" dirty="0" smtClean="0"/>
-              <a:t>Future work:</a:t>
-            </a:r>
-          </a:p>
-          <a:p>
-            <a:pPr lvl="1"/>
-            <a:r>
-              <a:rPr lang="en-GB" dirty="0" smtClean="0"/>
-              <a:t>Introduce </a:t>
-            </a:r>
-            <a:r>
-              <a:rPr lang="en-GB" i="1" dirty="0" smtClean="0"/>
-              <a:t>Lords </a:t>
-            </a:r>
-            <a:r>
-              <a:rPr lang="en-GB" dirty="0" smtClean="0"/>
-              <a:t>to more players.</a:t>
-            </a:r>
-          </a:p>
-          <a:p>
-            <a:pPr lvl="1"/>
-            <a:r>
-              <a:rPr lang="en-GB" dirty="0" smtClean="0"/>
-              <a:t>Gather feedback to help with game balance and polish.</a:t>
-            </a:r>
-            <a:endParaRPr lang="en-GB" dirty="0" smtClean="0"/>
+              <a:t>Most cards are missing artwork.</a:t>
+            </a:r>
+          </a:p>
+          <a:p>
+            <a:r>
+              <a:rPr lang="en-GB" dirty="0" smtClean="0"/>
+              <a:t>Animations and sound effects to help players track the game state.</a:t>
+            </a:r>
+          </a:p>
+          <a:p>
+            <a:r>
+              <a:rPr lang="en-GB" dirty="0" smtClean="0"/>
+              <a:t>Increase the card pool (at least 100 cards).</a:t>
+            </a:r>
+          </a:p>
+          <a:p>
+            <a:r>
+              <a:rPr lang="en-GB" dirty="0" smtClean="0"/>
+              <a:t>Server should constantly be running.</a:t>
+            </a:r>
+          </a:p>
+          <a:p>
+            <a:r>
+              <a:rPr lang="en-GB" dirty="0" smtClean="0"/>
+              <a:t>Gather player feedback and improve game from it.</a:t>
+            </a:r>
+            <a:endParaRPr lang="en-GB" dirty="0"/>
           </a:p>
         </p:txBody>
       </p:sp>
@@ -8227,6 +6460,381 @@
 </p:sld>
 </file>
 
+<file path=ppt/slides/slide16.xml><?xml version="1.0" encoding="utf-8"?>
+<p:sld xmlns:a="http://schemas.openxmlformats.org/drawingml/2006/main" xmlns:r="http://schemas.openxmlformats.org/officeDocument/2006/relationships" xmlns:p="http://schemas.openxmlformats.org/presentationml/2006/main">
+  <p:cSld>
+    <p:spTree>
+      <p:nvGrpSpPr>
+        <p:cNvPr id="1" name=""/>
+        <p:cNvGrpSpPr/>
+        <p:nvPr/>
+      </p:nvGrpSpPr>
+      <p:grpSpPr>
+        <a:xfrm>
+          <a:off x="0" y="0"/>
+          <a:ext cx="0" cy="0"/>
+          <a:chOff x="0" y="0"/>
+          <a:chExt cx="0" cy="0"/>
+        </a:xfrm>
+      </p:grpSpPr>
+      <p:sp>
+        <p:nvSpPr>
+          <p:cNvPr id="2" name="Title 1"/>
+          <p:cNvSpPr>
+            <a:spLocks noGrp="1"/>
+          </p:cNvSpPr>
+          <p:nvPr>
+            <p:ph type="title"/>
+          </p:nvPr>
+        </p:nvSpPr>
+        <p:spPr/>
+        <p:txBody>
+          <a:bodyPr/>
+          <a:lstStyle/>
+          <a:p>
+            <a:r>
+              <a:rPr lang="en-GB" dirty="0" smtClean="0"/>
+              <a:t>Lessons for the future </a:t>
+            </a:r>
+            <a:endParaRPr lang="en-GB" dirty="0"/>
+          </a:p>
+        </p:txBody>
+      </p:sp>
+      <p:sp>
+        <p:nvSpPr>
+          <p:cNvPr id="3" name="Content Placeholder 2"/>
+          <p:cNvSpPr>
+            <a:spLocks noGrp="1"/>
+          </p:cNvSpPr>
+          <p:nvPr>
+            <p:ph sz="quarter" idx="1"/>
+          </p:nvPr>
+        </p:nvSpPr>
+        <p:spPr/>
+        <p:txBody>
+          <a:bodyPr/>
+          <a:lstStyle/>
+          <a:p>
+            <a:r>
+              <a:rPr lang="en-GB" dirty="0" smtClean="0"/>
+              <a:t>Two key points:</a:t>
+            </a:r>
+          </a:p>
+          <a:p>
+            <a:pPr lvl="1"/>
+            <a:r>
+              <a:rPr lang="en-GB" dirty="0" smtClean="0"/>
+              <a:t>Research tools more thoroughly in the future.</a:t>
+            </a:r>
+          </a:p>
+          <a:p>
+            <a:pPr lvl="2"/>
+            <a:r>
+              <a:rPr lang="en-GB" dirty="0" err="1" smtClean="0"/>
+              <a:t>UNet</a:t>
+            </a:r>
+            <a:r>
+              <a:rPr lang="en-GB" dirty="0" smtClean="0"/>
+              <a:t> was an unfortunate waste of time.</a:t>
+            </a:r>
+          </a:p>
+          <a:p>
+            <a:pPr lvl="1"/>
+            <a:r>
+              <a:rPr lang="en-GB" dirty="0" smtClean="0"/>
+              <a:t>Plan around other work and responsibilities.</a:t>
+            </a:r>
+          </a:p>
+        </p:txBody>
+      </p:sp>
+    </p:spTree>
+  </p:cSld>
+  <p:clrMapOvr>
+    <a:masterClrMapping/>
+  </p:clrMapOvr>
+  <p:timing>
+    <p:tnLst>
+      <p:par>
+        <p:cTn id="1" dur="indefinite" restart="never" nodeType="tmRoot">
+          <p:childTnLst>
+            <p:seq concurrent="1" nextAc="seek">
+              <p:cTn id="2" dur="indefinite" nodeType="mainSeq">
+                <p:childTnLst>
+                  <p:par>
+                    <p:cTn id="3" fill="hold">
+                      <p:stCondLst>
+                        <p:cond delay="indefinite"/>
+                      </p:stCondLst>
+                      <p:childTnLst>
+                        <p:par>
+                          <p:cTn id="4" fill="hold">
+                            <p:stCondLst>
+                              <p:cond delay="0"/>
+                            </p:stCondLst>
+                            <p:childTnLst>
+                              <p:par>
+                                <p:cTn id="5" presetID="1" presetClass="entr" presetSubtype="0" fill="hold" nodeType="clickEffect">
+                                  <p:stCondLst>
+                                    <p:cond delay="0"/>
+                                  </p:stCondLst>
+                                  <p:childTnLst>
+                                    <p:set>
+                                      <p:cBhvr>
+                                        <p:cTn id="6" dur="1" fill="hold">
+                                          <p:stCondLst>
+                                            <p:cond delay="0"/>
+                                          </p:stCondLst>
+                                        </p:cTn>
+                                        <p:tgtEl>
+                                          <p:spTgt spid="3">
+                                            <p:txEl>
+                                              <p:pRg st="0" end="0"/>
+                                            </p:txEl>
+                                          </p:spTgt>
+                                        </p:tgtEl>
+                                        <p:attrNameLst>
+                                          <p:attrName>style.visibility</p:attrName>
+                                        </p:attrNameLst>
+                                      </p:cBhvr>
+                                      <p:to>
+                                        <p:strVal val="visible"/>
+                                      </p:to>
+                                    </p:set>
+                                  </p:childTnLst>
+                                </p:cTn>
+                              </p:par>
+                            </p:childTnLst>
+                          </p:cTn>
+                        </p:par>
+                      </p:childTnLst>
+                    </p:cTn>
+                  </p:par>
+                  <p:par>
+                    <p:cTn id="7" fill="hold">
+                      <p:stCondLst>
+                        <p:cond delay="indefinite"/>
+                      </p:stCondLst>
+                      <p:childTnLst>
+                        <p:par>
+                          <p:cTn id="8" fill="hold">
+                            <p:stCondLst>
+                              <p:cond delay="0"/>
+                            </p:stCondLst>
+                            <p:childTnLst>
+                              <p:par>
+                                <p:cTn id="9" presetID="1" presetClass="entr" presetSubtype="0" fill="hold" nodeType="clickEffect">
+                                  <p:stCondLst>
+                                    <p:cond delay="0"/>
+                                  </p:stCondLst>
+                                  <p:childTnLst>
+                                    <p:set>
+                                      <p:cBhvr>
+                                        <p:cTn id="10" dur="1" fill="hold">
+                                          <p:stCondLst>
+                                            <p:cond delay="0"/>
+                                          </p:stCondLst>
+                                        </p:cTn>
+                                        <p:tgtEl>
+                                          <p:spTgt spid="3">
+                                            <p:txEl>
+                                              <p:pRg st="1" end="1"/>
+                                            </p:txEl>
+                                          </p:spTgt>
+                                        </p:tgtEl>
+                                        <p:attrNameLst>
+                                          <p:attrName>style.visibility</p:attrName>
+                                        </p:attrNameLst>
+                                      </p:cBhvr>
+                                      <p:to>
+                                        <p:strVal val="visible"/>
+                                      </p:to>
+                                    </p:set>
+                                  </p:childTnLst>
+                                </p:cTn>
+                              </p:par>
+                            </p:childTnLst>
+                          </p:cTn>
+                        </p:par>
+                      </p:childTnLst>
+                    </p:cTn>
+                  </p:par>
+                  <p:par>
+                    <p:cTn id="11" fill="hold">
+                      <p:stCondLst>
+                        <p:cond delay="indefinite"/>
+                      </p:stCondLst>
+                      <p:childTnLst>
+                        <p:par>
+                          <p:cTn id="12" fill="hold">
+                            <p:stCondLst>
+                              <p:cond delay="0"/>
+                            </p:stCondLst>
+                            <p:childTnLst>
+                              <p:par>
+                                <p:cTn id="13" presetID="1" presetClass="entr" presetSubtype="0" fill="hold" nodeType="clickEffect">
+                                  <p:stCondLst>
+                                    <p:cond delay="0"/>
+                                  </p:stCondLst>
+                                  <p:childTnLst>
+                                    <p:set>
+                                      <p:cBhvr>
+                                        <p:cTn id="14" dur="1" fill="hold">
+                                          <p:stCondLst>
+                                            <p:cond delay="0"/>
+                                          </p:stCondLst>
+                                        </p:cTn>
+                                        <p:tgtEl>
+                                          <p:spTgt spid="3">
+                                            <p:txEl>
+                                              <p:pRg st="2" end="2"/>
+                                            </p:txEl>
+                                          </p:spTgt>
+                                        </p:tgtEl>
+                                        <p:attrNameLst>
+                                          <p:attrName>style.visibility</p:attrName>
+                                        </p:attrNameLst>
+                                      </p:cBhvr>
+                                      <p:to>
+                                        <p:strVal val="visible"/>
+                                      </p:to>
+                                    </p:set>
+                                  </p:childTnLst>
+                                </p:cTn>
+                              </p:par>
+                            </p:childTnLst>
+                          </p:cTn>
+                        </p:par>
+                      </p:childTnLst>
+                    </p:cTn>
+                  </p:par>
+                  <p:par>
+                    <p:cTn id="15" fill="hold">
+                      <p:stCondLst>
+                        <p:cond delay="indefinite"/>
+                      </p:stCondLst>
+                      <p:childTnLst>
+                        <p:par>
+                          <p:cTn id="16" fill="hold">
+                            <p:stCondLst>
+                              <p:cond delay="0"/>
+                            </p:stCondLst>
+                            <p:childTnLst>
+                              <p:par>
+                                <p:cTn id="17" presetID="1" presetClass="entr" presetSubtype="0" fill="hold" nodeType="clickEffect">
+                                  <p:stCondLst>
+                                    <p:cond delay="0"/>
+                                  </p:stCondLst>
+                                  <p:childTnLst>
+                                    <p:set>
+                                      <p:cBhvr>
+                                        <p:cTn id="18" dur="1" fill="hold">
+                                          <p:stCondLst>
+                                            <p:cond delay="0"/>
+                                          </p:stCondLst>
+                                        </p:cTn>
+                                        <p:tgtEl>
+                                          <p:spTgt spid="3">
+                                            <p:txEl>
+                                              <p:pRg st="3" end="3"/>
+                                            </p:txEl>
+                                          </p:spTgt>
+                                        </p:tgtEl>
+                                        <p:attrNameLst>
+                                          <p:attrName>style.visibility</p:attrName>
+                                        </p:attrNameLst>
+                                      </p:cBhvr>
+                                      <p:to>
+                                        <p:strVal val="visible"/>
+                                      </p:to>
+                                    </p:set>
+                                  </p:childTnLst>
+                                </p:cTn>
+                              </p:par>
+                            </p:childTnLst>
+                          </p:cTn>
+                        </p:par>
+                      </p:childTnLst>
+                    </p:cTn>
+                  </p:par>
+                </p:childTnLst>
+              </p:cTn>
+              <p:prevCondLst>
+                <p:cond evt="onPrev" delay="0">
+                  <p:tgtEl>
+                    <p:sldTgt/>
+                  </p:tgtEl>
+                </p:cond>
+              </p:prevCondLst>
+              <p:nextCondLst>
+                <p:cond evt="onNext" delay="0">
+                  <p:tgtEl>
+                    <p:sldTgt/>
+                  </p:tgtEl>
+                </p:cond>
+              </p:nextCondLst>
+            </p:seq>
+          </p:childTnLst>
+        </p:cTn>
+      </p:par>
+    </p:tnLst>
+  </p:timing>
+</p:sld>
+</file>
+
+<file path=ppt/slides/slide17.xml><?xml version="1.0" encoding="utf-8"?>
+<p:sld xmlns:a="http://schemas.openxmlformats.org/drawingml/2006/main" xmlns:r="http://schemas.openxmlformats.org/officeDocument/2006/relationships" xmlns:p="http://schemas.openxmlformats.org/presentationml/2006/main">
+  <p:cSld>
+    <p:spTree>
+      <p:nvGrpSpPr>
+        <p:cNvPr id="1" name=""/>
+        <p:cNvGrpSpPr/>
+        <p:nvPr/>
+      </p:nvGrpSpPr>
+      <p:grpSpPr>
+        <a:xfrm>
+          <a:off x="0" y="0"/>
+          <a:ext cx="0" cy="0"/>
+          <a:chOff x="0" y="0"/>
+          <a:chExt cx="0" cy="0"/>
+        </a:xfrm>
+      </p:grpSpPr>
+      <p:sp>
+        <p:nvSpPr>
+          <p:cNvPr id="4" name="Title 1"/>
+          <p:cNvSpPr>
+            <a:spLocks noGrp="1"/>
+          </p:cNvSpPr>
+          <p:nvPr>
+            <p:ph type="title"/>
+          </p:nvPr>
+        </p:nvSpPr>
+        <p:spPr>
+          <a:xfrm>
+            <a:off x="683568" y="2492896"/>
+            <a:ext cx="7772400" cy="1143000"/>
+          </a:xfrm>
+        </p:spPr>
+        <p:txBody>
+          <a:bodyPr/>
+          <a:lstStyle/>
+          <a:p>
+            <a:pPr algn="ctr"/>
+            <a:r>
+              <a:rPr lang="en-GB" dirty="0" smtClean="0"/>
+              <a:t>Questions?</a:t>
+            </a:r>
+            <a:endParaRPr lang="en-GB" dirty="0"/>
+          </a:p>
+        </p:txBody>
+      </p:sp>
+    </p:spTree>
+  </p:cSld>
+  <p:clrMapOvr>
+    <a:masterClrMapping/>
+  </p:clrMapOvr>
+</p:sld>
+</file>
+
 <file path=ppt/slides/slide2.xml><?xml version="1.0" encoding="utf-8"?>
 <p:sld xmlns:a="http://schemas.openxmlformats.org/drawingml/2006/main" xmlns:r="http://schemas.openxmlformats.org/officeDocument/2006/relationships" xmlns:p="http://schemas.openxmlformats.org/presentationml/2006/main">
   <p:cSld>
@@ -8332,13 +6940,8 @@
           <a:p>
             <a:r>
               <a:rPr lang="en-GB" dirty="0" smtClean="0"/>
-              <a:t>I use the second interpretation for this project</a:t>
-            </a:r>
-            <a:r>
-              <a:rPr lang="en-GB" dirty="0" smtClean="0"/>
-              <a:t>.</a:t>
-            </a:r>
-            <a:endParaRPr lang="en-GB" dirty="0" smtClean="0"/>
+              <a:t>I use the second interpretation for this project.</a:t>
+            </a:r>
           </a:p>
           <a:p>
             <a:pPr marL="777240" lvl="1" indent="-457200"/>
@@ -8626,1465 +7229,6 @@
       </p:par>
     </p:tnLst>
   </p:timing>
-</p:sld>
-</file>
-
-<file path=ppt/slides/slide20.xml><?xml version="1.0" encoding="utf-8"?>
-<p:sld xmlns:a="http://schemas.openxmlformats.org/drawingml/2006/main" xmlns:r="http://schemas.openxmlformats.org/officeDocument/2006/relationships" xmlns:p="http://schemas.openxmlformats.org/presentationml/2006/main">
-  <p:cSld>
-    <p:spTree>
-      <p:nvGrpSpPr>
-        <p:cNvPr id="1" name=""/>
-        <p:cNvGrpSpPr/>
-        <p:nvPr/>
-      </p:nvGrpSpPr>
-      <p:grpSpPr>
-        <a:xfrm>
-          <a:off x="0" y="0"/>
-          <a:ext cx="0" cy="0"/>
-          <a:chOff x="0" y="0"/>
-          <a:chExt cx="0" cy="0"/>
-        </a:xfrm>
-      </p:grpSpPr>
-      <p:sp>
-        <p:nvSpPr>
-          <p:cNvPr id="2" name="Title 1"/>
-          <p:cNvSpPr>
-            <a:spLocks noGrp="1"/>
-          </p:cNvSpPr>
-          <p:nvPr>
-            <p:ph type="title"/>
-          </p:nvPr>
-        </p:nvSpPr>
-        <p:spPr/>
-        <p:txBody>
-          <a:bodyPr/>
-          <a:lstStyle/>
-          <a:p>
-            <a:r>
-              <a:rPr lang="en-GB" dirty="0" smtClean="0"/>
-              <a:t>How To Play (Summarized)</a:t>
-            </a:r>
-            <a:endParaRPr lang="en-GB" dirty="0"/>
-          </a:p>
-        </p:txBody>
-      </p:sp>
-      <p:sp>
-        <p:nvSpPr>
-          <p:cNvPr id="3" name="Content Placeholder 2"/>
-          <p:cNvSpPr>
-            <a:spLocks noGrp="1"/>
-          </p:cNvSpPr>
-          <p:nvPr>
-            <p:ph sz="quarter" idx="1"/>
-          </p:nvPr>
-        </p:nvSpPr>
-        <p:spPr>
-          <a:xfrm>
-            <a:off x="914400" y="1447800"/>
-            <a:ext cx="7906072" cy="4861520"/>
-          </a:xfrm>
-        </p:spPr>
-        <p:txBody>
-          <a:bodyPr>
-            <a:normAutofit/>
-          </a:bodyPr>
-          <a:lstStyle/>
-          <a:p>
-            <a:r>
-              <a:rPr lang="en-GB" dirty="0" smtClean="0"/>
-              <a:t>Players each create decks from the pool of cards</a:t>
-            </a:r>
-          </a:p>
-          <a:p>
-            <a:r>
-              <a:rPr lang="en-GB" dirty="0" smtClean="0"/>
-              <a:t>Each deck contains 25 cards plus 1 Lord card.</a:t>
-            </a:r>
-          </a:p>
-          <a:p>
-            <a:r>
-              <a:rPr lang="en-GB" dirty="0" smtClean="0"/>
-              <a:t>Each player starts with 25 gold.</a:t>
-            </a:r>
-          </a:p>
-          <a:p>
-            <a:r>
-              <a:rPr lang="en-GB" dirty="0" smtClean="0"/>
-              <a:t>Players spend gold to play cards.</a:t>
-            </a:r>
-          </a:p>
-          <a:p>
-            <a:r>
-              <a:rPr lang="en-GB" dirty="0" smtClean="0"/>
-              <a:t>Units can attack other units and reduce your opponent’s gold.</a:t>
-            </a:r>
-          </a:p>
-          <a:p>
-            <a:r>
-              <a:rPr lang="en-GB" dirty="0" smtClean="0"/>
-              <a:t>Utilities are one-time use cards.</a:t>
-            </a:r>
-          </a:p>
-          <a:p>
-            <a:r>
-              <a:rPr lang="en-GB" dirty="0" smtClean="0"/>
-              <a:t>Lords start in play and have powerful effects.</a:t>
-            </a:r>
-          </a:p>
-          <a:p>
-            <a:r>
-              <a:rPr lang="en-GB" dirty="0" smtClean="0"/>
-              <a:t>First player to 0 gold loses.</a:t>
-            </a:r>
-          </a:p>
-          <a:p>
-            <a:r>
-              <a:rPr lang="en-GB" dirty="0" smtClean="0"/>
-              <a:t>Players can check the rules any time by clicking the “?” button, or “How To Play” on the main menu.</a:t>
-            </a:r>
-            <a:endParaRPr lang="en-GB" dirty="0"/>
-          </a:p>
-        </p:txBody>
-      </p:sp>
-    </p:spTree>
-  </p:cSld>
-  <p:clrMapOvr>
-    <a:masterClrMapping/>
-  </p:clrMapOvr>
-  <p:timing>
-    <p:tnLst>
-      <p:par>
-        <p:cTn id="1" dur="indefinite" restart="never" nodeType="tmRoot">
-          <p:childTnLst>
-            <p:seq concurrent="1" nextAc="seek">
-              <p:cTn id="2" dur="indefinite" nodeType="mainSeq">
-                <p:childTnLst>
-                  <p:par>
-                    <p:cTn id="3" fill="hold">
-                      <p:stCondLst>
-                        <p:cond delay="indefinite"/>
-                      </p:stCondLst>
-                      <p:childTnLst>
-                        <p:par>
-                          <p:cTn id="4" fill="hold">
-                            <p:stCondLst>
-                              <p:cond delay="0"/>
-                            </p:stCondLst>
-                            <p:childTnLst>
-                              <p:par>
-                                <p:cTn id="5" presetID="1" presetClass="entr" presetSubtype="0" fill="hold" nodeType="clickEffect">
-                                  <p:stCondLst>
-                                    <p:cond delay="0"/>
-                                  </p:stCondLst>
-                                  <p:childTnLst>
-                                    <p:set>
-                                      <p:cBhvr>
-                                        <p:cTn id="6" dur="1" fill="hold">
-                                          <p:stCondLst>
-                                            <p:cond delay="0"/>
-                                          </p:stCondLst>
-                                        </p:cTn>
-                                        <p:tgtEl>
-                                          <p:spTgt spid="3">
-                                            <p:txEl>
-                                              <p:pRg st="0" end="0"/>
-                                            </p:txEl>
-                                          </p:spTgt>
-                                        </p:tgtEl>
-                                        <p:attrNameLst>
-                                          <p:attrName>style.visibility</p:attrName>
-                                        </p:attrNameLst>
-                                      </p:cBhvr>
-                                      <p:to>
-                                        <p:strVal val="visible"/>
-                                      </p:to>
-                                    </p:set>
-                                  </p:childTnLst>
-                                </p:cTn>
-                              </p:par>
-                            </p:childTnLst>
-                          </p:cTn>
-                        </p:par>
-                      </p:childTnLst>
-                    </p:cTn>
-                  </p:par>
-                  <p:par>
-                    <p:cTn id="7" fill="hold">
-                      <p:stCondLst>
-                        <p:cond delay="indefinite"/>
-                      </p:stCondLst>
-                      <p:childTnLst>
-                        <p:par>
-                          <p:cTn id="8" fill="hold">
-                            <p:stCondLst>
-                              <p:cond delay="0"/>
-                            </p:stCondLst>
-                            <p:childTnLst>
-                              <p:par>
-                                <p:cTn id="9" presetID="1" presetClass="entr" presetSubtype="0" fill="hold" nodeType="clickEffect">
-                                  <p:stCondLst>
-                                    <p:cond delay="0"/>
-                                  </p:stCondLst>
-                                  <p:childTnLst>
-                                    <p:set>
-                                      <p:cBhvr>
-                                        <p:cTn id="10" dur="1" fill="hold">
-                                          <p:stCondLst>
-                                            <p:cond delay="0"/>
-                                          </p:stCondLst>
-                                        </p:cTn>
-                                        <p:tgtEl>
-                                          <p:spTgt spid="3">
-                                            <p:txEl>
-                                              <p:pRg st="1" end="1"/>
-                                            </p:txEl>
-                                          </p:spTgt>
-                                        </p:tgtEl>
-                                        <p:attrNameLst>
-                                          <p:attrName>style.visibility</p:attrName>
-                                        </p:attrNameLst>
-                                      </p:cBhvr>
-                                      <p:to>
-                                        <p:strVal val="visible"/>
-                                      </p:to>
-                                    </p:set>
-                                  </p:childTnLst>
-                                </p:cTn>
-                              </p:par>
-                            </p:childTnLst>
-                          </p:cTn>
-                        </p:par>
-                      </p:childTnLst>
-                    </p:cTn>
-                  </p:par>
-                  <p:par>
-                    <p:cTn id="11" fill="hold">
-                      <p:stCondLst>
-                        <p:cond delay="indefinite"/>
-                      </p:stCondLst>
-                      <p:childTnLst>
-                        <p:par>
-                          <p:cTn id="12" fill="hold">
-                            <p:stCondLst>
-                              <p:cond delay="0"/>
-                            </p:stCondLst>
-                            <p:childTnLst>
-                              <p:par>
-                                <p:cTn id="13" presetID="1" presetClass="entr" presetSubtype="0" fill="hold" nodeType="clickEffect">
-                                  <p:stCondLst>
-                                    <p:cond delay="0"/>
-                                  </p:stCondLst>
-                                  <p:childTnLst>
-                                    <p:set>
-                                      <p:cBhvr>
-                                        <p:cTn id="14" dur="1" fill="hold">
-                                          <p:stCondLst>
-                                            <p:cond delay="0"/>
-                                          </p:stCondLst>
-                                        </p:cTn>
-                                        <p:tgtEl>
-                                          <p:spTgt spid="3">
-                                            <p:txEl>
-                                              <p:pRg st="2" end="2"/>
-                                            </p:txEl>
-                                          </p:spTgt>
-                                        </p:tgtEl>
-                                        <p:attrNameLst>
-                                          <p:attrName>style.visibility</p:attrName>
-                                        </p:attrNameLst>
-                                      </p:cBhvr>
-                                      <p:to>
-                                        <p:strVal val="visible"/>
-                                      </p:to>
-                                    </p:set>
-                                  </p:childTnLst>
-                                </p:cTn>
-                              </p:par>
-                            </p:childTnLst>
-                          </p:cTn>
-                        </p:par>
-                      </p:childTnLst>
-                    </p:cTn>
-                  </p:par>
-                  <p:par>
-                    <p:cTn id="15" fill="hold">
-                      <p:stCondLst>
-                        <p:cond delay="indefinite"/>
-                      </p:stCondLst>
-                      <p:childTnLst>
-                        <p:par>
-                          <p:cTn id="16" fill="hold">
-                            <p:stCondLst>
-                              <p:cond delay="0"/>
-                            </p:stCondLst>
-                            <p:childTnLst>
-                              <p:par>
-                                <p:cTn id="17" presetID="1" presetClass="entr" presetSubtype="0" fill="hold" nodeType="clickEffect">
-                                  <p:stCondLst>
-                                    <p:cond delay="0"/>
-                                  </p:stCondLst>
-                                  <p:childTnLst>
-                                    <p:set>
-                                      <p:cBhvr>
-                                        <p:cTn id="18" dur="1" fill="hold">
-                                          <p:stCondLst>
-                                            <p:cond delay="0"/>
-                                          </p:stCondLst>
-                                        </p:cTn>
-                                        <p:tgtEl>
-                                          <p:spTgt spid="3">
-                                            <p:txEl>
-                                              <p:pRg st="3" end="3"/>
-                                            </p:txEl>
-                                          </p:spTgt>
-                                        </p:tgtEl>
-                                        <p:attrNameLst>
-                                          <p:attrName>style.visibility</p:attrName>
-                                        </p:attrNameLst>
-                                      </p:cBhvr>
-                                      <p:to>
-                                        <p:strVal val="visible"/>
-                                      </p:to>
-                                    </p:set>
-                                  </p:childTnLst>
-                                </p:cTn>
-                              </p:par>
-                            </p:childTnLst>
-                          </p:cTn>
-                        </p:par>
-                      </p:childTnLst>
-                    </p:cTn>
-                  </p:par>
-                  <p:par>
-                    <p:cTn id="19" fill="hold">
-                      <p:stCondLst>
-                        <p:cond delay="indefinite"/>
-                      </p:stCondLst>
-                      <p:childTnLst>
-                        <p:par>
-                          <p:cTn id="20" fill="hold">
-                            <p:stCondLst>
-                              <p:cond delay="0"/>
-                            </p:stCondLst>
-                            <p:childTnLst>
-                              <p:par>
-                                <p:cTn id="21" presetID="1" presetClass="entr" presetSubtype="0" fill="hold" nodeType="clickEffect">
-                                  <p:stCondLst>
-                                    <p:cond delay="0"/>
-                                  </p:stCondLst>
-                                  <p:childTnLst>
-                                    <p:set>
-                                      <p:cBhvr>
-                                        <p:cTn id="22" dur="1" fill="hold">
-                                          <p:stCondLst>
-                                            <p:cond delay="0"/>
-                                          </p:stCondLst>
-                                        </p:cTn>
-                                        <p:tgtEl>
-                                          <p:spTgt spid="3">
-                                            <p:txEl>
-                                              <p:pRg st="4" end="4"/>
-                                            </p:txEl>
-                                          </p:spTgt>
-                                        </p:tgtEl>
-                                        <p:attrNameLst>
-                                          <p:attrName>style.visibility</p:attrName>
-                                        </p:attrNameLst>
-                                      </p:cBhvr>
-                                      <p:to>
-                                        <p:strVal val="visible"/>
-                                      </p:to>
-                                    </p:set>
-                                  </p:childTnLst>
-                                </p:cTn>
-                              </p:par>
-                            </p:childTnLst>
-                          </p:cTn>
-                        </p:par>
-                      </p:childTnLst>
-                    </p:cTn>
-                  </p:par>
-                  <p:par>
-                    <p:cTn id="23" fill="hold">
-                      <p:stCondLst>
-                        <p:cond delay="indefinite"/>
-                      </p:stCondLst>
-                      <p:childTnLst>
-                        <p:par>
-                          <p:cTn id="24" fill="hold">
-                            <p:stCondLst>
-                              <p:cond delay="0"/>
-                            </p:stCondLst>
-                            <p:childTnLst>
-                              <p:par>
-                                <p:cTn id="25" presetID="1" presetClass="entr" presetSubtype="0" fill="hold" nodeType="clickEffect">
-                                  <p:stCondLst>
-                                    <p:cond delay="0"/>
-                                  </p:stCondLst>
-                                  <p:childTnLst>
-                                    <p:set>
-                                      <p:cBhvr>
-                                        <p:cTn id="26" dur="1" fill="hold">
-                                          <p:stCondLst>
-                                            <p:cond delay="0"/>
-                                          </p:stCondLst>
-                                        </p:cTn>
-                                        <p:tgtEl>
-                                          <p:spTgt spid="3">
-                                            <p:txEl>
-                                              <p:pRg st="5" end="5"/>
-                                            </p:txEl>
-                                          </p:spTgt>
-                                        </p:tgtEl>
-                                        <p:attrNameLst>
-                                          <p:attrName>style.visibility</p:attrName>
-                                        </p:attrNameLst>
-                                      </p:cBhvr>
-                                      <p:to>
-                                        <p:strVal val="visible"/>
-                                      </p:to>
-                                    </p:set>
-                                  </p:childTnLst>
-                                </p:cTn>
-                              </p:par>
-                            </p:childTnLst>
-                          </p:cTn>
-                        </p:par>
-                      </p:childTnLst>
-                    </p:cTn>
-                  </p:par>
-                  <p:par>
-                    <p:cTn id="27" fill="hold">
-                      <p:stCondLst>
-                        <p:cond delay="indefinite"/>
-                      </p:stCondLst>
-                      <p:childTnLst>
-                        <p:par>
-                          <p:cTn id="28" fill="hold">
-                            <p:stCondLst>
-                              <p:cond delay="0"/>
-                            </p:stCondLst>
-                            <p:childTnLst>
-                              <p:par>
-                                <p:cTn id="29" presetID="1" presetClass="entr" presetSubtype="0" fill="hold" nodeType="clickEffect">
-                                  <p:stCondLst>
-                                    <p:cond delay="0"/>
-                                  </p:stCondLst>
-                                  <p:childTnLst>
-                                    <p:set>
-                                      <p:cBhvr>
-                                        <p:cTn id="30" dur="1" fill="hold">
-                                          <p:stCondLst>
-                                            <p:cond delay="0"/>
-                                          </p:stCondLst>
-                                        </p:cTn>
-                                        <p:tgtEl>
-                                          <p:spTgt spid="3">
-                                            <p:txEl>
-                                              <p:pRg st="6" end="6"/>
-                                            </p:txEl>
-                                          </p:spTgt>
-                                        </p:tgtEl>
-                                        <p:attrNameLst>
-                                          <p:attrName>style.visibility</p:attrName>
-                                        </p:attrNameLst>
-                                      </p:cBhvr>
-                                      <p:to>
-                                        <p:strVal val="visible"/>
-                                      </p:to>
-                                    </p:set>
-                                  </p:childTnLst>
-                                </p:cTn>
-                              </p:par>
-                            </p:childTnLst>
-                          </p:cTn>
-                        </p:par>
-                      </p:childTnLst>
-                    </p:cTn>
-                  </p:par>
-                  <p:par>
-                    <p:cTn id="31" fill="hold">
-                      <p:stCondLst>
-                        <p:cond delay="indefinite"/>
-                      </p:stCondLst>
-                      <p:childTnLst>
-                        <p:par>
-                          <p:cTn id="32" fill="hold">
-                            <p:stCondLst>
-                              <p:cond delay="0"/>
-                            </p:stCondLst>
-                            <p:childTnLst>
-                              <p:par>
-                                <p:cTn id="33" presetID="1" presetClass="entr" presetSubtype="0" fill="hold" nodeType="clickEffect">
-                                  <p:stCondLst>
-                                    <p:cond delay="0"/>
-                                  </p:stCondLst>
-                                  <p:childTnLst>
-                                    <p:set>
-                                      <p:cBhvr>
-                                        <p:cTn id="34" dur="1" fill="hold">
-                                          <p:stCondLst>
-                                            <p:cond delay="0"/>
-                                          </p:stCondLst>
-                                        </p:cTn>
-                                        <p:tgtEl>
-                                          <p:spTgt spid="3">
-                                            <p:txEl>
-                                              <p:pRg st="7" end="7"/>
-                                            </p:txEl>
-                                          </p:spTgt>
-                                        </p:tgtEl>
-                                        <p:attrNameLst>
-                                          <p:attrName>style.visibility</p:attrName>
-                                        </p:attrNameLst>
-                                      </p:cBhvr>
-                                      <p:to>
-                                        <p:strVal val="visible"/>
-                                      </p:to>
-                                    </p:set>
-                                  </p:childTnLst>
-                                </p:cTn>
-                              </p:par>
-                            </p:childTnLst>
-                          </p:cTn>
-                        </p:par>
-                      </p:childTnLst>
-                    </p:cTn>
-                  </p:par>
-                  <p:par>
-                    <p:cTn id="35" fill="hold">
-                      <p:stCondLst>
-                        <p:cond delay="indefinite"/>
-                      </p:stCondLst>
-                      <p:childTnLst>
-                        <p:par>
-                          <p:cTn id="36" fill="hold">
-                            <p:stCondLst>
-                              <p:cond delay="0"/>
-                            </p:stCondLst>
-                            <p:childTnLst>
-                              <p:par>
-                                <p:cTn id="37" presetID="1" presetClass="entr" presetSubtype="0" fill="hold" nodeType="clickEffect">
-                                  <p:stCondLst>
-                                    <p:cond delay="0"/>
-                                  </p:stCondLst>
-                                  <p:childTnLst>
-                                    <p:set>
-                                      <p:cBhvr>
-                                        <p:cTn id="38" dur="1" fill="hold">
-                                          <p:stCondLst>
-                                            <p:cond delay="0"/>
-                                          </p:stCondLst>
-                                        </p:cTn>
-                                        <p:tgtEl>
-                                          <p:spTgt spid="3">
-                                            <p:txEl>
-                                              <p:pRg st="8" end="8"/>
-                                            </p:txEl>
-                                          </p:spTgt>
-                                        </p:tgtEl>
-                                        <p:attrNameLst>
-                                          <p:attrName>style.visibility</p:attrName>
-                                        </p:attrNameLst>
-                                      </p:cBhvr>
-                                      <p:to>
-                                        <p:strVal val="visible"/>
-                                      </p:to>
-                                    </p:set>
-                                  </p:childTnLst>
-                                </p:cTn>
-                              </p:par>
-                            </p:childTnLst>
-                          </p:cTn>
-                        </p:par>
-                      </p:childTnLst>
-                    </p:cTn>
-                  </p:par>
-                </p:childTnLst>
-              </p:cTn>
-              <p:prevCondLst>
-                <p:cond evt="onPrev" delay="0">
-                  <p:tgtEl>
-                    <p:sldTgt/>
-                  </p:tgtEl>
-                </p:cond>
-              </p:prevCondLst>
-              <p:nextCondLst>
-                <p:cond evt="onNext" delay="0">
-                  <p:tgtEl>
-                    <p:sldTgt/>
-                  </p:tgtEl>
-                </p:cond>
-              </p:nextCondLst>
-            </p:seq>
-          </p:childTnLst>
-        </p:cTn>
-      </p:par>
-    </p:tnLst>
-  </p:timing>
-</p:sld>
-</file>
-
-<file path=ppt/slides/slide21.xml><?xml version="1.0" encoding="utf-8"?>
-<p:sld xmlns:a="http://schemas.openxmlformats.org/drawingml/2006/main" xmlns:r="http://schemas.openxmlformats.org/officeDocument/2006/relationships" xmlns:p="http://schemas.openxmlformats.org/presentationml/2006/main">
-  <p:cSld>
-    <p:spTree>
-      <p:nvGrpSpPr>
-        <p:cNvPr id="1" name=""/>
-        <p:cNvGrpSpPr/>
-        <p:nvPr/>
-      </p:nvGrpSpPr>
-      <p:grpSpPr>
-        <a:xfrm>
-          <a:off x="0" y="0"/>
-          <a:ext cx="0" cy="0"/>
-          <a:chOff x="0" y="0"/>
-          <a:chExt cx="0" cy="0"/>
-        </a:xfrm>
-      </p:grpSpPr>
-      <p:sp>
-        <p:nvSpPr>
-          <p:cNvPr id="2" name="Title 1"/>
-          <p:cNvSpPr>
-            <a:spLocks noGrp="1"/>
-          </p:cNvSpPr>
-          <p:nvPr>
-            <p:ph type="title"/>
-          </p:nvPr>
-        </p:nvSpPr>
-        <p:spPr>
-          <a:xfrm>
-            <a:off x="683568" y="2492896"/>
-            <a:ext cx="7772400" cy="1143000"/>
-          </a:xfrm>
-        </p:spPr>
-        <p:txBody>
-          <a:bodyPr/>
-          <a:lstStyle/>
-          <a:p>
-            <a:pPr algn="ctr"/>
-            <a:r>
-              <a:rPr lang="en-GB" dirty="0" smtClean="0"/>
-              <a:t>Demonstration</a:t>
-            </a:r>
-            <a:endParaRPr lang="en-GB" dirty="0"/>
-          </a:p>
-        </p:txBody>
-      </p:sp>
-    </p:spTree>
-  </p:cSld>
-  <p:clrMapOvr>
-    <a:masterClrMapping/>
-  </p:clrMapOvr>
-  <p:timing>
-    <p:tnLst>
-      <p:par>
-        <p:cTn id="1" dur="indefinite" restart="never" nodeType="tmRoot"/>
-      </p:par>
-    </p:tnLst>
-  </p:timing>
-</p:sld>
-</file>
-
-<file path=ppt/slides/slide22.xml><?xml version="1.0" encoding="utf-8"?>
-<p:sld xmlns:a="http://schemas.openxmlformats.org/drawingml/2006/main" xmlns:r="http://schemas.openxmlformats.org/officeDocument/2006/relationships" xmlns:p="http://schemas.openxmlformats.org/presentationml/2006/main">
-  <p:cSld>
-    <p:spTree>
-      <p:nvGrpSpPr>
-        <p:cNvPr id="1" name=""/>
-        <p:cNvGrpSpPr/>
-        <p:nvPr/>
-      </p:nvGrpSpPr>
-      <p:grpSpPr>
-        <a:xfrm>
-          <a:off x="0" y="0"/>
-          <a:ext cx="0" cy="0"/>
-          <a:chOff x="0" y="0"/>
-          <a:chExt cx="0" cy="0"/>
-        </a:xfrm>
-      </p:grpSpPr>
-      <p:sp>
-        <p:nvSpPr>
-          <p:cNvPr id="2" name="Title 1"/>
-          <p:cNvSpPr>
-            <a:spLocks noGrp="1"/>
-          </p:cNvSpPr>
-          <p:nvPr>
-            <p:ph type="title"/>
-          </p:nvPr>
-        </p:nvSpPr>
-        <p:spPr/>
-        <p:txBody>
-          <a:bodyPr/>
-          <a:lstStyle/>
-          <a:p>
-            <a:r>
-              <a:rPr lang="en-GB" dirty="0" smtClean="0"/>
-              <a:t>Future Work</a:t>
-            </a:r>
-            <a:endParaRPr lang="en-GB" dirty="0"/>
-          </a:p>
-        </p:txBody>
-      </p:sp>
-      <p:sp>
-        <p:nvSpPr>
-          <p:cNvPr id="3" name="Content Placeholder 2"/>
-          <p:cNvSpPr>
-            <a:spLocks noGrp="1"/>
-          </p:cNvSpPr>
-          <p:nvPr>
-            <p:ph sz="quarter" idx="1"/>
-          </p:nvPr>
-        </p:nvSpPr>
-        <p:spPr/>
-        <p:txBody>
-          <a:bodyPr/>
-          <a:lstStyle/>
-          <a:p>
-            <a:r>
-              <a:rPr lang="en-GB" dirty="0" smtClean="0"/>
-              <a:t>Improve the aesthetic of the game.</a:t>
-            </a:r>
-          </a:p>
-          <a:p>
-            <a:pPr lvl="1"/>
-            <a:r>
-              <a:rPr lang="en-GB" dirty="0" smtClean="0"/>
-              <a:t>Most cards are missing artwork.</a:t>
-            </a:r>
-          </a:p>
-          <a:p>
-            <a:r>
-              <a:rPr lang="en-GB" dirty="0" smtClean="0"/>
-              <a:t>Animations and sound effects to help players track the game state.</a:t>
-            </a:r>
-          </a:p>
-          <a:p>
-            <a:r>
-              <a:rPr lang="en-GB" dirty="0" smtClean="0"/>
-              <a:t>Increase the card pool (at least 100 cards).</a:t>
-            </a:r>
-          </a:p>
-          <a:p>
-            <a:r>
-              <a:rPr lang="en-GB" dirty="0" smtClean="0"/>
-              <a:t>Server should constantly be running.</a:t>
-            </a:r>
-          </a:p>
-          <a:p>
-            <a:r>
-              <a:rPr lang="en-GB" dirty="0" smtClean="0"/>
-              <a:t>Gather player feedback and improve game from it.</a:t>
-            </a:r>
-            <a:endParaRPr lang="en-GB" dirty="0"/>
-          </a:p>
-        </p:txBody>
-      </p:sp>
-    </p:spTree>
-  </p:cSld>
-  <p:clrMapOvr>
-    <a:masterClrMapping/>
-  </p:clrMapOvr>
-  <p:timing>
-    <p:tnLst>
-      <p:par>
-        <p:cTn id="1" dur="indefinite" restart="never" nodeType="tmRoot">
-          <p:childTnLst>
-            <p:seq concurrent="1" nextAc="seek">
-              <p:cTn id="2" dur="indefinite" nodeType="mainSeq">
-                <p:childTnLst>
-                  <p:par>
-                    <p:cTn id="3" fill="hold">
-                      <p:stCondLst>
-                        <p:cond delay="indefinite"/>
-                      </p:stCondLst>
-                      <p:childTnLst>
-                        <p:par>
-                          <p:cTn id="4" fill="hold">
-                            <p:stCondLst>
-                              <p:cond delay="0"/>
-                            </p:stCondLst>
-                            <p:childTnLst>
-                              <p:par>
-                                <p:cTn id="5" presetID="1" presetClass="entr" presetSubtype="0" fill="hold" nodeType="clickEffect">
-                                  <p:stCondLst>
-                                    <p:cond delay="0"/>
-                                  </p:stCondLst>
-                                  <p:childTnLst>
-                                    <p:set>
-                                      <p:cBhvr>
-                                        <p:cTn id="6" dur="1" fill="hold">
-                                          <p:stCondLst>
-                                            <p:cond delay="0"/>
-                                          </p:stCondLst>
-                                        </p:cTn>
-                                        <p:tgtEl>
-                                          <p:spTgt spid="3">
-                                            <p:txEl>
-                                              <p:pRg st="0" end="0"/>
-                                            </p:txEl>
-                                          </p:spTgt>
-                                        </p:tgtEl>
-                                        <p:attrNameLst>
-                                          <p:attrName>style.visibility</p:attrName>
-                                        </p:attrNameLst>
-                                      </p:cBhvr>
-                                      <p:to>
-                                        <p:strVal val="visible"/>
-                                      </p:to>
-                                    </p:set>
-                                  </p:childTnLst>
-                                </p:cTn>
-                              </p:par>
-                            </p:childTnLst>
-                          </p:cTn>
-                        </p:par>
-                      </p:childTnLst>
-                    </p:cTn>
-                  </p:par>
-                  <p:par>
-                    <p:cTn id="7" fill="hold">
-                      <p:stCondLst>
-                        <p:cond delay="indefinite"/>
-                      </p:stCondLst>
-                      <p:childTnLst>
-                        <p:par>
-                          <p:cTn id="8" fill="hold">
-                            <p:stCondLst>
-                              <p:cond delay="0"/>
-                            </p:stCondLst>
-                            <p:childTnLst>
-                              <p:par>
-                                <p:cTn id="9" presetID="1" presetClass="entr" presetSubtype="0" fill="hold" nodeType="clickEffect">
-                                  <p:stCondLst>
-                                    <p:cond delay="0"/>
-                                  </p:stCondLst>
-                                  <p:childTnLst>
-                                    <p:set>
-                                      <p:cBhvr>
-                                        <p:cTn id="10" dur="1" fill="hold">
-                                          <p:stCondLst>
-                                            <p:cond delay="0"/>
-                                          </p:stCondLst>
-                                        </p:cTn>
-                                        <p:tgtEl>
-                                          <p:spTgt spid="3">
-                                            <p:txEl>
-                                              <p:pRg st="1" end="1"/>
-                                            </p:txEl>
-                                          </p:spTgt>
-                                        </p:tgtEl>
-                                        <p:attrNameLst>
-                                          <p:attrName>style.visibility</p:attrName>
-                                        </p:attrNameLst>
-                                      </p:cBhvr>
-                                      <p:to>
-                                        <p:strVal val="visible"/>
-                                      </p:to>
-                                    </p:set>
-                                  </p:childTnLst>
-                                </p:cTn>
-                              </p:par>
-                            </p:childTnLst>
-                          </p:cTn>
-                        </p:par>
-                      </p:childTnLst>
-                    </p:cTn>
-                  </p:par>
-                  <p:par>
-                    <p:cTn id="11" fill="hold">
-                      <p:stCondLst>
-                        <p:cond delay="indefinite"/>
-                      </p:stCondLst>
-                      <p:childTnLst>
-                        <p:par>
-                          <p:cTn id="12" fill="hold">
-                            <p:stCondLst>
-                              <p:cond delay="0"/>
-                            </p:stCondLst>
-                            <p:childTnLst>
-                              <p:par>
-                                <p:cTn id="13" presetID="1" presetClass="entr" presetSubtype="0" fill="hold" nodeType="clickEffect">
-                                  <p:stCondLst>
-                                    <p:cond delay="0"/>
-                                  </p:stCondLst>
-                                  <p:childTnLst>
-                                    <p:set>
-                                      <p:cBhvr>
-                                        <p:cTn id="14" dur="1" fill="hold">
-                                          <p:stCondLst>
-                                            <p:cond delay="0"/>
-                                          </p:stCondLst>
-                                        </p:cTn>
-                                        <p:tgtEl>
-                                          <p:spTgt spid="3">
-                                            <p:txEl>
-                                              <p:pRg st="2" end="2"/>
-                                            </p:txEl>
-                                          </p:spTgt>
-                                        </p:tgtEl>
-                                        <p:attrNameLst>
-                                          <p:attrName>style.visibility</p:attrName>
-                                        </p:attrNameLst>
-                                      </p:cBhvr>
-                                      <p:to>
-                                        <p:strVal val="visible"/>
-                                      </p:to>
-                                    </p:set>
-                                  </p:childTnLst>
-                                </p:cTn>
-                              </p:par>
-                            </p:childTnLst>
-                          </p:cTn>
-                        </p:par>
-                      </p:childTnLst>
-                    </p:cTn>
-                  </p:par>
-                  <p:par>
-                    <p:cTn id="15" fill="hold">
-                      <p:stCondLst>
-                        <p:cond delay="indefinite"/>
-                      </p:stCondLst>
-                      <p:childTnLst>
-                        <p:par>
-                          <p:cTn id="16" fill="hold">
-                            <p:stCondLst>
-                              <p:cond delay="0"/>
-                            </p:stCondLst>
-                            <p:childTnLst>
-                              <p:par>
-                                <p:cTn id="17" presetID="1" presetClass="entr" presetSubtype="0" fill="hold" nodeType="clickEffect">
-                                  <p:stCondLst>
-                                    <p:cond delay="0"/>
-                                  </p:stCondLst>
-                                  <p:childTnLst>
-                                    <p:set>
-                                      <p:cBhvr>
-                                        <p:cTn id="18" dur="1" fill="hold">
-                                          <p:stCondLst>
-                                            <p:cond delay="0"/>
-                                          </p:stCondLst>
-                                        </p:cTn>
-                                        <p:tgtEl>
-                                          <p:spTgt spid="3">
-                                            <p:txEl>
-                                              <p:pRg st="3" end="3"/>
-                                            </p:txEl>
-                                          </p:spTgt>
-                                        </p:tgtEl>
-                                        <p:attrNameLst>
-                                          <p:attrName>style.visibility</p:attrName>
-                                        </p:attrNameLst>
-                                      </p:cBhvr>
-                                      <p:to>
-                                        <p:strVal val="visible"/>
-                                      </p:to>
-                                    </p:set>
-                                  </p:childTnLst>
-                                </p:cTn>
-                              </p:par>
-                            </p:childTnLst>
-                          </p:cTn>
-                        </p:par>
-                      </p:childTnLst>
-                    </p:cTn>
-                  </p:par>
-                  <p:par>
-                    <p:cTn id="19" fill="hold">
-                      <p:stCondLst>
-                        <p:cond delay="indefinite"/>
-                      </p:stCondLst>
-                      <p:childTnLst>
-                        <p:par>
-                          <p:cTn id="20" fill="hold">
-                            <p:stCondLst>
-                              <p:cond delay="0"/>
-                            </p:stCondLst>
-                            <p:childTnLst>
-                              <p:par>
-                                <p:cTn id="21" presetID="1" presetClass="entr" presetSubtype="0" fill="hold" nodeType="clickEffect">
-                                  <p:stCondLst>
-                                    <p:cond delay="0"/>
-                                  </p:stCondLst>
-                                  <p:childTnLst>
-                                    <p:set>
-                                      <p:cBhvr>
-                                        <p:cTn id="22" dur="1" fill="hold">
-                                          <p:stCondLst>
-                                            <p:cond delay="0"/>
-                                          </p:stCondLst>
-                                        </p:cTn>
-                                        <p:tgtEl>
-                                          <p:spTgt spid="3">
-                                            <p:txEl>
-                                              <p:pRg st="4" end="4"/>
-                                            </p:txEl>
-                                          </p:spTgt>
-                                        </p:tgtEl>
-                                        <p:attrNameLst>
-                                          <p:attrName>style.visibility</p:attrName>
-                                        </p:attrNameLst>
-                                      </p:cBhvr>
-                                      <p:to>
-                                        <p:strVal val="visible"/>
-                                      </p:to>
-                                    </p:set>
-                                  </p:childTnLst>
-                                </p:cTn>
-                              </p:par>
-                            </p:childTnLst>
-                          </p:cTn>
-                        </p:par>
-                      </p:childTnLst>
-                    </p:cTn>
-                  </p:par>
-                  <p:par>
-                    <p:cTn id="23" fill="hold">
-                      <p:stCondLst>
-                        <p:cond delay="indefinite"/>
-                      </p:stCondLst>
-                      <p:childTnLst>
-                        <p:par>
-                          <p:cTn id="24" fill="hold">
-                            <p:stCondLst>
-                              <p:cond delay="0"/>
-                            </p:stCondLst>
-                            <p:childTnLst>
-                              <p:par>
-                                <p:cTn id="25" presetID="1" presetClass="entr" presetSubtype="0" fill="hold" nodeType="clickEffect">
-                                  <p:stCondLst>
-                                    <p:cond delay="0"/>
-                                  </p:stCondLst>
-                                  <p:childTnLst>
-                                    <p:set>
-                                      <p:cBhvr>
-                                        <p:cTn id="26" dur="1" fill="hold">
-                                          <p:stCondLst>
-                                            <p:cond delay="0"/>
-                                          </p:stCondLst>
-                                        </p:cTn>
-                                        <p:tgtEl>
-                                          <p:spTgt spid="3">
-                                            <p:txEl>
-                                              <p:pRg st="5" end="5"/>
-                                            </p:txEl>
-                                          </p:spTgt>
-                                        </p:tgtEl>
-                                        <p:attrNameLst>
-                                          <p:attrName>style.visibility</p:attrName>
-                                        </p:attrNameLst>
-                                      </p:cBhvr>
-                                      <p:to>
-                                        <p:strVal val="visible"/>
-                                      </p:to>
-                                    </p:set>
-                                  </p:childTnLst>
-                                </p:cTn>
-                              </p:par>
-                            </p:childTnLst>
-                          </p:cTn>
-                        </p:par>
-                      </p:childTnLst>
-                    </p:cTn>
-                  </p:par>
-                </p:childTnLst>
-              </p:cTn>
-              <p:prevCondLst>
-                <p:cond evt="onPrev" delay="0">
-                  <p:tgtEl>
-                    <p:sldTgt/>
-                  </p:tgtEl>
-                </p:cond>
-              </p:prevCondLst>
-              <p:nextCondLst>
-                <p:cond evt="onNext" delay="0">
-                  <p:tgtEl>
-                    <p:sldTgt/>
-                  </p:tgtEl>
-                </p:cond>
-              </p:nextCondLst>
-            </p:seq>
-          </p:childTnLst>
-        </p:cTn>
-      </p:par>
-    </p:tnLst>
-  </p:timing>
-</p:sld>
-</file>
-
-<file path=ppt/slides/slide23.xml><?xml version="1.0" encoding="utf-8"?>
-<p:sld xmlns:a="http://schemas.openxmlformats.org/drawingml/2006/main" xmlns:r="http://schemas.openxmlformats.org/officeDocument/2006/relationships" xmlns:p="http://schemas.openxmlformats.org/presentationml/2006/main">
-  <p:cSld>
-    <p:spTree>
-      <p:nvGrpSpPr>
-        <p:cNvPr id="1" name=""/>
-        <p:cNvGrpSpPr/>
-        <p:nvPr/>
-      </p:nvGrpSpPr>
-      <p:grpSpPr>
-        <a:xfrm>
-          <a:off x="0" y="0"/>
-          <a:ext cx="0" cy="0"/>
-          <a:chOff x="0" y="0"/>
-          <a:chExt cx="0" cy="0"/>
-        </a:xfrm>
-      </p:grpSpPr>
-      <p:sp>
-        <p:nvSpPr>
-          <p:cNvPr id="2" name="Title 1"/>
-          <p:cNvSpPr>
-            <a:spLocks noGrp="1"/>
-          </p:cNvSpPr>
-          <p:nvPr>
-            <p:ph type="title"/>
-          </p:nvPr>
-        </p:nvSpPr>
-        <p:spPr/>
-        <p:txBody>
-          <a:bodyPr/>
-          <a:lstStyle/>
-          <a:p>
-            <a:r>
-              <a:rPr lang="en-GB" dirty="0" smtClean="0"/>
-              <a:t>Lessons for the future </a:t>
-            </a:r>
-            <a:endParaRPr lang="en-GB" dirty="0"/>
-          </a:p>
-        </p:txBody>
-      </p:sp>
-      <p:sp>
-        <p:nvSpPr>
-          <p:cNvPr id="3" name="Content Placeholder 2"/>
-          <p:cNvSpPr>
-            <a:spLocks noGrp="1"/>
-          </p:cNvSpPr>
-          <p:nvPr>
-            <p:ph sz="quarter" idx="1"/>
-          </p:nvPr>
-        </p:nvSpPr>
-        <p:spPr/>
-        <p:txBody>
-          <a:bodyPr/>
-          <a:lstStyle/>
-          <a:p>
-            <a:r>
-              <a:rPr lang="en-GB" dirty="0" smtClean="0"/>
-              <a:t>Two key points:</a:t>
-            </a:r>
-          </a:p>
-          <a:p>
-            <a:pPr lvl="1"/>
-            <a:r>
-              <a:rPr lang="en-GB" dirty="0" smtClean="0"/>
-              <a:t>Research tools more thoroughly in the future.</a:t>
-            </a:r>
-          </a:p>
-          <a:p>
-            <a:pPr lvl="2"/>
-            <a:r>
-              <a:rPr lang="en-GB" dirty="0" err="1" smtClean="0"/>
-              <a:t>UNet</a:t>
-            </a:r>
-            <a:r>
-              <a:rPr lang="en-GB" dirty="0" smtClean="0"/>
-              <a:t> was an unfortunate waste of time.</a:t>
-            </a:r>
-          </a:p>
-          <a:p>
-            <a:pPr lvl="1"/>
-            <a:r>
-              <a:rPr lang="en-GB" dirty="0" smtClean="0"/>
-              <a:t>Plan around other work and responsibilities.</a:t>
-            </a:r>
-          </a:p>
-        </p:txBody>
-      </p:sp>
-    </p:spTree>
-  </p:cSld>
-  <p:clrMapOvr>
-    <a:masterClrMapping/>
-  </p:clrMapOvr>
-  <p:timing>
-    <p:tnLst>
-      <p:par>
-        <p:cTn id="1" dur="indefinite" restart="never" nodeType="tmRoot">
-          <p:childTnLst>
-            <p:seq concurrent="1" nextAc="seek">
-              <p:cTn id="2" dur="indefinite" nodeType="mainSeq">
-                <p:childTnLst>
-                  <p:par>
-                    <p:cTn id="3" fill="hold">
-                      <p:stCondLst>
-                        <p:cond delay="indefinite"/>
-                      </p:stCondLst>
-                      <p:childTnLst>
-                        <p:par>
-                          <p:cTn id="4" fill="hold">
-                            <p:stCondLst>
-                              <p:cond delay="0"/>
-                            </p:stCondLst>
-                            <p:childTnLst>
-                              <p:par>
-                                <p:cTn id="5" presetID="1" presetClass="entr" presetSubtype="0" fill="hold" nodeType="clickEffect">
-                                  <p:stCondLst>
-                                    <p:cond delay="0"/>
-                                  </p:stCondLst>
-                                  <p:childTnLst>
-                                    <p:set>
-                                      <p:cBhvr>
-                                        <p:cTn id="6" dur="1" fill="hold">
-                                          <p:stCondLst>
-                                            <p:cond delay="0"/>
-                                          </p:stCondLst>
-                                        </p:cTn>
-                                        <p:tgtEl>
-                                          <p:spTgt spid="3">
-                                            <p:txEl>
-                                              <p:pRg st="0" end="0"/>
-                                            </p:txEl>
-                                          </p:spTgt>
-                                        </p:tgtEl>
-                                        <p:attrNameLst>
-                                          <p:attrName>style.visibility</p:attrName>
-                                        </p:attrNameLst>
-                                      </p:cBhvr>
-                                      <p:to>
-                                        <p:strVal val="visible"/>
-                                      </p:to>
-                                    </p:set>
-                                  </p:childTnLst>
-                                </p:cTn>
-                              </p:par>
-                            </p:childTnLst>
-                          </p:cTn>
-                        </p:par>
-                      </p:childTnLst>
-                    </p:cTn>
-                  </p:par>
-                  <p:par>
-                    <p:cTn id="7" fill="hold">
-                      <p:stCondLst>
-                        <p:cond delay="indefinite"/>
-                      </p:stCondLst>
-                      <p:childTnLst>
-                        <p:par>
-                          <p:cTn id="8" fill="hold">
-                            <p:stCondLst>
-                              <p:cond delay="0"/>
-                            </p:stCondLst>
-                            <p:childTnLst>
-                              <p:par>
-                                <p:cTn id="9" presetID="1" presetClass="entr" presetSubtype="0" fill="hold" nodeType="clickEffect">
-                                  <p:stCondLst>
-                                    <p:cond delay="0"/>
-                                  </p:stCondLst>
-                                  <p:childTnLst>
-                                    <p:set>
-                                      <p:cBhvr>
-                                        <p:cTn id="10" dur="1" fill="hold">
-                                          <p:stCondLst>
-                                            <p:cond delay="0"/>
-                                          </p:stCondLst>
-                                        </p:cTn>
-                                        <p:tgtEl>
-                                          <p:spTgt spid="3">
-                                            <p:txEl>
-                                              <p:pRg st="1" end="1"/>
-                                            </p:txEl>
-                                          </p:spTgt>
-                                        </p:tgtEl>
-                                        <p:attrNameLst>
-                                          <p:attrName>style.visibility</p:attrName>
-                                        </p:attrNameLst>
-                                      </p:cBhvr>
-                                      <p:to>
-                                        <p:strVal val="visible"/>
-                                      </p:to>
-                                    </p:set>
-                                  </p:childTnLst>
-                                </p:cTn>
-                              </p:par>
-                            </p:childTnLst>
-                          </p:cTn>
-                        </p:par>
-                      </p:childTnLst>
-                    </p:cTn>
-                  </p:par>
-                  <p:par>
-                    <p:cTn id="11" fill="hold">
-                      <p:stCondLst>
-                        <p:cond delay="indefinite"/>
-                      </p:stCondLst>
-                      <p:childTnLst>
-                        <p:par>
-                          <p:cTn id="12" fill="hold">
-                            <p:stCondLst>
-                              <p:cond delay="0"/>
-                            </p:stCondLst>
-                            <p:childTnLst>
-                              <p:par>
-                                <p:cTn id="13" presetID="1" presetClass="entr" presetSubtype="0" fill="hold" nodeType="clickEffect">
-                                  <p:stCondLst>
-                                    <p:cond delay="0"/>
-                                  </p:stCondLst>
-                                  <p:childTnLst>
-                                    <p:set>
-                                      <p:cBhvr>
-                                        <p:cTn id="14" dur="1" fill="hold">
-                                          <p:stCondLst>
-                                            <p:cond delay="0"/>
-                                          </p:stCondLst>
-                                        </p:cTn>
-                                        <p:tgtEl>
-                                          <p:spTgt spid="3">
-                                            <p:txEl>
-                                              <p:pRg st="2" end="2"/>
-                                            </p:txEl>
-                                          </p:spTgt>
-                                        </p:tgtEl>
-                                        <p:attrNameLst>
-                                          <p:attrName>style.visibility</p:attrName>
-                                        </p:attrNameLst>
-                                      </p:cBhvr>
-                                      <p:to>
-                                        <p:strVal val="visible"/>
-                                      </p:to>
-                                    </p:set>
-                                  </p:childTnLst>
-                                </p:cTn>
-                              </p:par>
-                            </p:childTnLst>
-                          </p:cTn>
-                        </p:par>
-                      </p:childTnLst>
-                    </p:cTn>
-                  </p:par>
-                  <p:par>
-                    <p:cTn id="15" fill="hold">
-                      <p:stCondLst>
-                        <p:cond delay="indefinite"/>
-                      </p:stCondLst>
-                      <p:childTnLst>
-                        <p:par>
-                          <p:cTn id="16" fill="hold">
-                            <p:stCondLst>
-                              <p:cond delay="0"/>
-                            </p:stCondLst>
-                            <p:childTnLst>
-                              <p:par>
-                                <p:cTn id="17" presetID="1" presetClass="entr" presetSubtype="0" fill="hold" nodeType="clickEffect">
-                                  <p:stCondLst>
-                                    <p:cond delay="0"/>
-                                  </p:stCondLst>
-                                  <p:childTnLst>
-                                    <p:set>
-                                      <p:cBhvr>
-                                        <p:cTn id="18" dur="1" fill="hold">
-                                          <p:stCondLst>
-                                            <p:cond delay="0"/>
-                                          </p:stCondLst>
-                                        </p:cTn>
-                                        <p:tgtEl>
-                                          <p:spTgt spid="3">
-                                            <p:txEl>
-                                              <p:pRg st="3" end="3"/>
-                                            </p:txEl>
-                                          </p:spTgt>
-                                        </p:tgtEl>
-                                        <p:attrNameLst>
-                                          <p:attrName>style.visibility</p:attrName>
-                                        </p:attrNameLst>
-                                      </p:cBhvr>
-                                      <p:to>
-                                        <p:strVal val="visible"/>
-                                      </p:to>
-                                    </p:set>
-                                  </p:childTnLst>
-                                </p:cTn>
-                              </p:par>
-                            </p:childTnLst>
-                          </p:cTn>
-                        </p:par>
-                      </p:childTnLst>
-                    </p:cTn>
-                  </p:par>
-                </p:childTnLst>
-              </p:cTn>
-              <p:prevCondLst>
-                <p:cond evt="onPrev" delay="0">
-                  <p:tgtEl>
-                    <p:sldTgt/>
-                  </p:tgtEl>
-                </p:cond>
-              </p:prevCondLst>
-              <p:nextCondLst>
-                <p:cond evt="onNext" delay="0">
-                  <p:tgtEl>
-                    <p:sldTgt/>
-                  </p:tgtEl>
-                </p:cond>
-              </p:nextCondLst>
-            </p:seq>
-          </p:childTnLst>
-        </p:cTn>
-      </p:par>
-    </p:tnLst>
-  </p:timing>
-</p:sld>
-</file>
-
-<file path=ppt/slides/slide24.xml><?xml version="1.0" encoding="utf-8"?>
-<p:sld xmlns:a="http://schemas.openxmlformats.org/drawingml/2006/main" xmlns:r="http://schemas.openxmlformats.org/officeDocument/2006/relationships" xmlns:p="http://schemas.openxmlformats.org/presentationml/2006/main">
-  <p:cSld>
-    <p:spTree>
-      <p:nvGrpSpPr>
-        <p:cNvPr id="1" name=""/>
-        <p:cNvGrpSpPr/>
-        <p:nvPr/>
-      </p:nvGrpSpPr>
-      <p:grpSpPr>
-        <a:xfrm>
-          <a:off x="0" y="0"/>
-          <a:ext cx="0" cy="0"/>
-          <a:chOff x="0" y="0"/>
-          <a:chExt cx="0" cy="0"/>
-        </a:xfrm>
-      </p:grpSpPr>
-      <p:sp>
-        <p:nvSpPr>
-          <p:cNvPr id="4" name="Title 1"/>
-          <p:cNvSpPr>
-            <a:spLocks noGrp="1"/>
-          </p:cNvSpPr>
-          <p:nvPr>
-            <p:ph type="title"/>
-          </p:nvPr>
-        </p:nvSpPr>
-        <p:spPr>
-          <a:xfrm>
-            <a:off x="683568" y="2492896"/>
-            <a:ext cx="7772400" cy="1143000"/>
-          </a:xfrm>
-        </p:spPr>
-        <p:txBody>
-          <a:bodyPr/>
-          <a:lstStyle/>
-          <a:p>
-            <a:pPr algn="ctr"/>
-            <a:r>
-              <a:rPr lang="en-GB" dirty="0" smtClean="0"/>
-              <a:t>Questions?</a:t>
-            </a:r>
-            <a:endParaRPr lang="en-GB" dirty="0"/>
-          </a:p>
-        </p:txBody>
-      </p:sp>
-    </p:spTree>
-  </p:cSld>
-  <p:clrMapOvr>
-    <a:masterClrMapping/>
-  </p:clrMapOvr>
 </p:sld>
 </file>
 
@@ -11830,7 +8974,7 @@
           <a:p>
             <a:r>
               <a:rPr lang="en-GB" dirty="0" smtClean="0"/>
-              <a:t>Context – Reducing luck’s impact</a:t>
+              <a:t>Context – Online Unity Tutorials</a:t>
             </a:r>
             <a:endParaRPr lang="en-GB" dirty="0"/>
           </a:p>
@@ -11848,96 +8992,101 @@
         </p:nvSpPr>
         <p:spPr/>
         <p:txBody>
-          <a:bodyPr>
-            <a:normAutofit/>
-          </a:bodyPr>
+          <a:bodyPr/>
           <a:lstStyle/>
           <a:p>
             <a:r>
               <a:rPr lang="en-GB" dirty="0" smtClean="0"/>
-              <a:t>All card games have an element of luck.</a:t>
+              <a:t>Two main Unity tutorials used</a:t>
             </a:r>
           </a:p>
           <a:p>
             <a:pPr lvl="1"/>
             <a:r>
               <a:rPr lang="en-GB" dirty="0" smtClean="0"/>
-              <a:t>That’s part of the fun, except when you’re unlucky.</a:t>
-            </a:r>
-          </a:p>
-          <a:p>
-            <a:r>
-              <a:rPr lang="en-GB" i="1" dirty="0" smtClean="0"/>
-              <a:t>Yu-</a:t>
-            </a:r>
-            <a:r>
-              <a:rPr lang="en-GB" i="1" dirty="0" err="1" smtClean="0"/>
-              <a:t>Gi</a:t>
-            </a:r>
-            <a:r>
-              <a:rPr lang="en-GB" i="1" dirty="0" smtClean="0"/>
-              <a:t>-Oh</a:t>
-            </a:r>
-            <a:r>
-              <a:rPr lang="en-GB" i="1" dirty="0" smtClean="0"/>
-              <a:t>! </a:t>
-            </a:r>
-            <a:r>
-              <a:rPr lang="en-GB" dirty="0" smtClean="0"/>
-              <a:t>addresses this with the Extra Deck mechanic.</a:t>
+              <a:t>Both created by the channel “Quill18Creates”.</a:t>
             </a:r>
           </a:p>
           <a:p>
             <a:pPr lvl="1"/>
             <a:r>
               <a:rPr lang="en-GB" dirty="0" smtClean="0"/>
-              <a:t>Helps with consistency, but difficult for new players.</a:t>
-            </a:r>
-          </a:p>
-          <a:p>
-            <a:r>
-              <a:rPr lang="en-GB" i="1" dirty="0" smtClean="0"/>
-              <a:t>Hearthstone</a:t>
-            </a:r>
-            <a:r>
-              <a:rPr lang="en-GB" dirty="0" smtClean="0"/>
-              <a:t> gives the player an ability of their own, based on their class.</a:t>
-            </a:r>
-          </a:p>
-          <a:p>
-            <a:pPr lvl="1"/>
-            <a:r>
-              <a:rPr lang="en-GB" dirty="0" smtClean="0"/>
-              <a:t>Always available for use, but not impactful enough.</a:t>
-            </a:r>
-          </a:p>
-          <a:p>
-            <a:r>
-              <a:rPr lang="en-GB" dirty="0" smtClean="0"/>
-              <a:t>Result – Lords cards (hence the name, </a:t>
-            </a:r>
-            <a:r>
-              <a:rPr lang="en-GB" i="1" dirty="0" smtClean="0"/>
-              <a:t>Lords</a:t>
-            </a:r>
-            <a:r>
-              <a:rPr lang="en-GB" dirty="0" smtClean="0"/>
-              <a:t>).</a:t>
-            </a:r>
-          </a:p>
-          <a:p>
-            <a:pPr lvl="1"/>
-            <a:r>
-              <a:rPr lang="en-GB" dirty="0" smtClean="0"/>
-              <a:t>A card that starts in play (always available).</a:t>
-            </a:r>
-          </a:p>
-          <a:p>
-            <a:pPr lvl="1"/>
-            <a:r>
-              <a:rPr lang="en-GB" dirty="0" smtClean="0"/>
-              <a:t>High impact and central to a player’s strategy.</a:t>
-            </a:r>
+              <a:t>Both helped the implementation of this game.</a:t>
+            </a:r>
+          </a:p>
+          <a:p>
+            <a:pPr marL="514350" indent="-514350">
+              <a:buFont typeface="+mj-lt"/>
+              <a:buAutoNum type="arabicPeriod"/>
+            </a:pPr>
+            <a:r>
+              <a:rPr lang="en-GB" dirty="0" smtClean="0"/>
+              <a:t>“Unity Tutorial - Drag &amp; Drop Tutorial”</a:t>
+            </a:r>
+          </a:p>
+          <a:p>
+            <a:pPr marL="788670" lvl="1" indent="-514350"/>
+            <a:r>
+              <a:rPr lang="en-GB" dirty="0" smtClean="0"/>
+              <a:t>Details implementation of a GUI that allows users to drag elements from one segment of the screen to another.</a:t>
+            </a:r>
+          </a:p>
+          <a:p>
+            <a:pPr marL="788670" lvl="1" indent="-514350"/>
+            <a:r>
+              <a:rPr lang="en-GB" dirty="0" smtClean="0"/>
+              <a:t>Very applicable to card games.</a:t>
+            </a:r>
+          </a:p>
+          <a:p>
+            <a:pPr marL="514350" indent="-514350">
+              <a:buFont typeface="+mj-lt"/>
+              <a:buAutoNum type="arabicPeriod"/>
+            </a:pPr>
+            <a:r>
+              <a:rPr lang="en-GB" dirty="0" smtClean="0"/>
+              <a:t>“Unity 3D: Multiplayer First-Person Shooter”</a:t>
+            </a:r>
+          </a:p>
+          <a:p>
+            <a:pPr marL="788670" lvl="1" indent="-514350"/>
+            <a:r>
+              <a:rPr lang="en-GB" dirty="0" smtClean="0"/>
+              <a:t>Tutorial on using </a:t>
+            </a:r>
+            <a:r>
+              <a:rPr lang="en-GB" dirty="0" err="1" smtClean="0"/>
+              <a:t>UNet</a:t>
+            </a:r>
+            <a:r>
+              <a:rPr lang="en-GB" dirty="0" smtClean="0"/>
+              <a:t> to create multiplayer games in Unity.</a:t>
+            </a:r>
+          </a:p>
+          <a:p>
+            <a:pPr marL="788670" lvl="1" indent="-514350"/>
+            <a:r>
+              <a:rPr lang="en-GB" dirty="0" err="1" smtClean="0"/>
+              <a:t>UNet</a:t>
+            </a:r>
+            <a:r>
+              <a:rPr lang="en-GB" dirty="0" smtClean="0"/>
+              <a:t> eventually not used for many reasons</a:t>
+            </a:r>
+          </a:p>
+          <a:p>
+            <a:pPr marL="514350" indent="-514350">
+              <a:buFont typeface="+mj-lt"/>
+              <a:buAutoNum type="arabicPeriod"/>
+            </a:pPr>
+            <a:endParaRPr lang="en-GB" dirty="0" smtClean="0"/>
+          </a:p>
+          <a:p>
+            <a:pPr marL="514350" indent="-514350">
+              <a:buFont typeface="+mj-lt"/>
+              <a:buAutoNum type="arabicPeriod"/>
+            </a:pPr>
+            <a:endParaRPr lang="en-GB" dirty="0"/>
           </a:p>
         </p:txBody>
       </p:sp>
@@ -12454,7 +9603,7 @@
           <a:p>
             <a:r>
               <a:rPr lang="en-GB" dirty="0" smtClean="0"/>
-              <a:t>Context – Designing Card Effects </a:t>
+              <a:t>Aims &amp; Objectives</a:t>
             </a:r>
             <a:endParaRPr lang="en-GB" dirty="0"/>
           </a:p>
@@ -12470,143 +9619,6 @@
             <p:ph sz="quarter" idx="1"/>
           </p:nvPr>
         </p:nvSpPr>
-        <p:spPr>
-          <a:xfrm>
-            <a:off x="914400" y="1447800"/>
-            <a:ext cx="7772400" cy="469032"/>
-          </a:xfrm>
-        </p:spPr>
-        <p:txBody>
-          <a:bodyPr>
-            <a:normAutofit lnSpcReduction="10000"/>
-          </a:bodyPr>
-          <a:lstStyle/>
-          <a:p>
-            <a:pPr algn="ctr">
-              <a:buNone/>
-            </a:pPr>
-            <a:r>
-              <a:rPr lang="en-GB" i="1" dirty="0" smtClean="0"/>
-              <a:t>Yu-</a:t>
-            </a:r>
-            <a:r>
-              <a:rPr lang="en-GB" i="1" dirty="0" err="1" smtClean="0"/>
-              <a:t>Gi</a:t>
-            </a:r>
-            <a:r>
-              <a:rPr lang="en-GB" i="1" dirty="0" smtClean="0"/>
-              <a:t>-Oh! </a:t>
-            </a:r>
-            <a:r>
-              <a:rPr lang="en-GB" dirty="0" smtClean="0"/>
-              <a:t>Vs </a:t>
-            </a:r>
-            <a:r>
-              <a:rPr lang="en-GB" i="1" dirty="0" smtClean="0"/>
-              <a:t>Hearthstone</a:t>
-            </a:r>
-            <a:endParaRPr lang="en-GB" i="1" dirty="0"/>
-          </a:p>
-        </p:txBody>
-      </p:sp>
-      <p:pic>
-        <p:nvPicPr>
-          <p:cNvPr id="4" name="Picture 3" descr="Endymion, the Mighty Master of Magic | Yu-Gi-Oh! Wiki | Fandom"/>
-          <p:cNvPicPr/>
-          <p:nvPr/>
-        </p:nvPicPr>
-        <p:blipFill>
-          <a:blip r:embed="rId2" cstate="print"/>
-          <a:srcRect/>
-          <a:stretch>
-            <a:fillRect/>
-          </a:stretch>
-        </p:blipFill>
-        <p:spPr bwMode="auto">
-          <a:xfrm>
-            <a:off x="1547664" y="2204864"/>
-            <a:ext cx="2455922" cy="3600400"/>
-          </a:xfrm>
-          <a:prstGeom prst="rect">
-            <a:avLst/>
-          </a:prstGeom>
-          <a:noFill/>
-          <a:ln w="9525">
-            <a:noFill/>
-            <a:miter lim="800000"/>
-            <a:headEnd/>
-            <a:tailEnd/>
-          </a:ln>
-        </p:spPr>
-      </p:pic>
-      <p:pic>
-        <p:nvPicPr>
-          <p:cNvPr id="1026" name="Picture 2" descr="Dr. Boom - Hearthstone Wiki"/>
-          <p:cNvPicPr>
-            <a:picLocks noChangeAspect="1" noChangeArrowheads="1"/>
-          </p:cNvPicPr>
-          <p:nvPr/>
-        </p:nvPicPr>
-        <p:blipFill>
-          <a:blip r:embed="rId3" cstate="print"/>
-          <a:srcRect/>
-          <a:stretch>
-            <a:fillRect/>
-          </a:stretch>
-        </p:blipFill>
-        <p:spPr bwMode="auto">
-          <a:xfrm>
-            <a:off x="5148064" y="2132856"/>
-            <a:ext cx="2724150" cy="3762376"/>
-          </a:xfrm>
-          <a:prstGeom prst="rect">
-            <a:avLst/>
-          </a:prstGeom>
-          <a:noFill/>
-        </p:spPr>
-      </p:pic>
-    </p:spTree>
-  </p:cSld>
-  <p:clrMapOvr>
-    <a:masterClrMapping/>
-  </p:clrMapOvr>
-  <p:timing>
-    <p:tnLst>
-      <p:par>
-        <p:cTn id="1" dur="indefinite" restart="never" nodeType="tmRoot"/>
-      </p:par>
-    </p:tnLst>
-  </p:timing>
-</p:sld>
-</file>
-
-<file path=ppt/slides/slide8.xml><?xml version="1.0" encoding="utf-8"?>
-<p:sld xmlns:a="http://schemas.openxmlformats.org/drawingml/2006/main" xmlns:r="http://schemas.openxmlformats.org/officeDocument/2006/relationships" xmlns:p="http://schemas.openxmlformats.org/presentationml/2006/main">
-  <p:cSld>
-    <p:spTree>
-      <p:nvGrpSpPr>
-        <p:cNvPr id="1" name=""/>
-        <p:cNvGrpSpPr/>
-        <p:nvPr/>
-      </p:nvGrpSpPr>
-      <p:grpSpPr>
-        <a:xfrm>
-          <a:off x="0" y="0"/>
-          <a:ext cx="0" cy="0"/>
-          <a:chOff x="0" y="0"/>
-          <a:chExt cx="0" cy="0"/>
-        </a:xfrm>
-      </p:grpSpPr>
-      <p:sp>
-        <p:nvSpPr>
-          <p:cNvPr id="2" name="Title 1"/>
-          <p:cNvSpPr>
-            <a:spLocks noGrp="1"/>
-          </p:cNvSpPr>
-          <p:nvPr>
-            <p:ph type="title"/>
-          </p:nvPr>
-        </p:nvSpPr>
         <p:spPr/>
         <p:txBody>
           <a:bodyPr/>
@@ -12614,83 +9626,55 @@
           <a:p>
             <a:r>
               <a:rPr lang="en-GB" dirty="0" smtClean="0"/>
-              <a:t>Context – Designing Card Effects </a:t>
-            </a:r>
+              <a:t>Three Primary Objectives:</a:t>
+            </a:r>
+          </a:p>
+          <a:p>
+            <a:pPr marL="788670" lvl="1" indent="-514350">
+              <a:buFont typeface="+mj-lt"/>
+              <a:buAutoNum type="arabicPeriod"/>
+            </a:pPr>
+            <a:r>
+              <a:rPr lang="en-GB" dirty="0" smtClean="0"/>
+              <a:t>Create a deck-builder tool that allows players to build decks from a pool of over 100 cards.</a:t>
+            </a:r>
+          </a:p>
+          <a:p>
+            <a:pPr marL="788670" lvl="1" indent="-514350">
+              <a:buFont typeface="+mj-lt"/>
+              <a:buAutoNum type="arabicPeriod"/>
+            </a:pPr>
+            <a:r>
+              <a:rPr lang="en-GB" dirty="0" smtClean="0"/>
+              <a:t>Create online functionality, allowing players to play with each other remotely (different households, cities, etc.).</a:t>
+            </a:r>
+          </a:p>
+          <a:p>
+            <a:pPr marL="788670" lvl="1" indent="-514350">
+              <a:buFont typeface="+mj-lt"/>
+              <a:buAutoNum type="arabicPeriod"/>
+            </a:pPr>
+            <a:r>
+              <a:rPr lang="en-GB" dirty="0" smtClean="0"/>
+              <a:t>Introduce Trading Card Game (TCG) players to the game, and improve it based on their feedback.</a:t>
+            </a:r>
+          </a:p>
+          <a:p>
+            <a:pPr marL="514350" indent="-514350"/>
+            <a:r>
+              <a:rPr lang="en-GB" dirty="0" smtClean="0"/>
+              <a:t>Produced a Game Design Document outlining the design of the game (including rules, features, etc.).</a:t>
+            </a:r>
+          </a:p>
+          <a:p>
+            <a:pPr marL="514350" indent="-514350">
+              <a:buFont typeface="+mj-lt"/>
+              <a:buAutoNum type="arabicPeriod"/>
+            </a:pPr>
             <a:endParaRPr lang="en-GB" dirty="0"/>
           </a:p>
         </p:txBody>
       </p:sp>
-      <p:sp>
-        <p:nvSpPr>
-          <p:cNvPr id="3" name="Content Placeholder 2"/>
-          <p:cNvSpPr>
-            <a:spLocks noGrp="1"/>
-          </p:cNvSpPr>
-          <p:nvPr>
-            <p:ph sz="quarter" idx="1"/>
-          </p:nvPr>
-        </p:nvSpPr>
-        <p:spPr>
-          <a:xfrm>
-            <a:off x="899592" y="1412776"/>
-            <a:ext cx="6537920" cy="1981200"/>
-          </a:xfrm>
-        </p:spPr>
-        <p:txBody>
-          <a:bodyPr>
-            <a:normAutofit/>
-          </a:bodyPr>
-          <a:lstStyle/>
-          <a:p>
-            <a:pPr>
-              <a:buNone/>
-            </a:pPr>
-            <a:r>
-              <a:rPr lang="en-GB" dirty="0" smtClean="0"/>
-              <a:t>Result – Simple card effects that use keywords.</a:t>
-            </a:r>
-          </a:p>
-          <a:p>
-            <a:r>
-              <a:rPr lang="en-GB" dirty="0" smtClean="0"/>
-              <a:t>Helps newer players.</a:t>
-            </a:r>
-          </a:p>
-          <a:p>
-            <a:r>
-              <a:rPr lang="en-GB" dirty="0" smtClean="0"/>
-              <a:t>More efficient use of space.</a:t>
-            </a:r>
-            <a:endParaRPr lang="en-GB" dirty="0"/>
-          </a:p>
-        </p:txBody>
-      </p:sp>
-      <p:pic>
-        <p:nvPicPr>
-          <p:cNvPr id="1026" name="Picture 2" descr="Dr. Boom - Hearthstone Wiki"/>
-          <p:cNvPicPr>
-            <a:picLocks noChangeAspect="1" noChangeArrowheads="1"/>
-          </p:cNvPicPr>
-          <p:nvPr/>
-        </p:nvPicPr>
-        <p:blipFill>
-          <a:blip r:embed="rId2" cstate="print"/>
-          <a:srcRect/>
-          <a:stretch>
-            <a:fillRect/>
-          </a:stretch>
-        </p:blipFill>
-        <p:spPr bwMode="auto">
-          <a:xfrm>
-            <a:off x="5868144" y="2060848"/>
-            <a:ext cx="2724150" cy="3762376"/>
-          </a:xfrm>
-          <a:prstGeom prst="rect">
-            <a:avLst/>
-          </a:prstGeom>
-          <a:noFill/>
-        </p:spPr>
-      </p:pic>
     </p:spTree>
   </p:cSld>
   <p:clrMapOvr>
@@ -12747,33 +9731,6 @@
                                   </p:childTnLst>
                                 </p:cTn>
                               </p:par>
-                              <p:par>
-                                <p:cTn id="7" presetID="1" presetClass="entr" presetSubtype="0" fill="hold" nodeType="withEffect">
-                                  <p:stCondLst>
-                                    <p:cond delay="0"/>
-                                  </p:stCondLst>
-                                  <p:childTnLst>
-                                    <p:set>
-                                      <p:cBhvr>
-                                        <p:cTn id="8" dur="1" fill="hold">
-                                          <p:stCondLst>
-                                            <p:cond delay="0"/>
-                                          </p:stCondLst>
-                                        </p:cTn>
-                                        <p:tgtEl>
-                                          <p:spTgt spid="1026"/>
-                                        </p:tgtEl>
-                                        <p:attrNameLst>
-                                          <p:attrName>style.visibility</p:attrName>
-                                        </p:attrNameLst>
-                                      </p:cBhvr>
-                                      <p:to>
-                                        <p:strVal val="visible"/>
-                                      </p:to>
-                                    </p:set>
-                                  </p:childTnLst>
-                                </p:cTn>
-                              </p:par>
                             </p:childTnLst>
                           </p:cTn>
                         </p:par>
@@ -12781,26 +9738,26 @@
                     </p:cTn>
                   </p:par>
                   <p:par>
-                    <p:cTn id="9" fill="hold">
+                    <p:cTn id="7" fill="hold">
                       <p:stCondLst>
                         <p:cond delay="indefinite"/>
                       </p:stCondLst>
                       <p:childTnLst>
                         <p:par>
-                          <p:cTn id="10" fill="hold">
+                          <p:cTn id="8" fill="hold">
                             <p:stCondLst>
                               <p:cond delay="0"/>
                             </p:stCondLst>
                             <p:childTnLst>
                               <p:par>
-                                <p:cTn id="11" presetID="1" presetClass="entr" presetSubtype="0" fill="hold" nodeType="clickEffect">
+                                <p:cTn id="9" presetID="1" presetClass="entr" presetSubtype="0" fill="hold" nodeType="clickEffect">
                                   <p:stCondLst>
                                     <p:cond delay="0"/>
                                   </p:stCondLst>
                                   <p:childTnLst>
                                     <p:set>
                                       <p:cBhvr>
-                                        <p:cTn id="12" dur="1" fill="hold">
+                                        <p:cTn id="10" dur="1" fill="hold">
                                           <p:stCondLst>
                                             <p:cond delay="0"/>
                                           </p:stCondLst>
@@ -12830,26 +9787,26 @@
                     </p:cTn>
                   </p:par>
                   <p:par>
-                    <p:cTn id="13" fill="hold">
+                    <p:cTn id="11" fill="hold">
                       <p:stCondLst>
                         <p:cond delay="indefinite"/>
                       </p:stCondLst>
                       <p:childTnLst>
                         <p:par>
-                          <p:cTn id="14" fill="hold">
+                          <p:cTn id="12" fill="hold">
                             <p:stCondLst>
                               <p:cond delay="0"/>
                             </p:stCondLst>
                             <p:childTnLst>
                               <p:par>
-                                <p:cTn id="15" presetID="1" presetClass="entr" presetSubtype="0" fill="hold" nodeType="clickEffect">
+                                <p:cTn id="13" presetID="1" presetClass="entr" presetSubtype="0" fill="hold" nodeType="clickEffect">
                                   <p:stCondLst>
                                     <p:cond delay="0"/>
                                   </p:stCondLst>
                                   <p:childTnLst>
                                     <p:set>
                                       <p:cBhvr>
-                                        <p:cTn id="16" dur="1" fill="hold">
+                                        <p:cTn id="14" dur="1" fill="hold">
                                           <p:stCondLst>
                                             <p:cond delay="0"/>
                                           </p:stCondLst>
@@ -12858,6 +9815,104 @@
                                           <p:spTgt spid="3">
                                             <p:txEl>
                                               <p:pRg st="2" end="2"/>
+                                            </p:txEl>
+                                          </p:spTgt>
+                                        </p:tgtEl>
+                                        <p:attrNameLst>
+                                          <p:attrName>style.visibility</p:attrName>
+                                        </p:attrNameLst>
+                                      </p:cBhvr>
+                                      <p:to>
+                                        <p:strVal val="visible"/>
+                                      </p:to>
+                                    </p:set>
+                                  </p:childTnLst>
+                                </p:cTn>
+                              </p:par>
+                            </p:childTnLst>
+                          </p:cTn>
+                        </p:par>
+                      </p:childTnLst>
+                    </p:cTn>
+                  </p:par>
+                  <p:par>
+                    <p:cTn id="15" fill="hold">
+                      <p:stCondLst>
+                        <p:cond delay="indefinite"/>
+                      </p:stCondLst>
+                      <p:childTnLst>
+                        <p:par>
+                          <p:cTn id="16" fill="hold">
+                            <p:stCondLst>
+                              <p:cond delay="0"/>
+                            </p:stCondLst>
+                            <p:childTnLst>
+                              <p:par>
+                                <p:cTn id="17" presetID="1" presetClass="entr" presetSubtype="0" fill="hold" nodeType="clickEffect">
+                                  <p:stCondLst>
+                                    <p:cond delay="0"/>
+                                  </p:stCondLst>
+                                  <p:childTnLst>
+                                    <p:set>
+                                      <p:cBhvr>
+                                        <p:cTn id="18" dur="1" fill="hold">
+                                          <p:stCondLst>
+                                            <p:cond delay="0"/>
+                                          </p:stCondLst>
+                                        </p:cTn>
+                                        <p:tgtEl>
+                                          <p:spTgt spid="3">
+                                            <p:txEl>
+                                              <p:pRg st="3" end="3"/>
+                                            </p:txEl>
+                                          </p:spTgt>
+                                        </p:tgtEl>
+                                        <p:attrNameLst>
+                                          <p:attrName>style.visibility</p:attrName>
+                                        </p:attrNameLst>
+                                      </p:cBhvr>
+                                      <p:to>
+                                        <p:strVal val="visible"/>
+                                      </p:to>
+                                    </p:set>
+                                  </p:childTnLst>
+                                </p:cTn>
+                              </p:par>
+                            </p:childTnLst>
+                          </p:cTn>
+                        </p:par>
+                      </p:childTnLst>
+                    </p:cTn>
+                  </p:par>
+                  <p:par>
+                    <p:cTn id="19" fill="hold">
+                      <p:stCondLst>
+                        <p:cond delay="indefinite"/>
+                      </p:stCondLst>
+                      <p:childTnLst>
+                        <p:par>
+                          <p:cTn id="20" fill="hold">
+                            <p:stCondLst>
+                              <p:cond delay="0"/>
+                            </p:stCondLst>
+                            <p:childTnLst>
+                              <p:par>
+                                <p:cTn id="21" presetID="1" presetClass="entr" presetSubtype="0" fill="hold" nodeType="clickEffect">
+                                  <p:stCondLst>
+                                    <p:cond delay="0"/>
+                                  </p:stCondLst>
+                                  <p:childTnLst>
+                                    <p:set>
+                                      <p:cBhvr>
+                                        <p:cTn id="22" dur="1" fill="hold">
+                                          <p:stCondLst>
+                                            <p:cond delay="0"/>
+                                          </p:stCondLst>
+                                        </p:cTn>
+                                        <p:tgtEl>
+                                          <p:spTgt spid="3">
+                                            <p:txEl>
+                                              <p:pRg st="4" end="4"/>
                                             </p:txEl>
                                           </p:spTgt>
                                         </p:tgtEl>
@@ -12903,6 +9958,93 @@
 </p:sld>
 </file>
 
+<file path=ppt/slides/slide8.xml><?xml version="1.0" encoding="utf-8"?>
+<p:sld xmlns:a="http://schemas.openxmlformats.org/drawingml/2006/main" xmlns:r="http://schemas.openxmlformats.org/officeDocument/2006/relationships" xmlns:p="http://schemas.openxmlformats.org/presentationml/2006/main">
+  <p:cSld>
+    <p:spTree>
+      <p:nvGrpSpPr>
+        <p:cNvPr id="1" name=""/>
+        <p:cNvGrpSpPr/>
+        <p:nvPr/>
+      </p:nvGrpSpPr>
+      <p:grpSpPr>
+        <a:xfrm>
+          <a:off x="0" y="0"/>
+          <a:ext cx="0" cy="0"/>
+          <a:chOff x="0" y="0"/>
+          <a:chExt cx="0" cy="0"/>
+        </a:xfrm>
+      </p:grpSpPr>
+      <p:sp>
+        <p:nvSpPr>
+          <p:cNvPr id="2" name="Title 1"/>
+          <p:cNvSpPr>
+            <a:spLocks noGrp="1"/>
+          </p:cNvSpPr>
+          <p:nvPr>
+            <p:ph type="title"/>
+          </p:nvPr>
+        </p:nvSpPr>
+        <p:spPr/>
+        <p:txBody>
+          <a:bodyPr/>
+          <a:lstStyle/>
+          <a:p>
+            <a:r>
+              <a:rPr lang="en-GB" dirty="0" smtClean="0"/>
+              <a:t>Final Product – Deck-Builder</a:t>
+            </a:r>
+            <a:endParaRPr lang="en-GB" dirty="0"/>
+          </a:p>
+        </p:txBody>
+      </p:sp>
+      <p:pic>
+        <p:nvPicPr>
+          <p:cNvPr id="1026" name="Picture 2"/>
+          <p:cNvPicPr>
+            <a:picLocks noChangeAspect="1" noChangeArrowheads="1"/>
+          </p:cNvPicPr>
+          <p:nvPr/>
+        </p:nvPicPr>
+        <p:blipFill>
+          <a:blip r:embed="rId2" cstate="print"/>
+          <a:srcRect/>
+          <a:stretch>
+            <a:fillRect/>
+          </a:stretch>
+        </p:blipFill>
+        <p:spPr bwMode="auto">
+          <a:xfrm>
+            <a:off x="539552" y="1556792"/>
+            <a:ext cx="8064896" cy="4536504"/>
+          </a:xfrm>
+          <a:prstGeom prst="rect">
+            <a:avLst/>
+          </a:prstGeom>
+          <a:noFill/>
+          <a:ln w="9525">
+            <a:noFill/>
+            <a:miter lim="800000"/>
+            <a:headEnd/>
+            <a:tailEnd/>
+          </a:ln>
+        </p:spPr>
+      </p:pic>
+    </p:spTree>
+  </p:cSld>
+  <p:clrMapOvr>
+    <a:masterClrMapping/>
+  </p:clrMapOvr>
+  <p:timing>
+    <p:tnLst>
+      <p:par>
+        <p:cTn id="1" dur="indefinite" restart="never" nodeType="tmRoot"/>
+      </p:par>
+    </p:tnLst>
+  </p:timing>
+</p:sld>
+</file>
+
 <file path=ppt/slides/slide9.xml><?xml version="1.0" encoding="utf-8"?>
 <p:sld xmlns:a="http://schemas.openxmlformats.org/drawingml/2006/main" xmlns:r="http://schemas.openxmlformats.org/officeDocument/2006/relationships" xmlns:p="http://schemas.openxmlformats.org/presentationml/2006/main">
   <p:cSld>
@@ -12937,7 +10079,7 @@
           <a:p>
             <a:r>
               <a:rPr lang="en-GB" dirty="0" smtClean="0"/>
-              <a:t>Context – Designing Card Effects </a:t>
+              <a:t>Final Product – Deck-Builder</a:t>
             </a:r>
             <a:endParaRPr lang="en-GB" dirty="0"/>
           </a:p>
@@ -12953,194 +10095,75 @@
             <p:ph sz="quarter" idx="1"/>
           </p:nvPr>
         </p:nvSpPr>
-        <p:spPr>
-          <a:xfrm>
-            <a:off x="899592" y="1412776"/>
-            <a:ext cx="6537920" cy="1981200"/>
-          </a:xfrm>
-        </p:spPr>
-        <p:txBody>
-          <a:bodyPr>
-            <a:normAutofit/>
-          </a:bodyPr>
+        <p:spPr/>
+        <p:txBody>
+          <a:bodyPr/>
           <a:lstStyle/>
           <a:p>
-            <a:pPr>
-              <a:buNone/>
-            </a:pPr>
-            <a:r>
-              <a:rPr lang="en-GB" dirty="0" smtClean="0"/>
-              <a:t>Result – Simple card effects that use keywords.</a:t>
-            </a:r>
-          </a:p>
-          <a:p>
-            <a:r>
-              <a:rPr lang="en-GB" dirty="0" smtClean="0"/>
-              <a:t>Helps newer players.</a:t>
-            </a:r>
-          </a:p>
-          <a:p>
-            <a:r>
-              <a:rPr lang="en-GB" dirty="0" smtClean="0"/>
-              <a:t>More efficient use of space.</a:t>
+            <a:r>
+              <a:rPr lang="en-GB" dirty="0" smtClean="0"/>
+              <a:t>Functioning deck-builder that players can use to create multiple decks.</a:t>
+            </a:r>
+          </a:p>
+          <a:p>
+            <a:r>
+              <a:rPr lang="en-GB" dirty="0" smtClean="0"/>
+              <a:t>Validates decks to make sure they follow the game rules.</a:t>
+            </a:r>
+          </a:p>
+          <a:p>
+            <a:r>
+              <a:rPr lang="en-GB" dirty="0" smtClean="0"/>
+              <a:t>Players can search for cards by name, cost, or card type.</a:t>
+            </a:r>
+          </a:p>
+          <a:p>
+            <a:r>
+              <a:rPr lang="en-GB" dirty="0" smtClean="0"/>
+              <a:t>28 Cards (goal was 100</a:t>
+            </a:r>
+            <a:r>
+              <a:rPr lang="en-GB" dirty="0" smtClean="0"/>
+              <a:t>).</a:t>
+            </a:r>
+          </a:p>
+          <a:p>
+            <a:r>
+              <a:rPr lang="en-GB" dirty="0" smtClean="0"/>
+              <a:t>Decks are saved client-side in a serialized format.</a:t>
+            </a:r>
+            <a:endParaRPr lang="en-GB" dirty="0" smtClean="0"/>
+          </a:p>
+          <a:p>
+            <a:r>
+              <a:rPr lang="en-GB" dirty="0" smtClean="0"/>
+              <a:t>Future improvements:</a:t>
+            </a:r>
+          </a:p>
+          <a:p>
+            <a:pPr lvl="1"/>
+            <a:r>
+              <a:rPr lang="en-GB" dirty="0" smtClean="0"/>
+              <a:t>More cards.</a:t>
+            </a:r>
+          </a:p>
+          <a:p>
+            <a:pPr lvl="1"/>
+            <a:r>
+              <a:rPr lang="en-GB" dirty="0" smtClean="0"/>
+              <a:t>More search parameters.</a:t>
+            </a:r>
+          </a:p>
+          <a:p>
+            <a:pPr lvl="1"/>
+            <a:r>
+              <a:rPr lang="en-GB" dirty="0" smtClean="0"/>
+              <a:t>Allow players to modify existing decks.</a:t>
             </a:r>
             <a:endParaRPr lang="en-GB" dirty="0"/>
           </a:p>
         </p:txBody>
       </p:sp>
-      <p:grpSp>
-        <p:nvGrpSpPr>
-          <p:cNvPr id="4" name="Group 8"/>
-          <p:cNvGrpSpPr/>
-          <p:nvPr/>
-        </p:nvGrpSpPr>
-        <p:grpSpPr>
-          <a:xfrm>
-            <a:off x="2483768" y="2060848"/>
-            <a:ext cx="6108526" cy="3762376"/>
-            <a:chOff x="2339752" y="1916832"/>
-            <a:chExt cx="6108526" cy="3762376"/>
-          </a:xfrm>
-        </p:grpSpPr>
-        <p:pic>
-          <p:nvPicPr>
-            <p:cNvPr id="1026" name="Picture 2" descr="Dr. Boom - Hearthstone Wiki"/>
-            <p:cNvPicPr>
-              <a:picLocks noChangeAspect="1" noChangeArrowheads="1"/>
-            </p:cNvPicPr>
-            <p:nvPr/>
-          </p:nvPicPr>
-          <p:blipFill>
-            <a:blip r:embed="rId2" cstate="print"/>
-            <a:srcRect/>
-            <a:stretch>
-              <a:fillRect/>
-            </a:stretch>
-          </p:blipFill>
-          <p:spPr bwMode="auto">
-            <a:xfrm>
-              <a:off x="5724128" y="1916832"/>
-              <a:ext cx="2724150" cy="3762376"/>
-            </a:xfrm>
-            <a:prstGeom prst="rect">
-              <a:avLst/>
-            </a:prstGeom>
-            <a:noFill/>
-          </p:spPr>
-        </p:pic>
-        <p:sp>
-          <p:nvSpPr>
-            <p:cNvPr id="5" name="Rectangle 4"/>
-            <p:cNvSpPr/>
-            <p:nvPr/>
-          </p:nvSpPr>
-          <p:spPr>
-            <a:xfrm>
-              <a:off x="6084168" y="4509120"/>
-              <a:ext cx="792088" cy="288032"/>
-            </a:xfrm>
-            <a:prstGeom prst="rect">
-              <a:avLst/>
-            </a:prstGeom>
-            <a:noFill/>
-            <a:ln w="57150">
-              <a:solidFill>
-                <a:srgbClr val="FF0000"/>
-              </a:solidFill>
-            </a:ln>
-          </p:spPr>
-          <p:style>
-            <a:lnRef idx="2">
-              <a:schemeClr val="accent1">
-                <a:shade val="50000"/>
-              </a:schemeClr>
-            </a:lnRef>
-            <a:fillRef idx="1">
-              <a:schemeClr val="accent1"/>
-            </a:fillRef>
-            <a:effectRef idx="0">
-              <a:schemeClr val="accent1"/>
-            </a:effectRef>
-            <a:fontRef idx="minor">
-              <a:schemeClr val="lt1"/>
-            </a:fontRef>
-          </p:style>
-          <p:txBody>
-            <a:bodyPr rtlCol="0" anchor="ctr"/>
-            <a:lstStyle/>
-            <a:p>
-              <a:pPr algn="ctr"/>
-              <a:endParaRPr lang="en-GB"/>
-            </a:p>
-          </p:txBody>
-        </p:sp>
-        <p:cxnSp>
-          <p:nvCxnSpPr>
-            <p:cNvPr id="7" name="Straight Arrow Connector 6"/>
-            <p:cNvCxnSpPr/>
-            <p:nvPr/>
-          </p:nvCxnSpPr>
-          <p:spPr>
-            <a:xfrm>
-              <a:off x="4788024" y="4653136"/>
-              <a:ext cx="1224136" cy="0"/>
-            </a:xfrm>
-            <a:prstGeom prst="straightConnector1">
-              <a:avLst/>
-            </a:prstGeom>
-            <a:ln w="57150">
-              <a:solidFill>
-                <a:srgbClr val="FF0000"/>
-              </a:solidFill>
-              <a:tailEnd type="arrow"/>
-            </a:ln>
-          </p:spPr>
-          <p:style>
-            <a:lnRef idx="1">
-              <a:schemeClr val="accent1"/>
-            </a:lnRef>
-            <a:fillRef idx="0">
-              <a:schemeClr val="accent1"/>
-            </a:fillRef>
-            <a:effectRef idx="0">
-              <a:schemeClr val="accent1"/>
-            </a:effectRef>
-            <a:fontRef idx="minor">
-              <a:schemeClr val="tx1"/>
-            </a:fontRef>
-          </p:style>
-        </p:cxnSp>
-        <p:sp>
-          <p:nvSpPr>
-            <p:cNvPr id="8" name="TextBox 7"/>
-            <p:cNvSpPr txBox="1"/>
-            <p:nvPr/>
-          </p:nvSpPr>
-          <p:spPr>
-            <a:xfrm>
-              <a:off x="2339752" y="4149080"/>
-              <a:ext cx="2736304" cy="923330"/>
-            </a:xfrm>
-            <a:prstGeom prst="rect">
-              <a:avLst/>
-            </a:prstGeom>
-            <a:noFill/>
-          </p:spPr>
-          <p:txBody>
-            <a:bodyPr wrap="square" rtlCol="0">
-              <a:spAutoFit/>
-            </a:bodyPr>
-            <a:lstStyle/>
-            <a:p>
-              <a:r>
-                <a:rPr lang="en-GB" dirty="0" smtClean="0"/>
-                <a:t>Mark Rosewater said keywords help players learn mechanics in his GDC talk.</a:t>
-              </a:r>
-              <a:endParaRPr lang="en-GB" dirty="0"/>
-            </a:p>
-          </p:txBody>
-        </p:sp>
-      </p:grpSp>
     </p:spTree>
   </p:cSld>
   <p:clrMapOvr>
@@ -13149,7 +10172,471 @@
   <p:timing>
     <p:tnLst>
       <p:par>
-        <p:cTn id="1" dur="indefinite" restart="never" nodeType="tmRoot"/>
+        <p:cTn id="1" dur="indefinite" restart="never" nodeType="tmRoot">
+          <p:childTnLst>
+            <p:seq concurrent="1" nextAc="seek">
+              <p:cTn id="2" dur="indefinite" nodeType="mainSeq">
+                <p:childTnLst>
+                  <p:par>
+                    <p:cTn id="3" fill="hold">
+                      <p:stCondLst>
+                        <p:cond delay="indefinite"/>
+                      </p:stCondLst>
+                      <p:childTnLst>
+                        <p:par>
+                          <p:cTn id="4" fill="hold">
+                            <p:stCondLst>
+                              <p:cond delay="0"/>
+                            </p:stCondLst>
+                            <p:childTnLst>
+                              <p:par>
+                                <p:cTn id="5" presetID="1" presetClass="entr" presetSubtype="0" fill="hold" nodeType="clickEffect">
+                                  <p:stCondLst>
+                                    <p:cond delay="0"/>
+                                  </p:stCondLst>
+                                  <p:childTnLst>
+                                    <p:set>
+                                      <p:cBhvr>
+                                        <p:cTn id="6" dur="1" fill="hold">
+                                          <p:stCondLst>
+                                            <p:cond delay="0"/>
+                                          </p:stCondLst>
+                                        </p:cTn>
+                                        <p:tgtEl>
+                                          <p:spTgt spid="3">
+                                            <p:txEl>
+                                              <p:pRg st="0" end="0"/>
+                                            </p:txEl>
+                                          </p:spTgt>
+                                        </p:tgtEl>
+                                        <p:attrNameLst>
+                                          <p:attrName>style.visibility</p:attrName>
+                                        </p:attrNameLst>
+                                      </p:cBhvr>
+                                      <p:to>
+                                        <p:strVal val="visible"/>
+                                      </p:to>
+                                    </p:set>
+                                  </p:childTnLst>
+                                </p:cTn>
+                              </p:par>
+                            </p:childTnLst>
+                          </p:cTn>
+                        </p:par>
+                      </p:childTnLst>
+                    </p:cTn>
+                  </p:par>
+                  <p:par>
+                    <p:cTn id="7" fill="hold">
+                      <p:stCondLst>
+                        <p:cond delay="indefinite"/>
+                      </p:stCondLst>
+                      <p:childTnLst>
+                        <p:par>
+                          <p:cTn id="8" fill="hold">
+                            <p:stCondLst>
+                              <p:cond delay="0"/>
+                            </p:stCondLst>
+                            <p:childTnLst>
+                              <p:par>
+                                <p:cTn id="9" presetID="1" presetClass="entr" presetSubtype="0" fill="hold" nodeType="clickEffect">
+                                  <p:stCondLst>
+                                    <p:cond delay="0"/>
+                                  </p:stCondLst>
+                                  <p:childTnLst>
+                                    <p:set>
+                                      <p:cBhvr>
+                                        <p:cTn id="10" dur="1" fill="hold">
+                                          <p:stCondLst>
+                                            <p:cond delay="0"/>
+                                          </p:stCondLst>
+                                        </p:cTn>
+                                        <p:tgtEl>
+                                          <p:spTgt spid="3">
+                                            <p:txEl>
+                                              <p:pRg st="1" end="1"/>
+                                            </p:txEl>
+                                          </p:spTgt>
+                                        </p:tgtEl>
+                                        <p:attrNameLst>
+                                          <p:attrName>style.visibility</p:attrName>
+                                        </p:attrNameLst>
+                                      </p:cBhvr>
+                                      <p:to>
+                                        <p:strVal val="visible"/>
+                                      </p:to>
+                                    </p:set>
+                                  </p:childTnLst>
+                                </p:cTn>
+                              </p:par>
+                            </p:childTnLst>
+                          </p:cTn>
+                        </p:par>
+                      </p:childTnLst>
+                    </p:cTn>
+                  </p:par>
+                  <p:par>
+                    <p:cTn id="11" fill="hold">
+                      <p:stCondLst>
+                        <p:cond delay="indefinite"/>
+                      </p:stCondLst>
+                      <p:childTnLst>
+                        <p:par>
+                          <p:cTn id="12" fill="hold">
+                            <p:stCondLst>
+                              <p:cond delay="0"/>
+                            </p:stCondLst>
+                            <p:childTnLst>
+                              <p:par>
+                                <p:cTn id="13" presetID="1" presetClass="entr" presetSubtype="0" fill="hold" nodeType="clickEffect">
+                                  <p:stCondLst>
+                                    <p:cond delay="0"/>
+                                  </p:stCondLst>
+                                  <p:childTnLst>
+                                    <p:set>
+                                      <p:cBhvr>
+                                        <p:cTn id="14" dur="1" fill="hold">
+                                          <p:stCondLst>
+                                            <p:cond delay="0"/>
+                                          </p:stCondLst>
+                                        </p:cTn>
+                                        <p:tgtEl>
+                                          <p:spTgt spid="3">
+                                            <p:txEl>
+                                              <p:pRg st="2" end="2"/>
+                                            </p:txEl>
+                                          </p:spTgt>
+                                        </p:tgtEl>
+                                        <p:attrNameLst>
+                                          <p:attrName>style.visibility</p:attrName>
+                                        </p:attrNameLst>
+                                      </p:cBhvr>
+                                      <p:to>
+                                        <p:strVal val="visible"/>
+                                      </p:to>
+                                    </p:set>
+                                  </p:childTnLst>
+                                </p:cTn>
+                              </p:par>
+                            </p:childTnLst>
+                          </p:cTn>
+                        </p:par>
+                      </p:childTnLst>
+                    </p:cTn>
+                  </p:par>
+                  <p:par>
+                    <p:cTn id="15" fill="hold">
+                      <p:stCondLst>
+                        <p:cond delay="indefinite"/>
+                      </p:stCondLst>
+                      <p:childTnLst>
+                        <p:par>
+                          <p:cTn id="16" fill="hold">
+                            <p:stCondLst>
+                              <p:cond delay="0"/>
+                            </p:stCondLst>
+                            <p:childTnLst>
+                              <p:par>
+                                <p:cTn id="17" presetID="1" presetClass="entr" presetSubtype="0" fill="hold" nodeType="clickEffect">
+                                  <p:stCondLst>
+                                    <p:cond delay="0"/>
+                                  </p:stCondLst>
+                                  <p:childTnLst>
+                                    <p:set>
+                                      <p:cBhvr>
+                                        <p:cTn id="18" dur="1" fill="hold">
+                                          <p:stCondLst>
+                                            <p:cond delay="0"/>
+                                          </p:stCondLst>
+                                        </p:cTn>
+                                        <p:tgtEl>
+                                          <p:spTgt spid="3">
+                                            <p:txEl>
+                                              <p:pRg st="3" end="3"/>
+                                            </p:txEl>
+                                          </p:spTgt>
+                                        </p:tgtEl>
+                                        <p:attrNameLst>
+                                          <p:attrName>style.visibility</p:attrName>
+                                        </p:attrNameLst>
+                                      </p:cBhvr>
+                                      <p:to>
+                                        <p:strVal val="visible"/>
+                                      </p:to>
+                                    </p:set>
+                                  </p:childTnLst>
+                                </p:cTn>
+                              </p:par>
+                            </p:childTnLst>
+                          </p:cTn>
+                        </p:par>
+                      </p:childTnLst>
+                    </p:cTn>
+                  </p:par>
+                  <p:par>
+                    <p:cTn id="19" fill="hold">
+                      <p:stCondLst>
+                        <p:cond delay="indefinite"/>
+                      </p:stCondLst>
+                      <p:childTnLst>
+                        <p:par>
+                          <p:cTn id="20" fill="hold">
+                            <p:stCondLst>
+                              <p:cond delay="0"/>
+                            </p:stCondLst>
+                            <p:childTnLst>
+                              <p:par>
+                                <p:cTn id="21" presetID="1" presetClass="entr" presetSubtype="0" fill="hold" nodeType="clickEffect">
+                                  <p:stCondLst>
+                                    <p:cond delay="0"/>
+                                  </p:stCondLst>
+                                  <p:childTnLst>
+                                    <p:set>
+                                      <p:cBhvr>
+                                        <p:cTn id="22" dur="1" fill="hold">
+                                          <p:stCondLst>
+                                            <p:cond delay="0"/>
+                                          </p:stCondLst>
+                                        </p:cTn>
+                                        <p:tgtEl>
+                                          <p:spTgt spid="3">
+                                            <p:txEl>
+                                              <p:pRg st="4" end="4"/>
+                                            </p:txEl>
+                                          </p:spTgt>
+                                        </p:tgtEl>
+                                        <p:attrNameLst>
+                                          <p:attrName>style.visibility</p:attrName>
+                                        </p:attrNameLst>
+                                      </p:cBhvr>
+                                      <p:to>
+                                        <p:strVal val="visible"/>
+                                      </p:to>
+                                    </p:set>
+                                  </p:childTnLst>
+                                </p:cTn>
+                              </p:par>
+                            </p:childTnLst>
+                          </p:cTn>
+                        </p:par>
+                      </p:childTnLst>
+                    </p:cTn>
+                  </p:par>
+                  <p:par>
+                    <p:cTn id="23" fill="hold">
+                      <p:stCondLst>
+                        <p:cond delay="indefinite"/>
+                      </p:stCondLst>
+                      <p:childTnLst>
+                        <p:par>
+                          <p:cTn id="24" fill="hold">
+                            <p:stCondLst>
+                              <p:cond delay="0"/>
+                            </p:stCondLst>
+                            <p:childTnLst>
+                              <p:par>
+                                <p:cTn id="25" presetID="1" presetClass="entr" presetSubtype="0" fill="hold" nodeType="clickEffect">
+                                  <p:stCondLst>
+                                    <p:cond delay="0"/>
+                                  </p:stCondLst>
+                                  <p:childTnLst>
+                                    <p:set>
+                                      <p:cBhvr>
+                                        <p:cTn id="26" dur="1" fill="hold">
+                                          <p:stCondLst>
+                                            <p:cond delay="0"/>
+                                          </p:stCondLst>
+                                        </p:cTn>
+                                        <p:tgtEl>
+                                          <p:spTgt spid="3">
+                                            <p:txEl>
+                                              <p:pRg st="5" end="5"/>
+                                            </p:txEl>
+                                          </p:spTgt>
+                                        </p:tgtEl>
+                                        <p:attrNameLst>
+                                          <p:attrName>style.visibility</p:attrName>
+                                        </p:attrNameLst>
+                                      </p:cBhvr>
+                                      <p:to>
+                                        <p:strVal val="visible"/>
+                                      </p:to>
+                                    </p:set>
+                                  </p:childTnLst>
+                                </p:cTn>
+                              </p:par>
+                            </p:childTnLst>
+                          </p:cTn>
+                        </p:par>
+                      </p:childTnLst>
+                    </p:cTn>
+                  </p:par>
+                  <p:par>
+                    <p:cTn id="27" fill="hold">
+                      <p:stCondLst>
+                        <p:cond delay="indefinite"/>
+                      </p:stCondLst>
+                      <p:childTnLst>
+                        <p:par>
+                          <p:cTn id="28" fill="hold">
+                            <p:stCondLst>
+                              <p:cond delay="0"/>
+                            </p:stCondLst>
+                            <p:childTnLst>
+                              <p:par>
+                                <p:cTn id="29" presetID="1" presetClass="entr" presetSubtype="0" fill="hold" nodeType="clickEffect">
+                                  <p:stCondLst>
+                                    <p:cond delay="0"/>
+                                  </p:stCondLst>
+                                  <p:childTnLst>
+                                    <p:set>
+                                      <p:cBhvr>
+                                        <p:cTn id="30" dur="1" fill="hold">
+                                          <p:stCondLst>
+                                            <p:cond delay="0"/>
+                                          </p:stCondLst>
+                                        </p:cTn>
+                                        <p:tgtEl>
+                                          <p:spTgt spid="3">
+                                            <p:txEl>
+                                              <p:pRg st="6" end="6"/>
+                                            </p:txEl>
+                                          </p:spTgt>
+                                        </p:tgtEl>
+                                        <p:attrNameLst>
+                                          <p:attrName>style.visibility</p:attrName>
+                                        </p:attrNameLst>
+                                      </p:cBhvr>
+                                      <p:to>
+                                        <p:strVal val="visible"/>
+                                      </p:to>
+                                    </p:set>
+                                  </p:childTnLst>
+                                </p:cTn>
+                              </p:par>
+                            </p:childTnLst>
+                          </p:cTn>
+                        </p:par>
+                      </p:childTnLst>
+                    </p:cTn>
+                  </p:par>
+                  <p:par>
+                    <p:cTn id="31" fill="hold">
+                      <p:stCondLst>
+                        <p:cond delay="indefinite"/>
+                      </p:stCondLst>
+                      <p:childTnLst>
+                        <p:par>
+                          <p:cTn id="32" fill="hold">
+                            <p:stCondLst>
+                              <p:cond delay="0"/>
+                            </p:stCondLst>
+                            <p:childTnLst>
+                              <p:par>
+                                <p:cTn id="33" presetID="1" presetClass="entr" presetSubtype="0" fill="hold" nodeType="clickEffect">
+                                  <p:stCondLst>
+                                    <p:cond delay="0"/>
+                                  </p:stCondLst>
+                                  <p:childTnLst>
+                                    <p:set>
+                                      <p:cBhvr>
+                                        <p:cTn id="34" dur="1" fill="hold">
+                                          <p:stCondLst>
+                                            <p:cond delay="0"/>
+                                          </p:stCondLst>
+                                        </p:cTn>
+                                        <p:tgtEl>
+                                          <p:spTgt spid="3">
+                                            <p:txEl>
+                                              <p:pRg st="7" end="7"/>
+                                            </p:txEl>
+                                          </p:spTgt>
+                                        </p:tgtEl>
+                                        <p:attrNameLst>
+                                          <p:attrName>style.visibility</p:attrName>
+                                        </p:attrNameLst>
+                                      </p:cBhvr>
+                                      <p:to>
+                                        <p:strVal val="visible"/>
+                                      </p:to>
+                                    </p:set>
+                                  </p:childTnLst>
+                                </p:cTn>
+                              </p:par>
+                            </p:childTnLst>
+                          </p:cTn>
+                        </p:par>
+                      </p:childTnLst>
+                    </p:cTn>
+                  </p:par>
+                  <p:par>
+                    <p:cTn id="35" fill="hold">
+                      <p:stCondLst>
+                        <p:cond delay="indefinite"/>
+                      </p:stCondLst>
+                      <p:childTnLst>
+                        <p:par>
+                          <p:cTn id="36" fill="hold">
+                            <p:stCondLst>
+                              <p:cond delay="0"/>
+                            </p:stCondLst>
+                            <p:childTnLst>
+                              <p:par>
+                                <p:cTn id="37" presetID="1" presetClass="entr" presetSubtype="0" fill="hold" nodeType="clickEffect">
+                                  <p:stCondLst>
+                                    <p:cond delay="0"/>
+                                  </p:stCondLst>
+                                  <p:childTnLst>
+                                    <p:set>
+                                      <p:cBhvr>
+                                        <p:cTn id="38" dur="1" fill="hold">
+                                          <p:stCondLst>
+                                            <p:cond delay="0"/>
+                                          </p:stCondLst>
+                                        </p:cTn>
+                                        <p:tgtEl>
+                                          <p:spTgt spid="3">
+                                            <p:txEl>
+                                              <p:pRg st="8" end="8"/>
+                                            </p:txEl>
+                                          </p:spTgt>
+                                        </p:tgtEl>
+                                        <p:attrNameLst>
+                                          <p:attrName>style.visibility</p:attrName>
+                                        </p:attrNameLst>
+                                      </p:cBhvr>
+                                      <p:to>
+                                        <p:strVal val="visible"/>
+                                      </p:to>
+                                    </p:set>
+                                  </p:childTnLst>
+                                </p:cTn>
+                              </p:par>
+                            </p:childTnLst>
+                          </p:cTn>
+                        </p:par>
+                      </p:childTnLst>
+                    </p:cTn>
+                  </p:par>
+                </p:childTnLst>
+              </p:cTn>
+              <p:prevCondLst>
+                <p:cond evt="onPrev" delay="0">
+                  <p:tgtEl>
+                    <p:sldTgt/>
+                  </p:tgtEl>
+                </p:cond>
+              </p:prevCondLst>
+              <p:nextCondLst>
+                <p:cond evt="onNext" delay="0">
+                  <p:tgtEl>
+                    <p:sldTgt/>
+                  </p:tgtEl>
+                </p:cond>
+              </p:nextCondLst>
+            </p:seq>
+          </p:childTnLst>
+        </p:cTn>
       </p:par>
     </p:tnLst>
   </p:timing>
